--- a/Sections/Section 3/Entity Fundamentals Using .NET 6_Section 3.pptx
+++ b/Sections/Section 3/Entity Fundamentals Using .NET 6_Section 3.pptx
@@ -5,10 +5,10 @@
     <p:sldMasterId id="2147483737" r:id="rId1"/>
   </p:sldMasterIdLst>
   <p:notesMasterIdLst>
-    <p:notesMasterId r:id="rId24"/>
+    <p:notesMasterId r:id="rId27"/>
   </p:notesMasterIdLst>
   <p:handoutMasterIdLst>
-    <p:handoutMasterId r:id="rId25"/>
+    <p:handoutMasterId r:id="rId28"/>
   </p:handoutMasterIdLst>
   <p:sldIdLst>
     <p:sldId id="1377" r:id="rId2"/>
@@ -26,13 +26,16 @@
     <p:sldId id="1395" r:id="rId14"/>
     <p:sldId id="1396" r:id="rId15"/>
     <p:sldId id="1404" r:id="rId16"/>
-    <p:sldId id="1397" r:id="rId17"/>
-    <p:sldId id="1400" r:id="rId18"/>
-    <p:sldId id="1405" r:id="rId19"/>
-    <p:sldId id="1399" r:id="rId20"/>
-    <p:sldId id="1398" r:id="rId21"/>
-    <p:sldId id="1406" r:id="rId22"/>
-    <p:sldId id="1401" r:id="rId23"/>
+    <p:sldId id="1196" r:id="rId17"/>
+    <p:sldId id="1407" r:id="rId18"/>
+    <p:sldId id="1408" r:id="rId19"/>
+    <p:sldId id="1397" r:id="rId20"/>
+    <p:sldId id="1400" r:id="rId21"/>
+    <p:sldId id="1405" r:id="rId22"/>
+    <p:sldId id="1399" r:id="rId23"/>
+    <p:sldId id="1398" r:id="rId24"/>
+    <p:sldId id="1406" r:id="rId25"/>
+    <p:sldId id="1401" r:id="rId26"/>
   </p:sldIdLst>
   <p:sldSz cx="9144000" cy="5143500" type="screen16x9"/>
   <p:notesSz cx="6858000" cy="9144000"/>
@@ -4624,7 +4627,7 @@
         </p:nvSpPr>
         <p:spPr>
           <a:xfrm>
-            <a:off x="0" y="-8001"/>
+            <a:off x="-2885" y="-8001"/>
             <a:ext cx="9144000" cy="5151501"/>
           </a:xfrm>
           <a:prstGeom prst="rect">
@@ -4670,7 +4673,7 @@
         <p:spPr>
           <a:xfrm>
             <a:off x="447876" y="1084859"/>
-            <a:ext cx="8248247" cy="2636619"/>
+            <a:ext cx="8248247" cy="3375283"/>
           </a:xfrm>
           <a:prstGeom prst="rect">
             <a:avLst/>
@@ -4695,7 +4698,7 @@
                   <a:schemeClr val="bg1"/>
                 </a:solidFill>
               </a:rPr>
-              <a:t>One-to-One</a:t>
+              <a:t>One-to-One – Conventions Primarily, Data Annotations, Fluent API </a:t>
             </a:r>
           </a:p>
           <a:p>
@@ -4726,7 +4729,7 @@
                   <a:schemeClr val="bg1"/>
                 </a:solidFill>
               </a:rPr>
-              <a:t>One-to-Many</a:t>
+              <a:t>One-to-Many – Conventions Supported, Fluent API for ease of maintenance</a:t>
             </a:r>
           </a:p>
           <a:p>
@@ -4761,6 +4764,40 @@
             </a:r>
           </a:p>
           <a:p>
+            <a:pPr marL="628650" lvl="1" indent="-285750">
+              <a:lnSpc>
+                <a:spcPct val="150000"/>
+              </a:lnSpc>
+              <a:buFont typeface="Wingdings" panose="05000000000000000000" pitchFamily="2" charset="2"/>
+              <a:buChar char="q"/>
+            </a:pPr>
+            <a:r>
+              <a:rPr lang="en-US" sz="1600" dirty="0">
+                <a:solidFill>
+                  <a:schemeClr val="bg1"/>
+                </a:solidFill>
+              </a:rPr>
+              <a:t>No default conventions, must use Fluent API</a:t>
+            </a:r>
+          </a:p>
+          <a:p>
+            <a:pPr marL="628650" lvl="1" indent="-285750">
+              <a:lnSpc>
+                <a:spcPct val="150000"/>
+              </a:lnSpc>
+              <a:buFont typeface="Wingdings" panose="05000000000000000000" pitchFamily="2" charset="2"/>
+              <a:buChar char="q"/>
+            </a:pPr>
+            <a:r>
+              <a:rPr lang="en-US" sz="1600" dirty="0">
+                <a:solidFill>
+                  <a:schemeClr val="bg1"/>
+                </a:solidFill>
+              </a:rPr>
+              <a:t>Requires Joining Class (Foreign Keys and Navigation Properties)</a:t>
+            </a:r>
+          </a:p>
+          <a:p>
             <a:pPr marL="285750" indent="-285750">
               <a:lnSpc>
                 <a:spcPct val="150000"/>
@@ -4788,7 +4825,23 @@
                   <a:schemeClr val="bg1"/>
                 </a:solidFill>
               </a:rPr>
-              <a:t>Cascade (Delete)</a:t>
+              <a:t>Cascade (</a:t>
+            </a:r>
+            <a:r>
+              <a:rPr lang="en-US" sz="1600" dirty="0" err="1">
+                <a:solidFill>
+                  <a:schemeClr val="bg1"/>
+                </a:solidFill>
+              </a:rPr>
+              <a:t>onDelete</a:t>
+            </a:r>
+            <a:r>
+              <a:rPr lang="en-US" sz="1600" dirty="0">
+                <a:solidFill>
+                  <a:schemeClr val="bg1"/>
+                </a:solidFill>
+              </a:rPr>
+              <a:t> behavior – watch in Migrations)</a:t>
             </a:r>
           </a:p>
         </p:txBody>
@@ -5040,944 +5093,7 @@
           <p:cNvPr id="8" name="Picture Placeholder 7" descr="A picture containing text, vector graphics&#10;&#10;Description automatically generated">
             <a:extLst>
               <a:ext uri="{FF2B5EF4-FFF2-40B4-BE49-F238E27FC236}">
-                <a16:creationId xmlns:a16="http://schemas.microsoft.com/office/drawing/2014/main" id="{3E7F15DB-EC51-42BF-8DB8-127819F63835}"/>
-              </a:ext>
-            </a:extLst>
-          </p:cNvPr>
-          <p:cNvPicPr>
-            <a:picLocks noGrp="1" noChangeAspect="1"/>
-          </p:cNvPicPr>
-          <p:nvPr>
-            <p:ph type="pic" sz="quarter" idx="10"/>
-          </p:nvPr>
-        </p:nvPicPr>
-        <p:blipFill>
-          <a:blip r:embed="rId2" cstate="print">
-            <a:alphaModFix amt="85000"/>
-            <a:extLst>
-              <a:ext uri="{28A0092B-C50C-407E-A947-70E740481C1C}">
-                <a14:useLocalDpi xmlns:a14="http://schemas.microsoft.com/office/drawing/2010/main" val="0"/>
-              </a:ext>
-            </a:extLst>
-          </a:blip>
-          <a:srcRect t="2234" b="2234"/>
-          <a:stretch>
-            <a:fillRect/>
-          </a:stretch>
-        </p:blipFill>
-        <p:spPr>
-          <a:xfrm>
-            <a:off x="0" y="0"/>
-            <a:ext cx="9144000" cy="5143500"/>
-          </a:xfrm>
-        </p:spPr>
-      </p:pic>
-      <p:sp>
-        <p:nvSpPr>
-          <p:cNvPr id="4" name="Rectangle 3"/>
-          <p:cNvSpPr/>
-          <p:nvPr/>
-        </p:nvSpPr>
-        <p:spPr bwMode="auto">
-          <a:xfrm>
-            <a:off x="0" y="1"/>
-            <a:ext cx="9144000" cy="5143499"/>
-          </a:xfrm>
-          <a:prstGeom prst="rect">
-            <a:avLst/>
-          </a:prstGeom>
-          <a:solidFill>
-            <a:schemeClr val="accent6">
-              <a:lumMod val="50000"/>
-              <a:alpha val="70000"/>
-            </a:schemeClr>
-          </a:solidFill>
-          <a:ln w="9525">
-            <a:noFill/>
-            <a:round/>
-            <a:headEnd/>
-            <a:tailEnd/>
-          </a:ln>
-        </p:spPr>
-        <p:txBody>
-          <a:bodyPr vert="horz" wrap="square" lIns="91440" tIns="45720" rIns="91440" bIns="45720" numCol="1" rtlCol="0" anchor="t" anchorCtr="0" compatLnSpc="1">
-            <a:prstTxWarp prst="textNoShape">
-              <a:avLst/>
-            </a:prstTxWarp>
-          </a:bodyPr>
-          <a:lstStyle/>
-          <a:p>
-            <a:pPr algn="ctr"/>
-            <a:endParaRPr lang="en-US"/>
-          </a:p>
-        </p:txBody>
-      </p:sp>
-      <p:sp>
-        <p:nvSpPr>
-          <p:cNvPr id="9" name="Footer Text"/>
-          <p:cNvSpPr txBox="1"/>
-          <p:nvPr/>
-        </p:nvSpPr>
-        <p:spPr>
-          <a:xfrm>
-            <a:off x="3142721" y="924989"/>
-            <a:ext cx="5466944" cy="1354217"/>
-          </a:xfrm>
-          <a:prstGeom prst="rect">
-            <a:avLst/>
-          </a:prstGeom>
-          <a:noFill/>
-        </p:spPr>
-        <p:txBody>
-          <a:bodyPr wrap="square" lIns="0" tIns="0" rIns="0" bIns="0" rtlCol="0">
-            <a:spAutoFit/>
-          </a:bodyPr>
-          <a:lstStyle/>
-          <a:p>
-            <a:pPr algn="r"/>
-            <a:r>
-              <a:rPr lang="en" sz="4400" b="1" dirty="0">
-                <a:solidFill>
-                  <a:schemeClr val="bg2"/>
-                </a:solidFill>
-              </a:rPr>
-              <a:t>Stored Procedure Mapping</a:t>
-            </a:r>
-            <a:endParaRPr lang="en-US" sz="4400" b="1" dirty="0">
-              <a:solidFill>
-                <a:schemeClr val="bg1"/>
-              </a:solidFill>
-            </a:endParaRPr>
-          </a:p>
-        </p:txBody>
-      </p:sp>
-      <p:sp>
-        <p:nvSpPr>
-          <p:cNvPr id="10" name="Footer Text"/>
-          <p:cNvSpPr txBox="1"/>
-          <p:nvPr/>
-        </p:nvSpPr>
-        <p:spPr>
-          <a:xfrm>
-            <a:off x="3945908" y="3268139"/>
-            <a:ext cx="4663757" cy="215444"/>
-          </a:xfrm>
-          <a:prstGeom prst="rect">
-            <a:avLst/>
-          </a:prstGeom>
-          <a:noFill/>
-        </p:spPr>
-        <p:txBody>
-          <a:bodyPr wrap="square" lIns="0" tIns="0" rIns="0" bIns="0" rtlCol="0">
-            <a:spAutoFit/>
-          </a:bodyPr>
-          <a:lstStyle/>
-          <a:p>
-            <a:pPr algn="r"/>
-            <a:r>
-              <a:rPr lang="en-US" sz="1400" dirty="0">
-                <a:solidFill>
-                  <a:schemeClr val="bg2"/>
-                </a:solidFill>
-              </a:rPr>
-              <a:t>Next Video</a:t>
-            </a:r>
-            <a:endParaRPr lang="en" sz="1400" dirty="0">
-              <a:solidFill>
-                <a:schemeClr val="bg2"/>
-              </a:solidFill>
-            </a:endParaRPr>
-          </a:p>
-        </p:txBody>
-      </p:sp>
-    </p:spTree>
-    <p:extLst>
-      <p:ext uri="{BB962C8B-B14F-4D97-AF65-F5344CB8AC3E}">
-        <p14:creationId xmlns:p14="http://schemas.microsoft.com/office/powerpoint/2010/main" val="3436924840"/>
-      </p:ext>
-    </p:extLst>
-  </p:cSld>
-  <p:clrMapOvr>
-    <a:masterClrMapping/>
-  </p:clrMapOvr>
-  <p:transition spd="slow">
-    <p:push dir="u"/>
-  </p:transition>
-  <p:timing>
-    <p:tnLst>
-      <p:par>
-        <p:cTn id="1" dur="indefinite" restart="never" nodeType="tmRoot">
-          <p:childTnLst>
-            <p:seq concurrent="1" nextAc="seek">
-              <p:cTn id="2" dur="indefinite" nodeType="mainSeq">
-                <p:childTnLst>
-                  <p:par>
-                    <p:cTn id="3" fill="hold">
-                      <p:stCondLst>
-                        <p:cond delay="indefinite"/>
-                        <p:cond evt="onBegin" delay="0">
-                          <p:tn val="2"/>
-                        </p:cond>
-                      </p:stCondLst>
-                      <p:childTnLst>
-                        <p:par>
-                          <p:cTn id="4" fill="hold">
-                            <p:stCondLst>
-                              <p:cond delay="0"/>
-                            </p:stCondLst>
-                            <p:childTnLst>
-                              <p:par>
-                                <p:cTn id="5" presetID="2" presetClass="entr" presetSubtype="4" accel="20000" decel="60000" fill="hold" grpId="0" nodeType="afterEffect">
-                                  <p:stCondLst>
-                                    <p:cond delay="0"/>
-                                  </p:stCondLst>
-                                  <p:iterate type="wd">
-                                    <p:tmPct val="10000"/>
-                                  </p:iterate>
-                                  <p:childTnLst>
-                                    <p:set>
-                                      <p:cBhvr>
-                                        <p:cTn id="6" dur="1" fill="hold">
-                                          <p:stCondLst>
-                                            <p:cond delay="0"/>
-                                          </p:stCondLst>
-                                        </p:cTn>
-                                        <p:tgtEl>
-                                          <p:spTgt spid="9"/>
-                                        </p:tgtEl>
-                                        <p:attrNameLst>
-                                          <p:attrName>style.visibility</p:attrName>
-                                        </p:attrNameLst>
-                                      </p:cBhvr>
-                                      <p:to>
-                                        <p:strVal val="visible"/>
-                                      </p:to>
-                                    </p:set>
-                                    <p:anim calcmode="lin" valueType="num">
-                                      <p:cBhvr additive="base">
-                                        <p:cTn id="7" dur="500" fill="hold"/>
-                                        <p:tgtEl>
-                                          <p:spTgt spid="9"/>
-                                        </p:tgtEl>
-                                        <p:attrNameLst>
-                                          <p:attrName>ppt_x</p:attrName>
-                                        </p:attrNameLst>
-                                      </p:cBhvr>
-                                      <p:tavLst>
-                                        <p:tav tm="0">
-                                          <p:val>
-                                            <p:strVal val="#ppt_x"/>
-                                          </p:val>
-                                        </p:tav>
-                                        <p:tav tm="100000">
-                                          <p:val>
-                                            <p:strVal val="#ppt_x"/>
-                                          </p:val>
-                                        </p:tav>
-                                      </p:tavLst>
-                                    </p:anim>
-                                    <p:anim calcmode="lin" valueType="num">
-                                      <p:cBhvr additive="base">
-                                        <p:cTn id="8" dur="500" fill="hold"/>
-                                        <p:tgtEl>
-                                          <p:spTgt spid="9"/>
-                                        </p:tgtEl>
-                                        <p:attrNameLst>
-                                          <p:attrName>ppt_y</p:attrName>
-                                        </p:attrNameLst>
-                                      </p:cBhvr>
-                                      <p:tavLst>
-                                        <p:tav tm="0">
-                                          <p:val>
-                                            <p:strVal val="1+#ppt_h/2"/>
-                                          </p:val>
-                                        </p:tav>
-                                        <p:tav tm="100000">
-                                          <p:val>
-                                            <p:strVal val="#ppt_y"/>
-                                          </p:val>
-                                        </p:tav>
-                                      </p:tavLst>
-                                    </p:anim>
-                                  </p:childTnLst>
-                                </p:cTn>
-                              </p:par>
-                            </p:childTnLst>
-                          </p:cTn>
-                        </p:par>
-                        <p:par>
-                          <p:cTn id="9" fill="hold">
-                            <p:stCondLst>
-                              <p:cond delay="600"/>
-                            </p:stCondLst>
-                            <p:childTnLst>
-                              <p:par>
-                                <p:cTn id="10" presetID="2" presetClass="entr" presetSubtype="4" accel="20000" decel="60000" fill="hold" grpId="0" nodeType="afterEffect">
-                                  <p:stCondLst>
-                                    <p:cond delay="0"/>
-                                  </p:stCondLst>
-                                  <p:iterate type="wd">
-                                    <p:tmPct val="10000"/>
-                                  </p:iterate>
-                                  <p:childTnLst>
-                                    <p:set>
-                                      <p:cBhvr>
-                                        <p:cTn id="11" dur="1" fill="hold">
-                                          <p:stCondLst>
-                                            <p:cond delay="0"/>
-                                          </p:stCondLst>
-                                        </p:cTn>
-                                        <p:tgtEl>
-                                          <p:spTgt spid="10"/>
-                                        </p:tgtEl>
-                                        <p:attrNameLst>
-                                          <p:attrName>style.visibility</p:attrName>
-                                        </p:attrNameLst>
-                                      </p:cBhvr>
-                                      <p:to>
-                                        <p:strVal val="visible"/>
-                                      </p:to>
-                                    </p:set>
-                                    <p:anim calcmode="lin" valueType="num">
-                                      <p:cBhvr additive="base">
-                                        <p:cTn id="12" dur="500" fill="hold"/>
-                                        <p:tgtEl>
-                                          <p:spTgt spid="10"/>
-                                        </p:tgtEl>
-                                        <p:attrNameLst>
-                                          <p:attrName>ppt_x</p:attrName>
-                                        </p:attrNameLst>
-                                      </p:cBhvr>
-                                      <p:tavLst>
-                                        <p:tav tm="0">
-                                          <p:val>
-                                            <p:strVal val="#ppt_x"/>
-                                          </p:val>
-                                        </p:tav>
-                                        <p:tav tm="100000">
-                                          <p:val>
-                                            <p:strVal val="#ppt_x"/>
-                                          </p:val>
-                                        </p:tav>
-                                      </p:tavLst>
-                                    </p:anim>
-                                    <p:anim calcmode="lin" valueType="num">
-                                      <p:cBhvr additive="base">
-                                        <p:cTn id="13" dur="500" fill="hold"/>
-                                        <p:tgtEl>
-                                          <p:spTgt spid="10"/>
-                                        </p:tgtEl>
-                                        <p:attrNameLst>
-                                          <p:attrName>ppt_y</p:attrName>
-                                        </p:attrNameLst>
-                                      </p:cBhvr>
-                                      <p:tavLst>
-                                        <p:tav tm="0">
-                                          <p:val>
-                                            <p:strVal val="1+#ppt_h/2"/>
-                                          </p:val>
-                                        </p:tav>
-                                        <p:tav tm="100000">
-                                          <p:val>
-                                            <p:strVal val="#ppt_y"/>
-                                          </p:val>
-                                        </p:tav>
-                                      </p:tavLst>
-                                    </p:anim>
-                                  </p:childTnLst>
-                                </p:cTn>
-                              </p:par>
-                            </p:childTnLst>
-                          </p:cTn>
-                        </p:par>
-                      </p:childTnLst>
-                    </p:cTn>
-                  </p:par>
-                </p:childTnLst>
-              </p:cTn>
-              <p:prevCondLst>
-                <p:cond evt="onPrev" delay="0">
-                  <p:tgtEl>
-                    <p:sldTgt/>
-                  </p:tgtEl>
-                </p:cond>
-              </p:prevCondLst>
-              <p:nextCondLst>
-                <p:cond evt="onNext" delay="0">
-                  <p:tgtEl>
-                    <p:sldTgt/>
-                  </p:tgtEl>
-                </p:cond>
-              </p:nextCondLst>
-            </p:seq>
-          </p:childTnLst>
-        </p:cTn>
-      </p:par>
-    </p:tnLst>
-    <p:bldLst>
-      <p:bldP spid="9" grpId="0"/>
-      <p:bldP spid="10" grpId="0"/>
-    </p:bldLst>
-  </p:timing>
-</p:sld>
-</file>
-
-<file path=ppt/slides/slide17.xml><?xml version="1.0" encoding="utf-8"?>
-<p:sld xmlns:a="http://schemas.openxmlformats.org/drawingml/2006/main" xmlns:r="http://schemas.openxmlformats.org/officeDocument/2006/relationships" xmlns:p="http://schemas.openxmlformats.org/presentationml/2006/main">
-  <p:cSld>
-    <p:spTree>
-      <p:nvGrpSpPr>
-        <p:cNvPr id="1" name=""/>
-        <p:cNvGrpSpPr/>
-        <p:nvPr/>
-      </p:nvGrpSpPr>
-      <p:grpSpPr>
-        <a:xfrm>
-          <a:off x="0" y="0"/>
-          <a:ext cx="0" cy="0"/>
-          <a:chOff x="0" y="0"/>
-          <a:chExt cx="0" cy="0"/>
-        </a:xfrm>
-      </p:grpSpPr>
-      <p:pic>
-        <p:nvPicPr>
-          <p:cNvPr id="9" name="Picture Placeholder 7" descr="A picture containing text, vector graphics&#10;&#10;Description automatically generated">
-            <a:extLst>
-              <a:ext uri="{FF2B5EF4-FFF2-40B4-BE49-F238E27FC236}">
-                <a16:creationId xmlns:a16="http://schemas.microsoft.com/office/drawing/2014/main" id="{D0B60B9A-F961-4731-BD67-636B7CABDFAF}"/>
-              </a:ext>
-            </a:extLst>
-          </p:cNvPr>
-          <p:cNvPicPr>
-            <a:picLocks noGrp="1" noChangeAspect="1"/>
-          </p:cNvPicPr>
-          <p:nvPr>
-            <p:ph type="pic" sz="quarter" idx="10"/>
-          </p:nvPr>
-        </p:nvPicPr>
-        <p:blipFill>
-          <a:blip r:embed="rId2" cstate="print">
-            <a:alphaModFix amt="85000"/>
-            <a:extLst>
-              <a:ext uri="{28A0092B-C50C-407E-A947-70E740481C1C}">
-                <a14:useLocalDpi xmlns:a14="http://schemas.microsoft.com/office/drawing/2010/main" val="0"/>
-              </a:ext>
-            </a:extLst>
-          </a:blip>
-          <a:srcRect t="2234" b="2234"/>
-          <a:stretch>
-            <a:fillRect/>
-          </a:stretch>
-        </p:blipFill>
-        <p:spPr>
-          <a:xfrm>
-            <a:off x="0" y="0"/>
-            <a:ext cx="9144000" cy="5143500"/>
-          </a:xfrm>
-        </p:spPr>
-      </p:pic>
-      <p:sp>
-        <p:nvSpPr>
-          <p:cNvPr id="4" name="Rectangle 3"/>
-          <p:cNvSpPr/>
-          <p:nvPr/>
-        </p:nvSpPr>
-        <p:spPr bwMode="auto">
-          <a:xfrm>
-            <a:off x="0" y="1"/>
-            <a:ext cx="9144000" cy="5143499"/>
-          </a:xfrm>
-          <a:prstGeom prst="rect">
-            <a:avLst/>
-          </a:prstGeom>
-          <a:solidFill>
-            <a:schemeClr val="accent6">
-              <a:lumMod val="50000"/>
-              <a:alpha val="70000"/>
-            </a:schemeClr>
-          </a:solidFill>
-          <a:ln w="9525">
-            <a:noFill/>
-            <a:round/>
-            <a:headEnd/>
-            <a:tailEnd/>
-          </a:ln>
-        </p:spPr>
-        <p:txBody>
-          <a:bodyPr vert="horz" wrap="square" lIns="91440" tIns="45720" rIns="91440" bIns="45720" numCol="1" rtlCol="0" anchor="t" anchorCtr="0" compatLnSpc="1">
-            <a:prstTxWarp prst="textNoShape">
-              <a:avLst/>
-            </a:prstTxWarp>
-          </a:bodyPr>
-          <a:lstStyle/>
-          <a:p>
-            <a:pPr algn="ctr"/>
-            <a:endParaRPr lang="en-US" dirty="0"/>
-          </a:p>
-        </p:txBody>
-      </p:sp>
-      <p:sp>
-        <p:nvSpPr>
-          <p:cNvPr id="6" name="Footer Text">
-            <a:extLst>
-              <a:ext uri="{FF2B5EF4-FFF2-40B4-BE49-F238E27FC236}">
-                <a16:creationId xmlns:a16="http://schemas.microsoft.com/office/drawing/2014/main" id="{56BB4242-6AB5-4E8B-9D3A-3FC1E2A3F09E}"/>
-              </a:ext>
-            </a:extLst>
-          </p:cNvPr>
-          <p:cNvSpPr txBox="1"/>
-          <p:nvPr/>
-        </p:nvSpPr>
-        <p:spPr>
-          <a:xfrm>
-            <a:off x="467607" y="1574060"/>
-            <a:ext cx="7714927" cy="677108"/>
-          </a:xfrm>
-          <a:prstGeom prst="rect">
-            <a:avLst/>
-          </a:prstGeom>
-          <a:noFill/>
-        </p:spPr>
-        <p:txBody>
-          <a:bodyPr wrap="square" lIns="0" tIns="0" rIns="0" bIns="0" rtlCol="0">
-            <a:spAutoFit/>
-          </a:bodyPr>
-          <a:lstStyle/>
-          <a:p>
-            <a:r>
-              <a:rPr lang="en-US" sz="4400" b="1" dirty="0">
-                <a:solidFill>
-                  <a:schemeClr val="bg1"/>
-                </a:solidFill>
-              </a:rPr>
-              <a:t>Stored Procedure Mapping</a:t>
-            </a:r>
-          </a:p>
-        </p:txBody>
-      </p:sp>
-      <p:sp>
-        <p:nvSpPr>
-          <p:cNvPr id="8" name="Footer Text">
-            <a:extLst>
-              <a:ext uri="{FF2B5EF4-FFF2-40B4-BE49-F238E27FC236}">
-                <a16:creationId xmlns:a16="http://schemas.microsoft.com/office/drawing/2014/main" id="{EC4AA134-1980-4A45-879A-843296FEE082}"/>
-              </a:ext>
-            </a:extLst>
-          </p:cNvPr>
-          <p:cNvSpPr txBox="1"/>
-          <p:nvPr/>
-        </p:nvSpPr>
-        <p:spPr>
-          <a:xfrm>
-            <a:off x="467608" y="3420334"/>
-            <a:ext cx="4663757" cy="215444"/>
-          </a:xfrm>
-          <a:prstGeom prst="rect">
-            <a:avLst/>
-          </a:prstGeom>
-          <a:noFill/>
-        </p:spPr>
-        <p:txBody>
-          <a:bodyPr wrap="square" lIns="0" tIns="0" rIns="0" bIns="0" rtlCol="0">
-            <a:spAutoFit/>
-          </a:bodyPr>
-          <a:lstStyle/>
-          <a:p>
-            <a:r>
-              <a:rPr lang="en-US" sz="1400" dirty="0">
-                <a:solidFill>
-                  <a:schemeClr val="bg1"/>
-                </a:solidFill>
-                <a:latin typeface="+mj-lt"/>
-                <a:ea typeface="Roboto Light" panose="02000000000000000000" pitchFamily="2" charset="0"/>
-              </a:rPr>
-              <a:t>Video 3.5</a:t>
-            </a:r>
-          </a:p>
-        </p:txBody>
-      </p:sp>
-      <p:sp>
-        <p:nvSpPr>
-          <p:cNvPr id="11" name="Footer Text">
-            <a:extLst>
-              <a:ext uri="{FF2B5EF4-FFF2-40B4-BE49-F238E27FC236}">
-                <a16:creationId xmlns:a16="http://schemas.microsoft.com/office/drawing/2014/main" id="{7BDE303A-FC3D-4E19-8F80-6AAB2896D6F6}"/>
-              </a:ext>
-            </a:extLst>
-          </p:cNvPr>
-          <p:cNvSpPr txBox="1"/>
-          <p:nvPr/>
-        </p:nvSpPr>
-        <p:spPr>
-          <a:xfrm>
-            <a:off x="467608" y="3051942"/>
-            <a:ext cx="4663757" cy="215444"/>
-          </a:xfrm>
-          <a:prstGeom prst="rect">
-            <a:avLst/>
-          </a:prstGeom>
-          <a:noFill/>
-        </p:spPr>
-        <p:txBody>
-          <a:bodyPr wrap="square" lIns="0" tIns="0" rIns="0" bIns="0" rtlCol="0">
-            <a:spAutoFit/>
-          </a:bodyPr>
-          <a:lstStyle/>
-          <a:p>
-            <a:r>
-              <a:rPr lang="en-US" sz="1400" dirty="0">
-                <a:solidFill>
-                  <a:schemeClr val="bg1"/>
-                </a:solidFill>
-                <a:latin typeface="+mj-lt"/>
-                <a:ea typeface="Roboto Light" panose="02000000000000000000" pitchFamily="2" charset="0"/>
-              </a:rPr>
-              <a:t>Fluent API</a:t>
-            </a:r>
-          </a:p>
-        </p:txBody>
-      </p:sp>
-    </p:spTree>
-    <p:extLst>
-      <p:ext uri="{BB962C8B-B14F-4D97-AF65-F5344CB8AC3E}">
-        <p14:creationId xmlns:p14="http://schemas.microsoft.com/office/powerpoint/2010/main" val="1761733136"/>
-      </p:ext>
-    </p:extLst>
-  </p:cSld>
-  <p:clrMapOvr>
-    <a:masterClrMapping/>
-  </p:clrMapOvr>
-  <p:transition spd="slow">
-    <p:push dir="u"/>
-  </p:transition>
-  <p:timing>
-    <p:tnLst>
-      <p:par>
-        <p:cTn id="1" dur="indefinite" restart="never" nodeType="tmRoot">
-          <p:childTnLst>
-            <p:seq concurrent="1" nextAc="seek">
-              <p:cTn id="2" dur="indefinite" nodeType="mainSeq">
-                <p:childTnLst>
-                  <p:par>
-                    <p:cTn id="3" fill="hold">
-                      <p:stCondLst>
-                        <p:cond delay="indefinite"/>
-                        <p:cond evt="onBegin" delay="0">
-                          <p:tn val="2"/>
-                        </p:cond>
-                      </p:stCondLst>
-                      <p:childTnLst>
-                        <p:par>
-                          <p:cTn id="4" fill="hold">
-                            <p:stCondLst>
-                              <p:cond delay="0"/>
-                            </p:stCondLst>
-                            <p:childTnLst>
-                              <p:par>
-                                <p:cTn id="5" presetID="2" presetClass="entr" presetSubtype="4" accel="20000" decel="60000" fill="hold" grpId="0" nodeType="afterEffect">
-                                  <p:stCondLst>
-                                    <p:cond delay="0"/>
-                                  </p:stCondLst>
-                                  <p:iterate type="wd">
-                                    <p:tmPct val="10000"/>
-                                  </p:iterate>
-                                  <p:childTnLst>
-                                    <p:set>
-                                      <p:cBhvr>
-                                        <p:cTn id="6" dur="1" fill="hold">
-                                          <p:stCondLst>
-                                            <p:cond delay="0"/>
-                                          </p:stCondLst>
-                                        </p:cTn>
-                                        <p:tgtEl>
-                                          <p:spTgt spid="6"/>
-                                        </p:tgtEl>
-                                        <p:attrNameLst>
-                                          <p:attrName>style.visibility</p:attrName>
-                                        </p:attrNameLst>
-                                      </p:cBhvr>
-                                      <p:to>
-                                        <p:strVal val="visible"/>
-                                      </p:to>
-                                    </p:set>
-                                    <p:anim calcmode="lin" valueType="num">
-                                      <p:cBhvr additive="base">
-                                        <p:cTn id="7" dur="500" fill="hold"/>
-                                        <p:tgtEl>
-                                          <p:spTgt spid="6"/>
-                                        </p:tgtEl>
-                                        <p:attrNameLst>
-                                          <p:attrName>ppt_x</p:attrName>
-                                        </p:attrNameLst>
-                                      </p:cBhvr>
-                                      <p:tavLst>
-                                        <p:tav tm="0">
-                                          <p:val>
-                                            <p:strVal val="#ppt_x"/>
-                                          </p:val>
-                                        </p:tav>
-                                        <p:tav tm="100000">
-                                          <p:val>
-                                            <p:strVal val="#ppt_x"/>
-                                          </p:val>
-                                        </p:tav>
-                                      </p:tavLst>
-                                    </p:anim>
-                                    <p:anim calcmode="lin" valueType="num">
-                                      <p:cBhvr additive="base">
-                                        <p:cTn id="8" dur="500" fill="hold"/>
-                                        <p:tgtEl>
-                                          <p:spTgt spid="6"/>
-                                        </p:tgtEl>
-                                        <p:attrNameLst>
-                                          <p:attrName>ppt_y</p:attrName>
-                                        </p:attrNameLst>
-                                      </p:cBhvr>
-                                      <p:tavLst>
-                                        <p:tav tm="0">
-                                          <p:val>
-                                            <p:strVal val="1+#ppt_h/2"/>
-                                          </p:val>
-                                        </p:tav>
-                                        <p:tav tm="100000">
-                                          <p:val>
-                                            <p:strVal val="#ppt_y"/>
-                                          </p:val>
-                                        </p:tav>
-                                      </p:tavLst>
-                                    </p:anim>
-                                  </p:childTnLst>
-                                </p:cTn>
-                              </p:par>
-                            </p:childTnLst>
-                          </p:cTn>
-                        </p:par>
-                        <p:par>
-                          <p:cTn id="9" fill="hold">
-                            <p:stCondLst>
-                              <p:cond delay="600"/>
-                            </p:stCondLst>
-                            <p:childTnLst>
-                              <p:par>
-                                <p:cTn id="10" presetID="2" presetClass="entr" presetSubtype="4" accel="20000" decel="60000" fill="hold" grpId="0" nodeType="afterEffect">
-                                  <p:stCondLst>
-                                    <p:cond delay="0"/>
-                                  </p:stCondLst>
-                                  <p:iterate type="wd">
-                                    <p:tmPct val="10000"/>
-                                  </p:iterate>
-                                  <p:childTnLst>
-                                    <p:set>
-                                      <p:cBhvr>
-                                        <p:cTn id="11" dur="1" fill="hold">
-                                          <p:stCondLst>
-                                            <p:cond delay="0"/>
-                                          </p:stCondLst>
-                                        </p:cTn>
-                                        <p:tgtEl>
-                                          <p:spTgt spid="8"/>
-                                        </p:tgtEl>
-                                        <p:attrNameLst>
-                                          <p:attrName>style.visibility</p:attrName>
-                                        </p:attrNameLst>
-                                      </p:cBhvr>
-                                      <p:to>
-                                        <p:strVal val="visible"/>
-                                      </p:to>
-                                    </p:set>
-                                    <p:anim calcmode="lin" valueType="num">
-                                      <p:cBhvr additive="base">
-                                        <p:cTn id="12" dur="500" fill="hold"/>
-                                        <p:tgtEl>
-                                          <p:spTgt spid="8"/>
-                                        </p:tgtEl>
-                                        <p:attrNameLst>
-                                          <p:attrName>ppt_x</p:attrName>
-                                        </p:attrNameLst>
-                                      </p:cBhvr>
-                                      <p:tavLst>
-                                        <p:tav tm="0">
-                                          <p:val>
-                                            <p:strVal val="#ppt_x"/>
-                                          </p:val>
-                                        </p:tav>
-                                        <p:tav tm="100000">
-                                          <p:val>
-                                            <p:strVal val="#ppt_x"/>
-                                          </p:val>
-                                        </p:tav>
-                                      </p:tavLst>
-                                    </p:anim>
-                                    <p:anim calcmode="lin" valueType="num">
-                                      <p:cBhvr additive="base">
-                                        <p:cTn id="13" dur="500" fill="hold"/>
-                                        <p:tgtEl>
-                                          <p:spTgt spid="8"/>
-                                        </p:tgtEl>
-                                        <p:attrNameLst>
-                                          <p:attrName>ppt_y</p:attrName>
-                                        </p:attrNameLst>
-                                      </p:cBhvr>
-                                      <p:tavLst>
-                                        <p:tav tm="0">
-                                          <p:val>
-                                            <p:strVal val="1+#ppt_h/2"/>
-                                          </p:val>
-                                        </p:tav>
-                                        <p:tav tm="100000">
-                                          <p:val>
-                                            <p:strVal val="#ppt_y"/>
-                                          </p:val>
-                                        </p:tav>
-                                      </p:tavLst>
-                                    </p:anim>
-                                  </p:childTnLst>
-                                </p:cTn>
-                              </p:par>
-                            </p:childTnLst>
-                          </p:cTn>
-                        </p:par>
-                        <p:par>
-                          <p:cTn id="14" fill="hold">
-                            <p:stCondLst>
-                              <p:cond delay="1150"/>
-                            </p:stCondLst>
-                            <p:childTnLst>
-                              <p:par>
-                                <p:cTn id="15" presetID="2" presetClass="entr" presetSubtype="4" accel="20000" decel="60000" fill="hold" grpId="0" nodeType="afterEffect">
-                                  <p:stCondLst>
-                                    <p:cond delay="0"/>
-                                  </p:stCondLst>
-                                  <p:iterate type="wd">
-                                    <p:tmPct val="10000"/>
-                                  </p:iterate>
-                                  <p:childTnLst>
-                                    <p:set>
-                                      <p:cBhvr>
-                                        <p:cTn id="16" dur="1" fill="hold">
-                                          <p:stCondLst>
-                                            <p:cond delay="0"/>
-                                          </p:stCondLst>
-                                        </p:cTn>
-                                        <p:tgtEl>
-                                          <p:spTgt spid="11"/>
-                                        </p:tgtEl>
-                                        <p:attrNameLst>
-                                          <p:attrName>style.visibility</p:attrName>
-                                        </p:attrNameLst>
-                                      </p:cBhvr>
-                                      <p:to>
-                                        <p:strVal val="visible"/>
-                                      </p:to>
-                                    </p:set>
-                                    <p:anim calcmode="lin" valueType="num">
-                                      <p:cBhvr additive="base">
-                                        <p:cTn id="17" dur="500" fill="hold"/>
-                                        <p:tgtEl>
-                                          <p:spTgt spid="11"/>
-                                        </p:tgtEl>
-                                        <p:attrNameLst>
-                                          <p:attrName>ppt_x</p:attrName>
-                                        </p:attrNameLst>
-                                      </p:cBhvr>
-                                      <p:tavLst>
-                                        <p:tav tm="0">
-                                          <p:val>
-                                            <p:strVal val="#ppt_x"/>
-                                          </p:val>
-                                        </p:tav>
-                                        <p:tav tm="100000">
-                                          <p:val>
-                                            <p:strVal val="#ppt_x"/>
-                                          </p:val>
-                                        </p:tav>
-                                      </p:tavLst>
-                                    </p:anim>
-                                    <p:anim calcmode="lin" valueType="num">
-                                      <p:cBhvr additive="base">
-                                        <p:cTn id="18" dur="500" fill="hold"/>
-                                        <p:tgtEl>
-                                          <p:spTgt spid="11"/>
-                                        </p:tgtEl>
-                                        <p:attrNameLst>
-                                          <p:attrName>ppt_y</p:attrName>
-                                        </p:attrNameLst>
-                                      </p:cBhvr>
-                                      <p:tavLst>
-                                        <p:tav tm="0">
-                                          <p:val>
-                                            <p:strVal val="1+#ppt_h/2"/>
-                                          </p:val>
-                                        </p:tav>
-                                        <p:tav tm="100000">
-                                          <p:val>
-                                            <p:strVal val="#ppt_y"/>
-                                          </p:val>
-                                        </p:tav>
-                                      </p:tavLst>
-                                    </p:anim>
-                                  </p:childTnLst>
-                                </p:cTn>
-                              </p:par>
-                            </p:childTnLst>
-                          </p:cTn>
-                        </p:par>
-                      </p:childTnLst>
-                    </p:cTn>
-                  </p:par>
-                </p:childTnLst>
-              </p:cTn>
-              <p:prevCondLst>
-                <p:cond evt="onPrev" delay="0">
-                  <p:tgtEl>
-                    <p:sldTgt/>
-                  </p:tgtEl>
-                </p:cond>
-              </p:prevCondLst>
-              <p:nextCondLst>
-                <p:cond evt="onNext" delay="0">
-                  <p:tgtEl>
-                    <p:sldTgt/>
-                  </p:tgtEl>
-                </p:cond>
-              </p:nextCondLst>
-            </p:seq>
-          </p:childTnLst>
-        </p:cTn>
-      </p:par>
-    </p:tnLst>
-    <p:bldLst>
-      <p:bldP spid="6" grpId="0"/>
-      <p:bldP spid="8" grpId="0"/>
-      <p:bldP spid="11" grpId="0"/>
-    </p:bldLst>
-  </p:timing>
-</p:sld>
-</file>
-
-<file path=ppt/slides/slide18.xml><?xml version="1.0" encoding="utf-8"?>
-<p:sld xmlns:a="http://schemas.openxmlformats.org/drawingml/2006/main" xmlns:r="http://schemas.openxmlformats.org/officeDocument/2006/relationships" xmlns:p="http://schemas.openxmlformats.org/presentationml/2006/main">
-  <p:cSld>
-    <p:spTree>
-      <p:nvGrpSpPr>
-        <p:cNvPr id="1" name=""/>
-        <p:cNvGrpSpPr/>
-        <p:nvPr/>
-      </p:nvGrpSpPr>
-      <p:grpSpPr>
-        <a:xfrm>
-          <a:off x="0" y="0"/>
-          <a:ext cx="0" cy="0"/>
-          <a:chOff x="0" y="0"/>
-          <a:chExt cx="0" cy="0"/>
-        </a:xfrm>
-      </p:grpSpPr>
-      <p:pic>
-        <p:nvPicPr>
-          <p:cNvPr id="9" name="Picture Placeholder 7" descr="A picture containing text, vector graphics&#10;&#10;Description automatically generated">
-            <a:extLst>
-              <a:ext uri="{FF2B5EF4-FFF2-40B4-BE49-F238E27FC236}">
-                <a16:creationId xmlns:a16="http://schemas.microsoft.com/office/drawing/2014/main" id="{EEF13F29-2B41-4CB1-9F01-27DCF071E205}"/>
+                <a16:creationId xmlns:a16="http://schemas.microsoft.com/office/drawing/2014/main" id="{6026550D-D95D-40BE-A30B-EF1629D85220}"/>
               </a:ext>
             </a:extLst>
           </p:cNvPr>
@@ -6017,8 +5133,8 @@
         </p:nvSpPr>
         <p:spPr>
           <a:xfrm>
-            <a:off x="0" y="-8001"/>
-            <a:ext cx="9144000" cy="5151501"/>
+            <a:off x="2" y="-31729"/>
+            <a:ext cx="9143998" cy="5143499"/>
           </a:xfrm>
           <a:prstGeom prst="rect">
             <a:avLst/>
@@ -6046,7 +5162,7 @@
           <a:lstStyle/>
           <a:p>
             <a:pPr algn="ctr"/>
-            <a:endParaRPr lang="en-US">
+            <a:endParaRPr lang="en-US" dirty="0">
               <a:solidFill>
                 <a:schemeClr val="tx1"/>
               </a:solidFill>
@@ -6062,8 +5178,8 @@
         </p:nvSpPr>
         <p:spPr>
           <a:xfrm>
-            <a:off x="447876" y="1084859"/>
-            <a:ext cx="8248247" cy="2267287"/>
+            <a:off x="456161" y="1133549"/>
+            <a:ext cx="3548643" cy="984885"/>
           </a:xfrm>
           <a:prstGeom prst="rect">
             <a:avLst/>
@@ -6075,12 +5191,10 @@
           </a:bodyPr>
           <a:lstStyle/>
           <a:p>
-            <a:pPr marL="285750" indent="-285750">
+            <a:pPr>
               <a:lnSpc>
                 <a:spcPct val="150000"/>
               </a:lnSpc>
-              <a:buFont typeface="Wingdings" panose="05000000000000000000" pitchFamily="2" charset="2"/>
-              <a:buChar char="q"/>
             </a:pPr>
             <a:r>
               <a:rPr lang="en-US" sz="1600" dirty="0">
@@ -6088,78 +5202,32 @@
                   <a:schemeClr val="bg1"/>
                 </a:solidFill>
               </a:rPr>
-              <a:t>Generate SP for Insert, Update, Delete Operations</a:t>
+              <a:t>    </a:t>
             </a:r>
           </a:p>
           <a:p>
-            <a:pPr marL="285750" indent="-285750">
+            <a:pPr marL="171450" indent="-171450">
               <a:lnSpc>
                 <a:spcPct val="150000"/>
               </a:lnSpc>
-              <a:buFont typeface="Wingdings" panose="05000000000000000000" pitchFamily="2" charset="2"/>
-              <a:buChar char="q"/>
+              <a:buFont typeface="Arial" panose="020B0604020202020204" pitchFamily="34" charset="0"/>
+              <a:buChar char="•"/>
             </a:pPr>
-            <a:endParaRPr lang="en-US" sz="1600" dirty="0">
+            <a:endParaRPr lang="en-US" sz="1200" dirty="0">
               <a:solidFill>
                 <a:schemeClr val="bg1"/>
               </a:solidFill>
             </a:endParaRPr>
           </a:p>
           <a:p>
-            <a:pPr marL="285750" indent="-285750">
+            <a:pPr marL="171450" indent="-171450">
               <a:lnSpc>
                 <a:spcPct val="150000"/>
               </a:lnSpc>
-              <a:buFont typeface="Wingdings" panose="05000000000000000000" pitchFamily="2" charset="2"/>
-              <a:buChar char="q"/>
+              <a:buFont typeface="Arial" panose="020B0604020202020204" pitchFamily="34" charset="0"/>
+              <a:buChar char="•"/>
             </a:pPr>
-            <a:r>
-              <a:rPr lang="en-US" sz="1600" dirty="0">
-                <a:solidFill>
-                  <a:schemeClr val="bg1"/>
-                </a:solidFill>
-              </a:rPr>
-              <a:t>Custom Result Sets</a:t>
-            </a:r>
-          </a:p>
-          <a:p>
-            <a:pPr marL="285750" indent="-285750">
-              <a:lnSpc>
-                <a:spcPct val="150000"/>
-              </a:lnSpc>
-              <a:buFont typeface="Wingdings" panose="05000000000000000000" pitchFamily="2" charset="2"/>
-              <a:buChar char="q"/>
-            </a:pPr>
-            <a:endParaRPr lang="en-US" sz="1600" dirty="0">
-              <a:solidFill>
-                <a:schemeClr val="bg1"/>
-              </a:solidFill>
-            </a:endParaRPr>
-          </a:p>
-          <a:p>
-            <a:pPr marL="285750" indent="-285750">
-              <a:lnSpc>
-                <a:spcPct val="150000"/>
-              </a:lnSpc>
-              <a:buFont typeface="Wingdings" panose="05000000000000000000" pitchFamily="2" charset="2"/>
-              <a:buChar char="q"/>
-            </a:pPr>
-            <a:r>
-              <a:rPr lang="en-US" sz="1600" dirty="0">
-                <a:solidFill>
-                  <a:schemeClr val="bg1"/>
-                </a:solidFill>
-              </a:rPr>
-              <a:t>Business Processes (dataset based)</a:t>
-            </a:r>
-          </a:p>
-          <a:p>
-            <a:pPr>
-              <a:lnSpc>
-                <a:spcPct val="150000"/>
-              </a:lnSpc>
-            </a:pPr>
-            <a:endParaRPr lang="en-US" sz="1600" dirty="0">
+            <a:endParaRPr lang="en-US" sz="1200" dirty="0">
               <a:solidFill>
                 <a:schemeClr val="bg1"/>
               </a:solidFill>
@@ -6175,8 +5243,8 @@
         </p:nvSpPr>
         <p:spPr>
           <a:xfrm>
-            <a:off x="447875" y="147736"/>
-            <a:ext cx="8248247" cy="492443"/>
+            <a:off x="456161" y="147736"/>
+            <a:ext cx="8230639" cy="492443"/>
           </a:xfrm>
           <a:prstGeom prst="rect">
             <a:avLst/>
@@ -6196,7 +5264,7 @@
                   <a:schemeClr val="bg1"/>
                 </a:solidFill>
               </a:rPr>
-              <a:t>Stored Procedure Mappings : Key Points</a:t>
+              <a:t>One-to-One</a:t>
             </a:r>
             <a:endParaRPr lang="en-US" sz="3200" b="1" dirty="0">
               <a:solidFill>
@@ -6206,10 +5274,2333 @@
           </a:p>
         </p:txBody>
       </p:sp>
+      <p:sp>
+        <p:nvSpPr>
+          <p:cNvPr id="3" name="Rectangle 2">
+            <a:extLst>
+              <a:ext uri="{FF2B5EF4-FFF2-40B4-BE49-F238E27FC236}">
+                <a16:creationId xmlns:a16="http://schemas.microsoft.com/office/drawing/2014/main" id="{D40F6156-8064-4D0C-BFCE-CC20B87A1951}"/>
+              </a:ext>
+            </a:extLst>
+          </p:cNvPr>
+          <p:cNvSpPr/>
+          <p:nvPr/>
+        </p:nvSpPr>
+        <p:spPr>
+          <a:xfrm>
+            <a:off x="1176894" y="1895144"/>
+            <a:ext cx="1502847" cy="984885"/>
+          </a:xfrm>
+          <a:prstGeom prst="rect">
+            <a:avLst/>
+          </a:prstGeom>
+          <a:ln>
+            <a:noFill/>
+          </a:ln>
+        </p:spPr>
+        <p:style>
+          <a:lnRef idx="2">
+            <a:schemeClr val="accent1">
+              <a:shade val="50000"/>
+            </a:schemeClr>
+          </a:lnRef>
+          <a:fillRef idx="1">
+            <a:schemeClr val="accent1"/>
+          </a:fillRef>
+          <a:effectRef idx="0">
+            <a:schemeClr val="accent1"/>
+          </a:effectRef>
+          <a:fontRef idx="minor">
+            <a:schemeClr val="lt1"/>
+          </a:fontRef>
+        </p:style>
+        <p:txBody>
+          <a:bodyPr rtlCol="0" anchor="ctr"/>
+          <a:lstStyle/>
+          <a:p>
+            <a:pPr algn="ctr"/>
+            <a:r>
+              <a:rPr lang="en-US" dirty="0"/>
+              <a:t>Customer</a:t>
+            </a:r>
+          </a:p>
+        </p:txBody>
+      </p:sp>
+      <p:sp>
+        <p:nvSpPr>
+          <p:cNvPr id="4" name="Rectangle 3">
+            <a:extLst>
+              <a:ext uri="{FF2B5EF4-FFF2-40B4-BE49-F238E27FC236}">
+                <a16:creationId xmlns:a16="http://schemas.microsoft.com/office/drawing/2014/main" id="{F327DAD2-1005-4A50-86A6-5E16268CACB3}"/>
+              </a:ext>
+            </a:extLst>
+          </p:cNvPr>
+          <p:cNvSpPr/>
+          <p:nvPr/>
+        </p:nvSpPr>
+        <p:spPr>
+          <a:xfrm>
+            <a:off x="5953312" y="1890141"/>
+            <a:ext cx="1283621" cy="984885"/>
+          </a:xfrm>
+          <a:prstGeom prst="rect">
+            <a:avLst/>
+          </a:prstGeom>
+          <a:ln>
+            <a:noFill/>
+          </a:ln>
+        </p:spPr>
+        <p:style>
+          <a:lnRef idx="2">
+            <a:schemeClr val="accent1">
+              <a:shade val="50000"/>
+            </a:schemeClr>
+          </a:lnRef>
+          <a:fillRef idx="1">
+            <a:schemeClr val="accent1"/>
+          </a:fillRef>
+          <a:effectRef idx="0">
+            <a:schemeClr val="accent1"/>
+          </a:effectRef>
+          <a:fontRef idx="minor">
+            <a:schemeClr val="lt1"/>
+          </a:fontRef>
+        </p:style>
+        <p:txBody>
+          <a:bodyPr rtlCol="0" anchor="ctr"/>
+          <a:lstStyle/>
+          <a:p>
+            <a:pPr algn="ctr"/>
+            <a:r>
+              <a:rPr lang="en-US" dirty="0"/>
+              <a:t>Customer Address</a:t>
+            </a:r>
+          </a:p>
+        </p:txBody>
+      </p:sp>
+      <p:cxnSp>
+        <p:nvCxnSpPr>
+          <p:cNvPr id="9" name="Straight Arrow Connector 8">
+            <a:extLst>
+              <a:ext uri="{FF2B5EF4-FFF2-40B4-BE49-F238E27FC236}">
+                <a16:creationId xmlns:a16="http://schemas.microsoft.com/office/drawing/2014/main" id="{165505D8-1A19-4D1A-A08C-B4FB2E1E5C5F}"/>
+              </a:ext>
+            </a:extLst>
+          </p:cNvPr>
+          <p:cNvCxnSpPr>
+            <a:cxnSpLocks/>
+          </p:cNvCxnSpPr>
+          <p:nvPr/>
+        </p:nvCxnSpPr>
+        <p:spPr>
+          <a:xfrm>
+            <a:off x="2679741" y="2118434"/>
+            <a:ext cx="3273571" cy="0"/>
+          </a:xfrm>
+          <a:prstGeom prst="straightConnector1">
+            <a:avLst/>
+          </a:prstGeom>
+          <a:ln>
+            <a:tailEnd type="triangle"/>
+          </a:ln>
+        </p:spPr>
+        <p:style>
+          <a:lnRef idx="1">
+            <a:schemeClr val="accent1"/>
+          </a:lnRef>
+          <a:fillRef idx="0">
+            <a:schemeClr val="accent1"/>
+          </a:fillRef>
+          <a:effectRef idx="0">
+            <a:schemeClr val="accent1"/>
+          </a:effectRef>
+          <a:fontRef idx="minor">
+            <a:schemeClr val="tx1"/>
+          </a:fontRef>
+        </p:style>
+      </p:cxnSp>
+      <p:cxnSp>
+        <p:nvCxnSpPr>
+          <p:cNvPr id="12" name="Straight Arrow Connector 11">
+            <a:extLst>
+              <a:ext uri="{FF2B5EF4-FFF2-40B4-BE49-F238E27FC236}">
+                <a16:creationId xmlns:a16="http://schemas.microsoft.com/office/drawing/2014/main" id="{5C62DCB4-2D5C-4A58-A997-84CA62F74632}"/>
+              </a:ext>
+            </a:extLst>
+          </p:cNvPr>
+          <p:cNvCxnSpPr>
+            <a:cxnSpLocks/>
+          </p:cNvCxnSpPr>
+          <p:nvPr/>
+        </p:nvCxnSpPr>
+        <p:spPr>
+          <a:xfrm flipH="1">
+            <a:off x="2691798" y="2585080"/>
+            <a:ext cx="3261514" cy="0"/>
+          </a:xfrm>
+          <a:prstGeom prst="straightConnector1">
+            <a:avLst/>
+          </a:prstGeom>
+          <a:ln>
+            <a:tailEnd type="triangle"/>
+          </a:ln>
+        </p:spPr>
+        <p:style>
+          <a:lnRef idx="1">
+            <a:schemeClr val="accent1"/>
+          </a:lnRef>
+          <a:fillRef idx="0">
+            <a:schemeClr val="accent1"/>
+          </a:fillRef>
+          <a:effectRef idx="0">
+            <a:schemeClr val="accent1"/>
+          </a:effectRef>
+          <a:fontRef idx="minor">
+            <a:schemeClr val="tx1"/>
+          </a:fontRef>
+        </p:style>
+      </p:cxnSp>
+      <p:sp>
+        <p:nvSpPr>
+          <p:cNvPr id="15" name="TextBox 14">
+            <a:extLst>
+              <a:ext uri="{FF2B5EF4-FFF2-40B4-BE49-F238E27FC236}">
+                <a16:creationId xmlns:a16="http://schemas.microsoft.com/office/drawing/2014/main" id="{10B5BD73-9369-4F2F-924F-B6402FCFC3D0}"/>
+              </a:ext>
+            </a:extLst>
+          </p:cNvPr>
+          <p:cNvSpPr txBox="1"/>
+          <p:nvPr/>
+        </p:nvSpPr>
+        <p:spPr>
+          <a:xfrm>
+            <a:off x="2633184" y="1873652"/>
+            <a:ext cx="1742667" cy="300082"/>
+          </a:xfrm>
+          <a:prstGeom prst="rect">
+            <a:avLst/>
+          </a:prstGeom>
+          <a:noFill/>
+        </p:spPr>
+        <p:txBody>
+          <a:bodyPr wrap="square" rtlCol="0">
+            <a:spAutoFit/>
+          </a:bodyPr>
+          <a:lstStyle/>
+          <a:p>
+            <a:r>
+              <a:rPr lang="en-US" dirty="0" err="1">
+                <a:solidFill>
+                  <a:srgbClr val="FFC000"/>
+                </a:solidFill>
+              </a:rPr>
+              <a:t>CustomerAddressId</a:t>
+            </a:r>
+            <a:endParaRPr lang="en-US" dirty="0">
+              <a:solidFill>
+                <a:srgbClr val="FFC000"/>
+              </a:solidFill>
+            </a:endParaRPr>
+          </a:p>
+        </p:txBody>
+      </p:sp>
+      <p:sp>
+        <p:nvSpPr>
+          <p:cNvPr id="16" name="TextBox 15">
+            <a:extLst>
+              <a:ext uri="{FF2B5EF4-FFF2-40B4-BE49-F238E27FC236}">
+                <a16:creationId xmlns:a16="http://schemas.microsoft.com/office/drawing/2014/main" id="{94381DA3-334D-4891-BD4C-041E3EA05B63}"/>
+              </a:ext>
+            </a:extLst>
+          </p:cNvPr>
+          <p:cNvSpPr txBox="1"/>
+          <p:nvPr/>
+        </p:nvSpPr>
+        <p:spPr>
+          <a:xfrm>
+            <a:off x="4877761" y="2290244"/>
+            <a:ext cx="1119916" cy="300082"/>
+          </a:xfrm>
+          <a:prstGeom prst="rect">
+            <a:avLst/>
+          </a:prstGeom>
+          <a:noFill/>
+        </p:spPr>
+        <p:txBody>
+          <a:bodyPr wrap="square" rtlCol="0">
+            <a:spAutoFit/>
+          </a:bodyPr>
+          <a:lstStyle/>
+          <a:p>
+            <a:r>
+              <a:rPr lang="en-US" dirty="0" err="1">
+                <a:solidFill>
+                  <a:srgbClr val="FFC000"/>
+                </a:solidFill>
+              </a:rPr>
+              <a:t>CustomerId</a:t>
+            </a:r>
+            <a:endParaRPr lang="en-US" dirty="0">
+              <a:solidFill>
+                <a:srgbClr val="FFC000"/>
+              </a:solidFill>
+            </a:endParaRPr>
+          </a:p>
+        </p:txBody>
+      </p:sp>
+      <p:sp>
+        <p:nvSpPr>
+          <p:cNvPr id="17" name="TextBox 16">
+            <a:extLst>
+              <a:ext uri="{FF2B5EF4-FFF2-40B4-BE49-F238E27FC236}">
+                <a16:creationId xmlns:a16="http://schemas.microsoft.com/office/drawing/2014/main" id="{F9A74A8E-59CF-489F-B2A0-F29AF7708EEA}"/>
+              </a:ext>
+            </a:extLst>
+          </p:cNvPr>
+          <p:cNvSpPr txBox="1"/>
+          <p:nvPr/>
+        </p:nvSpPr>
+        <p:spPr>
+          <a:xfrm>
+            <a:off x="1368359" y="2875026"/>
+            <a:ext cx="1119916" cy="300082"/>
+          </a:xfrm>
+          <a:prstGeom prst="rect">
+            <a:avLst/>
+          </a:prstGeom>
+          <a:noFill/>
+        </p:spPr>
+        <p:txBody>
+          <a:bodyPr wrap="square" rtlCol="0">
+            <a:spAutoFit/>
+          </a:bodyPr>
+          <a:lstStyle/>
+          <a:p>
+            <a:r>
+              <a:rPr lang="en-US" b="1" i="1" dirty="0" err="1">
+                <a:solidFill>
+                  <a:srgbClr val="FF0000"/>
+                </a:solidFill>
+              </a:rPr>
+              <a:t>CustomerId</a:t>
+            </a:r>
+            <a:endParaRPr lang="en-US" b="1" i="1" dirty="0">
+              <a:solidFill>
+                <a:srgbClr val="FF0000"/>
+              </a:solidFill>
+            </a:endParaRPr>
+          </a:p>
+        </p:txBody>
+      </p:sp>
+      <p:sp>
+        <p:nvSpPr>
+          <p:cNvPr id="18" name="TextBox 17">
+            <a:extLst>
+              <a:ext uri="{FF2B5EF4-FFF2-40B4-BE49-F238E27FC236}">
+                <a16:creationId xmlns:a16="http://schemas.microsoft.com/office/drawing/2014/main" id="{85BD8F77-8C6F-47E5-807C-494353335D5D}"/>
+              </a:ext>
+            </a:extLst>
+          </p:cNvPr>
+          <p:cNvSpPr txBox="1"/>
+          <p:nvPr/>
+        </p:nvSpPr>
+        <p:spPr>
+          <a:xfrm>
+            <a:off x="5750894" y="2875026"/>
+            <a:ext cx="1742667" cy="300082"/>
+          </a:xfrm>
+          <a:prstGeom prst="rect">
+            <a:avLst/>
+          </a:prstGeom>
+          <a:noFill/>
+        </p:spPr>
+        <p:txBody>
+          <a:bodyPr wrap="square" rtlCol="0">
+            <a:spAutoFit/>
+          </a:bodyPr>
+          <a:lstStyle/>
+          <a:p>
+            <a:r>
+              <a:rPr lang="en-US" b="1" i="1" dirty="0" err="1">
+                <a:solidFill>
+                  <a:srgbClr val="FF0000"/>
+                </a:solidFill>
+              </a:rPr>
+              <a:t>CustomerAddressId</a:t>
+            </a:r>
+            <a:endParaRPr lang="en-US" b="1" i="1" dirty="0">
+              <a:solidFill>
+                <a:srgbClr val="FF0000"/>
+              </a:solidFill>
+            </a:endParaRPr>
+          </a:p>
+        </p:txBody>
+      </p:sp>
     </p:spTree>
     <p:extLst>
       <p:ext uri="{BB962C8B-B14F-4D97-AF65-F5344CB8AC3E}">
-        <p14:creationId xmlns:p14="http://schemas.microsoft.com/office/powerpoint/2010/main" val="196389202"/>
+        <p14:creationId xmlns:p14="http://schemas.microsoft.com/office/powerpoint/2010/main" val="3731026239"/>
+      </p:ext>
+    </p:extLst>
+  </p:cSld>
+  <p:clrMapOvr>
+    <a:masterClrMapping/>
+  </p:clrMapOvr>
+  <p:transition spd="slow">
+    <p:push dir="u"/>
+  </p:transition>
+  <p:timing>
+    <p:tnLst>
+      <p:par>
+        <p:cTn id="1" dur="indefinite" restart="never" nodeType="tmRoot">
+          <p:childTnLst>
+            <p:seq concurrent="1" nextAc="seek">
+              <p:cTn id="2" dur="indefinite" nodeType="mainSeq">
+                <p:childTnLst>
+                  <p:par>
+                    <p:cTn id="3" fill="hold">
+                      <p:stCondLst>
+                        <p:cond delay="indefinite"/>
+                        <p:cond evt="onBegin" delay="0">
+                          <p:tn val="2"/>
+                        </p:cond>
+                      </p:stCondLst>
+                      <p:childTnLst>
+                        <p:par>
+                          <p:cTn id="4" fill="hold">
+                            <p:stCondLst>
+                              <p:cond delay="0"/>
+                            </p:stCondLst>
+                            <p:childTnLst>
+                              <p:par>
+                                <p:cTn id="5" presetID="16" presetClass="entr" presetSubtype="37" fill="hold" grpId="0" nodeType="afterEffect">
+                                  <p:stCondLst>
+                                    <p:cond delay="0"/>
+                                  </p:stCondLst>
+                                  <p:childTnLst>
+                                    <p:set>
+                                      <p:cBhvr>
+                                        <p:cTn id="6" dur="1" fill="hold">
+                                          <p:stCondLst>
+                                            <p:cond delay="0"/>
+                                          </p:stCondLst>
+                                        </p:cTn>
+                                        <p:tgtEl>
+                                          <p:spTgt spid="2"/>
+                                        </p:tgtEl>
+                                        <p:attrNameLst>
+                                          <p:attrName>style.visibility</p:attrName>
+                                        </p:attrNameLst>
+                                      </p:cBhvr>
+                                      <p:to>
+                                        <p:strVal val="visible"/>
+                                      </p:to>
+                                    </p:set>
+                                    <p:animEffect transition="in" filter="barn(outVertical)">
+                                      <p:cBhvr>
+                                        <p:cTn id="7" dur="500"/>
+                                        <p:tgtEl>
+                                          <p:spTgt spid="2"/>
+                                        </p:tgtEl>
+                                      </p:cBhvr>
+                                    </p:animEffect>
+                                  </p:childTnLst>
+                                </p:cTn>
+                              </p:par>
+                            </p:childTnLst>
+                          </p:cTn>
+                        </p:par>
+                        <p:par>
+                          <p:cTn id="8" fill="hold">
+                            <p:stCondLst>
+                              <p:cond delay="500"/>
+                            </p:stCondLst>
+                            <p:childTnLst>
+                              <p:par>
+                                <p:cTn id="9" presetID="16" presetClass="entr" presetSubtype="21" fill="hold" grpId="0" nodeType="afterEffect">
+                                  <p:stCondLst>
+                                    <p:cond delay="0"/>
+                                  </p:stCondLst>
+                                  <p:childTnLst>
+                                    <p:set>
+                                      <p:cBhvr>
+                                        <p:cTn id="10" dur="1" fill="hold">
+                                          <p:stCondLst>
+                                            <p:cond delay="0"/>
+                                          </p:stCondLst>
+                                        </p:cTn>
+                                        <p:tgtEl>
+                                          <p:spTgt spid="7"/>
+                                        </p:tgtEl>
+                                        <p:attrNameLst>
+                                          <p:attrName>style.visibility</p:attrName>
+                                        </p:attrNameLst>
+                                      </p:cBhvr>
+                                      <p:to>
+                                        <p:strVal val="visible"/>
+                                      </p:to>
+                                    </p:set>
+                                    <p:animEffect transition="in" filter="barn(inVertical)">
+                                      <p:cBhvr>
+                                        <p:cTn id="11" dur="500"/>
+                                        <p:tgtEl>
+                                          <p:spTgt spid="7"/>
+                                        </p:tgtEl>
+                                      </p:cBhvr>
+                                    </p:animEffect>
+                                  </p:childTnLst>
+                                </p:cTn>
+                              </p:par>
+                              <p:par>
+                                <p:cTn id="12" presetID="16" presetClass="entr" presetSubtype="37" fill="hold" grpId="0" nodeType="withEffect">
+                                  <p:stCondLst>
+                                    <p:cond delay="0"/>
+                                  </p:stCondLst>
+                                  <p:childTnLst>
+                                    <p:set>
+                                      <p:cBhvr>
+                                        <p:cTn id="13" dur="1" fill="hold">
+                                          <p:stCondLst>
+                                            <p:cond delay="0"/>
+                                          </p:stCondLst>
+                                        </p:cTn>
+                                        <p:tgtEl>
+                                          <p:spTgt spid="5"/>
+                                        </p:tgtEl>
+                                        <p:attrNameLst>
+                                          <p:attrName>style.visibility</p:attrName>
+                                        </p:attrNameLst>
+                                      </p:cBhvr>
+                                      <p:to>
+                                        <p:strVal val="visible"/>
+                                      </p:to>
+                                    </p:set>
+                                    <p:animEffect transition="in" filter="barn(outVertical)">
+                                      <p:cBhvr>
+                                        <p:cTn id="14" dur="500"/>
+                                        <p:tgtEl>
+                                          <p:spTgt spid="5"/>
+                                        </p:tgtEl>
+                                      </p:cBhvr>
+                                    </p:animEffect>
+                                  </p:childTnLst>
+                                </p:cTn>
+                              </p:par>
+                            </p:childTnLst>
+                          </p:cTn>
+                        </p:par>
+                      </p:childTnLst>
+                    </p:cTn>
+                  </p:par>
+                </p:childTnLst>
+              </p:cTn>
+              <p:prevCondLst>
+                <p:cond evt="onPrev" delay="0">
+                  <p:tgtEl>
+                    <p:sldTgt/>
+                  </p:tgtEl>
+                </p:cond>
+              </p:prevCondLst>
+              <p:nextCondLst>
+                <p:cond evt="onNext" delay="0">
+                  <p:tgtEl>
+                    <p:sldTgt/>
+                  </p:tgtEl>
+                </p:cond>
+              </p:nextCondLst>
+            </p:seq>
+          </p:childTnLst>
+        </p:cTn>
+      </p:par>
+    </p:tnLst>
+    <p:bldLst>
+      <p:bldP spid="2" grpId="0" animBg="1"/>
+      <p:bldP spid="5" grpId="0"/>
+      <p:bldP spid="7" grpId="0"/>
+    </p:bldLst>
+  </p:timing>
+</p:sld>
+</file>
+
+<file path=ppt/slides/slide17.xml><?xml version="1.0" encoding="utf-8"?>
+<p:sld xmlns:a="http://schemas.openxmlformats.org/drawingml/2006/main" xmlns:r="http://schemas.openxmlformats.org/officeDocument/2006/relationships" xmlns:p="http://schemas.openxmlformats.org/presentationml/2006/main">
+  <p:cSld>
+    <p:spTree>
+      <p:nvGrpSpPr>
+        <p:cNvPr id="1" name=""/>
+        <p:cNvGrpSpPr/>
+        <p:nvPr/>
+      </p:nvGrpSpPr>
+      <p:grpSpPr>
+        <a:xfrm>
+          <a:off x="0" y="0"/>
+          <a:ext cx="0" cy="0"/>
+          <a:chOff x="0" y="0"/>
+          <a:chExt cx="0" cy="0"/>
+        </a:xfrm>
+      </p:grpSpPr>
+      <p:pic>
+        <p:nvPicPr>
+          <p:cNvPr id="8" name="Picture Placeholder 7" descr="A picture containing text, vector graphics&#10;&#10;Description automatically generated">
+            <a:extLst>
+              <a:ext uri="{FF2B5EF4-FFF2-40B4-BE49-F238E27FC236}">
+                <a16:creationId xmlns:a16="http://schemas.microsoft.com/office/drawing/2014/main" id="{6026550D-D95D-40BE-A30B-EF1629D85220}"/>
+              </a:ext>
+            </a:extLst>
+          </p:cNvPr>
+          <p:cNvPicPr>
+            <a:picLocks noGrp="1" noChangeAspect="1"/>
+          </p:cNvPicPr>
+          <p:nvPr>
+            <p:ph type="pic" sz="quarter" idx="10"/>
+          </p:nvPr>
+        </p:nvPicPr>
+        <p:blipFill>
+          <a:blip r:embed="rId2" cstate="print">
+            <a:alphaModFix amt="85000"/>
+            <a:extLst>
+              <a:ext uri="{28A0092B-C50C-407E-A947-70E740481C1C}">
+                <a14:useLocalDpi xmlns:a14="http://schemas.microsoft.com/office/drawing/2010/main" val="0"/>
+              </a:ext>
+            </a:extLst>
+          </a:blip>
+          <a:srcRect t="2234" b="2234"/>
+          <a:stretch>
+            <a:fillRect/>
+          </a:stretch>
+        </p:blipFill>
+        <p:spPr>
+          <a:xfrm>
+            <a:off x="0" y="0"/>
+            <a:ext cx="9144000" cy="5143500"/>
+          </a:xfrm>
+        </p:spPr>
+      </p:pic>
+      <p:sp>
+        <p:nvSpPr>
+          <p:cNvPr id="2" name="Rectangle 1"/>
+          <p:cNvSpPr/>
+          <p:nvPr/>
+        </p:nvSpPr>
+        <p:spPr>
+          <a:xfrm>
+            <a:off x="2" y="-112496"/>
+            <a:ext cx="9143998" cy="5143499"/>
+          </a:xfrm>
+          <a:prstGeom prst="rect">
+            <a:avLst/>
+          </a:prstGeom>
+          <a:solidFill>
+            <a:schemeClr val="tx1">
+              <a:lumMod val="90000"/>
+              <a:lumOff val="10000"/>
+              <a:alpha val="80000"/>
+            </a:schemeClr>
+          </a:solidFill>
+          <a:ln w="9525">
+            <a:noFill/>
+            <a:round/>
+            <a:headEnd/>
+            <a:tailEnd/>
+          </a:ln>
+        </p:spPr>
+        <p:txBody>
+          <a:bodyPr vert="horz" wrap="square" lIns="91440" tIns="45720" rIns="91440" bIns="45720" numCol="1" rtlCol="0" anchor="t" anchorCtr="0" compatLnSpc="1">
+            <a:prstTxWarp prst="textNoShape">
+              <a:avLst/>
+            </a:prstTxWarp>
+          </a:bodyPr>
+          <a:lstStyle/>
+          <a:p>
+            <a:pPr algn="ctr"/>
+            <a:endParaRPr lang="en-US" dirty="0">
+              <a:solidFill>
+                <a:schemeClr val="tx1"/>
+              </a:solidFill>
+            </a:endParaRPr>
+          </a:p>
+        </p:txBody>
+      </p:sp>
+      <p:sp>
+        <p:nvSpPr>
+          <p:cNvPr id="5" name="Rectangle 4"/>
+          <p:cNvSpPr/>
+          <p:nvPr/>
+        </p:nvSpPr>
+        <p:spPr>
+          <a:xfrm>
+            <a:off x="456161" y="1133549"/>
+            <a:ext cx="3548643" cy="984885"/>
+          </a:xfrm>
+          <a:prstGeom prst="rect">
+            <a:avLst/>
+          </a:prstGeom>
+        </p:spPr>
+        <p:txBody>
+          <a:bodyPr wrap="square" anchor="t">
+            <a:spAutoFit/>
+          </a:bodyPr>
+          <a:lstStyle/>
+          <a:p>
+            <a:pPr>
+              <a:lnSpc>
+                <a:spcPct val="150000"/>
+              </a:lnSpc>
+            </a:pPr>
+            <a:r>
+              <a:rPr lang="en-US" sz="1600" dirty="0">
+                <a:solidFill>
+                  <a:schemeClr val="bg1"/>
+                </a:solidFill>
+              </a:rPr>
+              <a:t>    </a:t>
+            </a:r>
+          </a:p>
+          <a:p>
+            <a:pPr marL="171450" indent="-171450">
+              <a:lnSpc>
+                <a:spcPct val="150000"/>
+              </a:lnSpc>
+              <a:buFont typeface="Arial" panose="020B0604020202020204" pitchFamily="34" charset="0"/>
+              <a:buChar char="•"/>
+            </a:pPr>
+            <a:endParaRPr lang="en-US" sz="1200" dirty="0">
+              <a:solidFill>
+                <a:schemeClr val="bg1"/>
+              </a:solidFill>
+            </a:endParaRPr>
+          </a:p>
+          <a:p>
+            <a:pPr marL="171450" indent="-171450">
+              <a:lnSpc>
+                <a:spcPct val="150000"/>
+              </a:lnSpc>
+              <a:buFont typeface="Arial" panose="020B0604020202020204" pitchFamily="34" charset="0"/>
+              <a:buChar char="•"/>
+            </a:pPr>
+            <a:endParaRPr lang="en-US" sz="1200" dirty="0">
+              <a:solidFill>
+                <a:schemeClr val="bg1"/>
+              </a:solidFill>
+            </a:endParaRPr>
+          </a:p>
+        </p:txBody>
+      </p:sp>
+      <p:sp>
+        <p:nvSpPr>
+          <p:cNvPr id="7" name="TextBox 6"/>
+          <p:cNvSpPr txBox="1"/>
+          <p:nvPr/>
+        </p:nvSpPr>
+        <p:spPr>
+          <a:xfrm>
+            <a:off x="456161" y="147736"/>
+            <a:ext cx="8230639" cy="492443"/>
+          </a:xfrm>
+          <a:prstGeom prst="rect">
+            <a:avLst/>
+          </a:prstGeom>
+          <a:noFill/>
+        </p:spPr>
+        <p:txBody>
+          <a:bodyPr wrap="square" lIns="0" tIns="0" rIns="0" bIns="0" rtlCol="0" anchor="ctr">
+            <a:spAutoFit/>
+          </a:bodyPr>
+          <a:lstStyle/>
+          <a:p>
+            <a:pPr algn="ctr"/>
+            <a:r>
+              <a:rPr lang="en-US" sz="3200" b="1" dirty="0">
+                <a:solidFill>
+                  <a:schemeClr val="bg1"/>
+                </a:solidFill>
+              </a:rPr>
+              <a:t>One-to-Many</a:t>
+            </a:r>
+            <a:endParaRPr lang="en-US" sz="3200" b="1" dirty="0">
+              <a:solidFill>
+                <a:schemeClr val="accent5"/>
+              </a:solidFill>
+            </a:endParaRPr>
+          </a:p>
+        </p:txBody>
+      </p:sp>
+      <p:sp>
+        <p:nvSpPr>
+          <p:cNvPr id="3" name="Rectangle 2">
+            <a:extLst>
+              <a:ext uri="{FF2B5EF4-FFF2-40B4-BE49-F238E27FC236}">
+                <a16:creationId xmlns:a16="http://schemas.microsoft.com/office/drawing/2014/main" id="{D40F6156-8064-4D0C-BFCE-CC20B87A1951}"/>
+              </a:ext>
+            </a:extLst>
+          </p:cNvPr>
+          <p:cNvSpPr/>
+          <p:nvPr/>
+        </p:nvSpPr>
+        <p:spPr>
+          <a:xfrm>
+            <a:off x="1176894" y="1895144"/>
+            <a:ext cx="1502847" cy="984885"/>
+          </a:xfrm>
+          <a:prstGeom prst="rect">
+            <a:avLst/>
+          </a:prstGeom>
+          <a:ln>
+            <a:noFill/>
+          </a:ln>
+        </p:spPr>
+        <p:style>
+          <a:lnRef idx="2">
+            <a:schemeClr val="accent1">
+              <a:shade val="50000"/>
+            </a:schemeClr>
+          </a:lnRef>
+          <a:fillRef idx="1">
+            <a:schemeClr val="accent1"/>
+          </a:fillRef>
+          <a:effectRef idx="0">
+            <a:schemeClr val="accent1"/>
+          </a:effectRef>
+          <a:fontRef idx="minor">
+            <a:schemeClr val="lt1"/>
+          </a:fontRef>
+        </p:style>
+        <p:txBody>
+          <a:bodyPr rtlCol="0" anchor="ctr"/>
+          <a:lstStyle/>
+          <a:p>
+            <a:pPr algn="ctr"/>
+            <a:r>
+              <a:rPr lang="en-US" dirty="0"/>
+              <a:t>Customer</a:t>
+            </a:r>
+          </a:p>
+        </p:txBody>
+      </p:sp>
+      <p:sp>
+        <p:nvSpPr>
+          <p:cNvPr id="4" name="Rectangle 3">
+            <a:extLst>
+              <a:ext uri="{FF2B5EF4-FFF2-40B4-BE49-F238E27FC236}">
+                <a16:creationId xmlns:a16="http://schemas.microsoft.com/office/drawing/2014/main" id="{F327DAD2-1005-4A50-86A6-5E16268CACB3}"/>
+              </a:ext>
+            </a:extLst>
+          </p:cNvPr>
+          <p:cNvSpPr/>
+          <p:nvPr/>
+        </p:nvSpPr>
+        <p:spPr>
+          <a:xfrm>
+            <a:off x="5953312" y="1890141"/>
+            <a:ext cx="1416694" cy="984885"/>
+          </a:xfrm>
+          <a:prstGeom prst="rect">
+            <a:avLst/>
+          </a:prstGeom>
+          <a:ln>
+            <a:noFill/>
+          </a:ln>
+        </p:spPr>
+        <p:style>
+          <a:lnRef idx="2">
+            <a:schemeClr val="accent1">
+              <a:shade val="50000"/>
+            </a:schemeClr>
+          </a:lnRef>
+          <a:fillRef idx="1">
+            <a:schemeClr val="accent1"/>
+          </a:fillRef>
+          <a:effectRef idx="0">
+            <a:schemeClr val="accent1"/>
+          </a:effectRef>
+          <a:fontRef idx="minor">
+            <a:schemeClr val="lt1"/>
+          </a:fontRef>
+        </p:style>
+        <p:txBody>
+          <a:bodyPr rtlCol="0" anchor="ctr"/>
+          <a:lstStyle/>
+          <a:p>
+            <a:pPr algn="ctr"/>
+            <a:r>
+              <a:rPr lang="en-US" dirty="0" err="1"/>
+              <a:t>CustomerType</a:t>
+            </a:r>
+            <a:endParaRPr lang="en-US" dirty="0"/>
+          </a:p>
+        </p:txBody>
+      </p:sp>
+      <p:cxnSp>
+        <p:nvCxnSpPr>
+          <p:cNvPr id="9" name="Straight Arrow Connector 8">
+            <a:extLst>
+              <a:ext uri="{FF2B5EF4-FFF2-40B4-BE49-F238E27FC236}">
+                <a16:creationId xmlns:a16="http://schemas.microsoft.com/office/drawing/2014/main" id="{165505D8-1A19-4D1A-A08C-B4FB2E1E5C5F}"/>
+              </a:ext>
+            </a:extLst>
+          </p:cNvPr>
+          <p:cNvCxnSpPr>
+            <a:cxnSpLocks/>
+          </p:cNvCxnSpPr>
+          <p:nvPr/>
+        </p:nvCxnSpPr>
+        <p:spPr>
+          <a:xfrm>
+            <a:off x="2633184" y="2274199"/>
+            <a:ext cx="3273571" cy="0"/>
+          </a:xfrm>
+          <a:prstGeom prst="straightConnector1">
+            <a:avLst/>
+          </a:prstGeom>
+          <a:ln>
+            <a:tailEnd type="triangle"/>
+          </a:ln>
+        </p:spPr>
+        <p:style>
+          <a:lnRef idx="1">
+            <a:schemeClr val="accent1"/>
+          </a:lnRef>
+          <a:fillRef idx="0">
+            <a:schemeClr val="accent1"/>
+          </a:fillRef>
+          <a:effectRef idx="0">
+            <a:schemeClr val="accent1"/>
+          </a:effectRef>
+          <a:fontRef idx="minor">
+            <a:schemeClr val="tx1"/>
+          </a:fontRef>
+        </p:style>
+      </p:cxnSp>
+      <p:sp>
+        <p:nvSpPr>
+          <p:cNvPr id="15" name="TextBox 14">
+            <a:extLst>
+              <a:ext uri="{FF2B5EF4-FFF2-40B4-BE49-F238E27FC236}">
+                <a16:creationId xmlns:a16="http://schemas.microsoft.com/office/drawing/2014/main" id="{10B5BD73-9369-4F2F-924F-B6402FCFC3D0}"/>
+              </a:ext>
+            </a:extLst>
+          </p:cNvPr>
+          <p:cNvSpPr txBox="1"/>
+          <p:nvPr/>
+        </p:nvSpPr>
+        <p:spPr>
+          <a:xfrm>
+            <a:off x="2633184" y="1873652"/>
+            <a:ext cx="1742667" cy="300082"/>
+          </a:xfrm>
+          <a:prstGeom prst="rect">
+            <a:avLst/>
+          </a:prstGeom>
+          <a:noFill/>
+        </p:spPr>
+        <p:txBody>
+          <a:bodyPr wrap="square" rtlCol="0">
+            <a:spAutoFit/>
+          </a:bodyPr>
+          <a:lstStyle/>
+          <a:p>
+            <a:r>
+              <a:rPr lang="en-US" dirty="0" err="1">
+                <a:solidFill>
+                  <a:srgbClr val="FFC000"/>
+                </a:solidFill>
+              </a:rPr>
+              <a:t>CustomerTypeId</a:t>
+            </a:r>
+            <a:endParaRPr lang="en-US" dirty="0">
+              <a:solidFill>
+                <a:srgbClr val="FFC000"/>
+              </a:solidFill>
+            </a:endParaRPr>
+          </a:p>
+        </p:txBody>
+      </p:sp>
+      <p:sp>
+        <p:nvSpPr>
+          <p:cNvPr id="17" name="TextBox 16">
+            <a:extLst>
+              <a:ext uri="{FF2B5EF4-FFF2-40B4-BE49-F238E27FC236}">
+                <a16:creationId xmlns:a16="http://schemas.microsoft.com/office/drawing/2014/main" id="{F9A74A8E-59CF-489F-B2A0-F29AF7708EEA}"/>
+              </a:ext>
+            </a:extLst>
+          </p:cNvPr>
+          <p:cNvSpPr txBox="1"/>
+          <p:nvPr/>
+        </p:nvSpPr>
+        <p:spPr>
+          <a:xfrm>
+            <a:off x="1368359" y="2875026"/>
+            <a:ext cx="1119916" cy="300082"/>
+          </a:xfrm>
+          <a:prstGeom prst="rect">
+            <a:avLst/>
+          </a:prstGeom>
+          <a:noFill/>
+        </p:spPr>
+        <p:txBody>
+          <a:bodyPr wrap="square" rtlCol="0">
+            <a:spAutoFit/>
+          </a:bodyPr>
+          <a:lstStyle/>
+          <a:p>
+            <a:r>
+              <a:rPr lang="en-US" b="1" i="1" dirty="0" err="1">
+                <a:solidFill>
+                  <a:srgbClr val="FF0000"/>
+                </a:solidFill>
+              </a:rPr>
+              <a:t>CustomerId</a:t>
+            </a:r>
+            <a:endParaRPr lang="en-US" b="1" i="1" dirty="0">
+              <a:solidFill>
+                <a:srgbClr val="FF0000"/>
+              </a:solidFill>
+            </a:endParaRPr>
+          </a:p>
+        </p:txBody>
+      </p:sp>
+      <p:sp>
+        <p:nvSpPr>
+          <p:cNvPr id="18" name="TextBox 17">
+            <a:extLst>
+              <a:ext uri="{FF2B5EF4-FFF2-40B4-BE49-F238E27FC236}">
+                <a16:creationId xmlns:a16="http://schemas.microsoft.com/office/drawing/2014/main" id="{85BD8F77-8C6F-47E5-807C-494353335D5D}"/>
+              </a:ext>
+            </a:extLst>
+          </p:cNvPr>
+          <p:cNvSpPr txBox="1"/>
+          <p:nvPr/>
+        </p:nvSpPr>
+        <p:spPr>
+          <a:xfrm>
+            <a:off x="5953312" y="2875026"/>
+            <a:ext cx="1540249" cy="300082"/>
+          </a:xfrm>
+          <a:prstGeom prst="rect">
+            <a:avLst/>
+          </a:prstGeom>
+          <a:noFill/>
+        </p:spPr>
+        <p:txBody>
+          <a:bodyPr wrap="square" rtlCol="0">
+            <a:spAutoFit/>
+          </a:bodyPr>
+          <a:lstStyle/>
+          <a:p>
+            <a:r>
+              <a:rPr lang="en-US" b="1" i="1" dirty="0" err="1">
+                <a:solidFill>
+                  <a:srgbClr val="FF0000"/>
+                </a:solidFill>
+              </a:rPr>
+              <a:t>CustomerTypeId</a:t>
+            </a:r>
+            <a:endParaRPr lang="en-US" b="1" i="1" dirty="0">
+              <a:solidFill>
+                <a:srgbClr val="FF0000"/>
+              </a:solidFill>
+            </a:endParaRPr>
+          </a:p>
+        </p:txBody>
+      </p:sp>
+      <p:cxnSp>
+        <p:nvCxnSpPr>
+          <p:cNvPr id="19" name="Straight Arrow Connector 18">
+            <a:extLst>
+              <a:ext uri="{FF2B5EF4-FFF2-40B4-BE49-F238E27FC236}">
+                <a16:creationId xmlns:a16="http://schemas.microsoft.com/office/drawing/2014/main" id="{DB2B3364-AFD4-4677-B736-01277ECB570E}"/>
+              </a:ext>
+            </a:extLst>
+          </p:cNvPr>
+          <p:cNvCxnSpPr>
+            <a:cxnSpLocks/>
+          </p:cNvCxnSpPr>
+          <p:nvPr/>
+        </p:nvCxnSpPr>
+        <p:spPr>
+          <a:xfrm flipH="1">
+            <a:off x="2679741" y="2571750"/>
+            <a:ext cx="3273571" cy="0"/>
+          </a:xfrm>
+          <a:prstGeom prst="straightConnector1">
+            <a:avLst/>
+          </a:prstGeom>
+          <a:ln>
+            <a:tailEnd type="triangle"/>
+          </a:ln>
+        </p:spPr>
+        <p:style>
+          <a:lnRef idx="1">
+            <a:schemeClr val="accent1"/>
+          </a:lnRef>
+          <a:fillRef idx="0">
+            <a:schemeClr val="accent1"/>
+          </a:fillRef>
+          <a:effectRef idx="0">
+            <a:schemeClr val="accent1"/>
+          </a:effectRef>
+          <a:fontRef idx="minor">
+            <a:schemeClr val="tx1"/>
+          </a:fontRef>
+        </p:style>
+      </p:cxnSp>
+      <p:cxnSp>
+        <p:nvCxnSpPr>
+          <p:cNvPr id="20" name="Straight Arrow Connector 19">
+            <a:extLst>
+              <a:ext uri="{FF2B5EF4-FFF2-40B4-BE49-F238E27FC236}">
+                <a16:creationId xmlns:a16="http://schemas.microsoft.com/office/drawing/2014/main" id="{45B3DB44-8F95-41EA-85A7-D41A89CA9BAA}"/>
+              </a:ext>
+            </a:extLst>
+          </p:cNvPr>
+          <p:cNvCxnSpPr>
+            <a:cxnSpLocks/>
+          </p:cNvCxnSpPr>
+          <p:nvPr/>
+        </p:nvCxnSpPr>
+        <p:spPr>
+          <a:xfrm flipH="1">
+            <a:off x="2774930" y="2571750"/>
+            <a:ext cx="3178382" cy="0"/>
+          </a:xfrm>
+          <a:prstGeom prst="straightConnector1">
+            <a:avLst/>
+          </a:prstGeom>
+          <a:ln>
+            <a:tailEnd type="triangle"/>
+          </a:ln>
+        </p:spPr>
+        <p:style>
+          <a:lnRef idx="1">
+            <a:schemeClr val="accent1"/>
+          </a:lnRef>
+          <a:fillRef idx="0">
+            <a:schemeClr val="accent1"/>
+          </a:fillRef>
+          <a:effectRef idx="0">
+            <a:schemeClr val="accent1"/>
+          </a:effectRef>
+          <a:fontRef idx="minor">
+            <a:schemeClr val="tx1"/>
+          </a:fontRef>
+        </p:style>
+      </p:cxnSp>
+    </p:spTree>
+    <p:extLst>
+      <p:ext uri="{BB962C8B-B14F-4D97-AF65-F5344CB8AC3E}">
+        <p14:creationId xmlns:p14="http://schemas.microsoft.com/office/powerpoint/2010/main" val="2180372378"/>
+      </p:ext>
+    </p:extLst>
+  </p:cSld>
+  <p:clrMapOvr>
+    <a:masterClrMapping/>
+  </p:clrMapOvr>
+  <p:transition spd="slow">
+    <p:push dir="u"/>
+  </p:transition>
+  <p:timing>
+    <p:tnLst>
+      <p:par>
+        <p:cTn id="1" dur="indefinite" restart="never" nodeType="tmRoot">
+          <p:childTnLst>
+            <p:seq concurrent="1" nextAc="seek">
+              <p:cTn id="2" dur="indefinite" nodeType="mainSeq">
+                <p:childTnLst>
+                  <p:par>
+                    <p:cTn id="3" fill="hold">
+                      <p:stCondLst>
+                        <p:cond delay="indefinite"/>
+                        <p:cond evt="onBegin" delay="0">
+                          <p:tn val="2"/>
+                        </p:cond>
+                      </p:stCondLst>
+                      <p:childTnLst>
+                        <p:par>
+                          <p:cTn id="4" fill="hold">
+                            <p:stCondLst>
+                              <p:cond delay="0"/>
+                            </p:stCondLst>
+                            <p:childTnLst>
+                              <p:par>
+                                <p:cTn id="5" presetID="16" presetClass="entr" presetSubtype="37" fill="hold" grpId="0" nodeType="afterEffect">
+                                  <p:stCondLst>
+                                    <p:cond delay="0"/>
+                                  </p:stCondLst>
+                                  <p:childTnLst>
+                                    <p:set>
+                                      <p:cBhvr>
+                                        <p:cTn id="6" dur="1" fill="hold">
+                                          <p:stCondLst>
+                                            <p:cond delay="0"/>
+                                          </p:stCondLst>
+                                        </p:cTn>
+                                        <p:tgtEl>
+                                          <p:spTgt spid="2"/>
+                                        </p:tgtEl>
+                                        <p:attrNameLst>
+                                          <p:attrName>style.visibility</p:attrName>
+                                        </p:attrNameLst>
+                                      </p:cBhvr>
+                                      <p:to>
+                                        <p:strVal val="visible"/>
+                                      </p:to>
+                                    </p:set>
+                                    <p:animEffect transition="in" filter="barn(outVertical)">
+                                      <p:cBhvr>
+                                        <p:cTn id="7" dur="500"/>
+                                        <p:tgtEl>
+                                          <p:spTgt spid="2"/>
+                                        </p:tgtEl>
+                                      </p:cBhvr>
+                                    </p:animEffect>
+                                  </p:childTnLst>
+                                </p:cTn>
+                              </p:par>
+                            </p:childTnLst>
+                          </p:cTn>
+                        </p:par>
+                        <p:par>
+                          <p:cTn id="8" fill="hold">
+                            <p:stCondLst>
+                              <p:cond delay="500"/>
+                            </p:stCondLst>
+                            <p:childTnLst>
+                              <p:par>
+                                <p:cTn id="9" presetID="16" presetClass="entr" presetSubtype="21" fill="hold" grpId="0" nodeType="afterEffect">
+                                  <p:stCondLst>
+                                    <p:cond delay="0"/>
+                                  </p:stCondLst>
+                                  <p:childTnLst>
+                                    <p:set>
+                                      <p:cBhvr>
+                                        <p:cTn id="10" dur="1" fill="hold">
+                                          <p:stCondLst>
+                                            <p:cond delay="0"/>
+                                          </p:stCondLst>
+                                        </p:cTn>
+                                        <p:tgtEl>
+                                          <p:spTgt spid="7"/>
+                                        </p:tgtEl>
+                                        <p:attrNameLst>
+                                          <p:attrName>style.visibility</p:attrName>
+                                        </p:attrNameLst>
+                                      </p:cBhvr>
+                                      <p:to>
+                                        <p:strVal val="visible"/>
+                                      </p:to>
+                                    </p:set>
+                                    <p:animEffect transition="in" filter="barn(inVertical)">
+                                      <p:cBhvr>
+                                        <p:cTn id="11" dur="500"/>
+                                        <p:tgtEl>
+                                          <p:spTgt spid="7"/>
+                                        </p:tgtEl>
+                                      </p:cBhvr>
+                                    </p:animEffect>
+                                  </p:childTnLst>
+                                </p:cTn>
+                              </p:par>
+                              <p:par>
+                                <p:cTn id="12" presetID="16" presetClass="entr" presetSubtype="37" fill="hold" grpId="0" nodeType="withEffect">
+                                  <p:stCondLst>
+                                    <p:cond delay="0"/>
+                                  </p:stCondLst>
+                                  <p:childTnLst>
+                                    <p:set>
+                                      <p:cBhvr>
+                                        <p:cTn id="13" dur="1" fill="hold">
+                                          <p:stCondLst>
+                                            <p:cond delay="0"/>
+                                          </p:stCondLst>
+                                        </p:cTn>
+                                        <p:tgtEl>
+                                          <p:spTgt spid="5"/>
+                                        </p:tgtEl>
+                                        <p:attrNameLst>
+                                          <p:attrName>style.visibility</p:attrName>
+                                        </p:attrNameLst>
+                                      </p:cBhvr>
+                                      <p:to>
+                                        <p:strVal val="visible"/>
+                                      </p:to>
+                                    </p:set>
+                                    <p:animEffect transition="in" filter="barn(outVertical)">
+                                      <p:cBhvr>
+                                        <p:cTn id="14" dur="500"/>
+                                        <p:tgtEl>
+                                          <p:spTgt spid="5"/>
+                                        </p:tgtEl>
+                                      </p:cBhvr>
+                                    </p:animEffect>
+                                  </p:childTnLst>
+                                </p:cTn>
+                              </p:par>
+                            </p:childTnLst>
+                          </p:cTn>
+                        </p:par>
+                      </p:childTnLst>
+                    </p:cTn>
+                  </p:par>
+                </p:childTnLst>
+              </p:cTn>
+              <p:prevCondLst>
+                <p:cond evt="onPrev" delay="0">
+                  <p:tgtEl>
+                    <p:sldTgt/>
+                  </p:tgtEl>
+                </p:cond>
+              </p:prevCondLst>
+              <p:nextCondLst>
+                <p:cond evt="onNext" delay="0">
+                  <p:tgtEl>
+                    <p:sldTgt/>
+                  </p:tgtEl>
+                </p:cond>
+              </p:nextCondLst>
+            </p:seq>
+          </p:childTnLst>
+        </p:cTn>
+      </p:par>
+    </p:tnLst>
+    <p:bldLst>
+      <p:bldP spid="2" grpId="0" animBg="1"/>
+      <p:bldP spid="5" grpId="0"/>
+      <p:bldP spid="7" grpId="0"/>
+    </p:bldLst>
+  </p:timing>
+</p:sld>
+</file>
+
+<file path=ppt/slides/slide18.xml><?xml version="1.0" encoding="utf-8"?>
+<p:sld xmlns:a="http://schemas.openxmlformats.org/drawingml/2006/main" xmlns:r="http://schemas.openxmlformats.org/officeDocument/2006/relationships" xmlns:p="http://schemas.openxmlformats.org/presentationml/2006/main">
+  <p:cSld>
+    <p:spTree>
+      <p:nvGrpSpPr>
+        <p:cNvPr id="1" name=""/>
+        <p:cNvGrpSpPr/>
+        <p:nvPr/>
+      </p:nvGrpSpPr>
+      <p:grpSpPr>
+        <a:xfrm>
+          <a:off x="0" y="0"/>
+          <a:ext cx="0" cy="0"/>
+          <a:chOff x="0" y="0"/>
+          <a:chExt cx="0" cy="0"/>
+        </a:xfrm>
+      </p:grpSpPr>
+      <p:pic>
+        <p:nvPicPr>
+          <p:cNvPr id="8" name="Picture Placeholder 7" descr="A picture containing text, vector graphics&#10;&#10;Description automatically generated">
+            <a:extLst>
+              <a:ext uri="{FF2B5EF4-FFF2-40B4-BE49-F238E27FC236}">
+                <a16:creationId xmlns:a16="http://schemas.microsoft.com/office/drawing/2014/main" id="{6026550D-D95D-40BE-A30B-EF1629D85220}"/>
+              </a:ext>
+            </a:extLst>
+          </p:cNvPr>
+          <p:cNvPicPr>
+            <a:picLocks noGrp="1" noChangeAspect="1"/>
+          </p:cNvPicPr>
+          <p:nvPr>
+            <p:ph type="pic" sz="quarter" idx="10"/>
+          </p:nvPr>
+        </p:nvPicPr>
+        <p:blipFill>
+          <a:blip r:embed="rId2" cstate="print">
+            <a:alphaModFix amt="85000"/>
+            <a:extLst>
+              <a:ext uri="{28A0092B-C50C-407E-A947-70E740481C1C}">
+                <a14:useLocalDpi xmlns:a14="http://schemas.microsoft.com/office/drawing/2010/main" val="0"/>
+              </a:ext>
+            </a:extLst>
+          </a:blip>
+          <a:srcRect t="2234" b="2234"/>
+          <a:stretch>
+            <a:fillRect/>
+          </a:stretch>
+        </p:blipFill>
+        <p:spPr>
+          <a:xfrm>
+            <a:off x="0" y="0"/>
+            <a:ext cx="9144000" cy="5143500"/>
+          </a:xfrm>
+        </p:spPr>
+      </p:pic>
+      <p:sp>
+        <p:nvSpPr>
+          <p:cNvPr id="2" name="Rectangle 1"/>
+          <p:cNvSpPr/>
+          <p:nvPr/>
+        </p:nvSpPr>
+        <p:spPr>
+          <a:xfrm>
+            <a:off x="-519" y="1"/>
+            <a:ext cx="9143998" cy="5143499"/>
+          </a:xfrm>
+          <a:prstGeom prst="rect">
+            <a:avLst/>
+          </a:prstGeom>
+          <a:solidFill>
+            <a:schemeClr val="tx1">
+              <a:lumMod val="90000"/>
+              <a:lumOff val="10000"/>
+              <a:alpha val="80000"/>
+            </a:schemeClr>
+          </a:solidFill>
+          <a:ln w="9525">
+            <a:noFill/>
+            <a:round/>
+            <a:headEnd/>
+            <a:tailEnd/>
+          </a:ln>
+        </p:spPr>
+        <p:txBody>
+          <a:bodyPr vert="horz" wrap="square" lIns="91440" tIns="45720" rIns="91440" bIns="45720" numCol="1" rtlCol="0" anchor="t" anchorCtr="0" compatLnSpc="1">
+            <a:prstTxWarp prst="textNoShape">
+              <a:avLst/>
+            </a:prstTxWarp>
+          </a:bodyPr>
+          <a:lstStyle/>
+          <a:p>
+            <a:pPr algn="ctr"/>
+            <a:endParaRPr lang="en-US" dirty="0">
+              <a:solidFill>
+                <a:schemeClr val="tx1"/>
+              </a:solidFill>
+            </a:endParaRPr>
+          </a:p>
+        </p:txBody>
+      </p:sp>
+      <p:sp>
+        <p:nvSpPr>
+          <p:cNvPr id="5" name="Rectangle 4"/>
+          <p:cNvSpPr/>
+          <p:nvPr/>
+        </p:nvSpPr>
+        <p:spPr>
+          <a:xfrm>
+            <a:off x="456161" y="1133549"/>
+            <a:ext cx="3548643" cy="984885"/>
+          </a:xfrm>
+          <a:prstGeom prst="rect">
+            <a:avLst/>
+          </a:prstGeom>
+        </p:spPr>
+        <p:txBody>
+          <a:bodyPr wrap="square" anchor="t">
+            <a:spAutoFit/>
+          </a:bodyPr>
+          <a:lstStyle/>
+          <a:p>
+            <a:pPr>
+              <a:lnSpc>
+                <a:spcPct val="150000"/>
+              </a:lnSpc>
+            </a:pPr>
+            <a:r>
+              <a:rPr lang="en-US" sz="1600" dirty="0">
+                <a:solidFill>
+                  <a:schemeClr val="bg1"/>
+                </a:solidFill>
+              </a:rPr>
+              <a:t>    </a:t>
+            </a:r>
+          </a:p>
+          <a:p>
+            <a:pPr marL="171450" indent="-171450">
+              <a:lnSpc>
+                <a:spcPct val="150000"/>
+              </a:lnSpc>
+              <a:buFont typeface="Arial" panose="020B0604020202020204" pitchFamily="34" charset="0"/>
+              <a:buChar char="•"/>
+            </a:pPr>
+            <a:endParaRPr lang="en-US" sz="1200" dirty="0">
+              <a:solidFill>
+                <a:schemeClr val="bg1"/>
+              </a:solidFill>
+            </a:endParaRPr>
+          </a:p>
+          <a:p>
+            <a:pPr marL="171450" indent="-171450">
+              <a:lnSpc>
+                <a:spcPct val="150000"/>
+              </a:lnSpc>
+              <a:buFont typeface="Arial" panose="020B0604020202020204" pitchFamily="34" charset="0"/>
+              <a:buChar char="•"/>
+            </a:pPr>
+            <a:endParaRPr lang="en-US" sz="1200" dirty="0">
+              <a:solidFill>
+                <a:schemeClr val="bg1"/>
+              </a:solidFill>
+            </a:endParaRPr>
+          </a:p>
+        </p:txBody>
+      </p:sp>
+      <p:sp>
+        <p:nvSpPr>
+          <p:cNvPr id="7" name="TextBox 6"/>
+          <p:cNvSpPr txBox="1"/>
+          <p:nvPr/>
+        </p:nvSpPr>
+        <p:spPr>
+          <a:xfrm>
+            <a:off x="456161" y="147736"/>
+            <a:ext cx="8230639" cy="492443"/>
+          </a:xfrm>
+          <a:prstGeom prst="rect">
+            <a:avLst/>
+          </a:prstGeom>
+          <a:noFill/>
+        </p:spPr>
+        <p:txBody>
+          <a:bodyPr wrap="square" lIns="0" tIns="0" rIns="0" bIns="0" rtlCol="0" anchor="ctr">
+            <a:spAutoFit/>
+          </a:bodyPr>
+          <a:lstStyle/>
+          <a:p>
+            <a:pPr algn="ctr"/>
+            <a:r>
+              <a:rPr lang="en-US" sz="3200" b="1" dirty="0">
+                <a:solidFill>
+                  <a:schemeClr val="bg1"/>
+                </a:solidFill>
+              </a:rPr>
+              <a:t>Many-to-Many</a:t>
+            </a:r>
+            <a:endParaRPr lang="en-US" sz="3200" b="1" dirty="0">
+              <a:solidFill>
+                <a:schemeClr val="accent5"/>
+              </a:solidFill>
+            </a:endParaRPr>
+          </a:p>
+        </p:txBody>
+      </p:sp>
+      <p:sp>
+        <p:nvSpPr>
+          <p:cNvPr id="3" name="Rectangle 2">
+            <a:extLst>
+              <a:ext uri="{FF2B5EF4-FFF2-40B4-BE49-F238E27FC236}">
+                <a16:creationId xmlns:a16="http://schemas.microsoft.com/office/drawing/2014/main" id="{D40F6156-8064-4D0C-BFCE-CC20B87A1951}"/>
+              </a:ext>
+            </a:extLst>
+          </p:cNvPr>
+          <p:cNvSpPr/>
+          <p:nvPr/>
+        </p:nvSpPr>
+        <p:spPr>
+          <a:xfrm>
+            <a:off x="1325665" y="960239"/>
+            <a:ext cx="1502847" cy="984885"/>
+          </a:xfrm>
+          <a:prstGeom prst="rect">
+            <a:avLst/>
+          </a:prstGeom>
+          <a:ln>
+            <a:noFill/>
+          </a:ln>
+        </p:spPr>
+        <p:style>
+          <a:lnRef idx="2">
+            <a:schemeClr val="accent1">
+              <a:shade val="50000"/>
+            </a:schemeClr>
+          </a:lnRef>
+          <a:fillRef idx="1">
+            <a:schemeClr val="accent1"/>
+          </a:fillRef>
+          <a:effectRef idx="0">
+            <a:schemeClr val="accent1"/>
+          </a:effectRef>
+          <a:fontRef idx="minor">
+            <a:schemeClr val="lt1"/>
+          </a:fontRef>
+        </p:style>
+        <p:txBody>
+          <a:bodyPr rtlCol="0" anchor="ctr"/>
+          <a:lstStyle/>
+          <a:p>
+            <a:pPr algn="ctr"/>
+            <a:r>
+              <a:rPr lang="en-US" dirty="0"/>
+              <a:t>Customer</a:t>
+            </a:r>
+          </a:p>
+        </p:txBody>
+      </p:sp>
+      <p:sp>
+        <p:nvSpPr>
+          <p:cNvPr id="4" name="Rectangle 3">
+            <a:extLst>
+              <a:ext uri="{FF2B5EF4-FFF2-40B4-BE49-F238E27FC236}">
+                <a16:creationId xmlns:a16="http://schemas.microsoft.com/office/drawing/2014/main" id="{F327DAD2-1005-4A50-86A6-5E16268CACB3}"/>
+              </a:ext>
+            </a:extLst>
+          </p:cNvPr>
+          <p:cNvSpPr/>
+          <p:nvPr/>
+        </p:nvSpPr>
+        <p:spPr>
+          <a:xfrm>
+            <a:off x="6102083" y="955236"/>
+            <a:ext cx="1416694" cy="984885"/>
+          </a:xfrm>
+          <a:prstGeom prst="rect">
+            <a:avLst/>
+          </a:prstGeom>
+          <a:ln>
+            <a:noFill/>
+          </a:ln>
+        </p:spPr>
+        <p:style>
+          <a:lnRef idx="2">
+            <a:schemeClr val="accent1">
+              <a:shade val="50000"/>
+            </a:schemeClr>
+          </a:lnRef>
+          <a:fillRef idx="1">
+            <a:schemeClr val="accent1"/>
+          </a:fillRef>
+          <a:effectRef idx="0">
+            <a:schemeClr val="accent1"/>
+          </a:effectRef>
+          <a:fontRef idx="minor">
+            <a:schemeClr val="lt1"/>
+          </a:fontRef>
+        </p:style>
+        <p:txBody>
+          <a:bodyPr rtlCol="0" anchor="ctr"/>
+          <a:lstStyle/>
+          <a:p>
+            <a:pPr algn="ctr"/>
+            <a:r>
+              <a:rPr lang="en-US" dirty="0"/>
+              <a:t>Book</a:t>
+            </a:r>
+          </a:p>
+        </p:txBody>
+      </p:sp>
+      <p:cxnSp>
+        <p:nvCxnSpPr>
+          <p:cNvPr id="9" name="Straight Arrow Connector 8">
+            <a:extLst>
+              <a:ext uri="{FF2B5EF4-FFF2-40B4-BE49-F238E27FC236}">
+                <a16:creationId xmlns:a16="http://schemas.microsoft.com/office/drawing/2014/main" id="{165505D8-1A19-4D1A-A08C-B4FB2E1E5C5F}"/>
+              </a:ext>
+            </a:extLst>
+          </p:cNvPr>
+          <p:cNvCxnSpPr>
+            <a:cxnSpLocks/>
+          </p:cNvCxnSpPr>
+          <p:nvPr/>
+        </p:nvCxnSpPr>
+        <p:spPr>
+          <a:xfrm>
+            <a:off x="2781955" y="1339294"/>
+            <a:ext cx="3273571" cy="0"/>
+          </a:xfrm>
+          <a:prstGeom prst="straightConnector1">
+            <a:avLst/>
+          </a:prstGeom>
+          <a:ln>
+            <a:tailEnd type="triangle"/>
+          </a:ln>
+        </p:spPr>
+        <p:style>
+          <a:lnRef idx="1">
+            <a:schemeClr val="accent1"/>
+          </a:lnRef>
+          <a:fillRef idx="0">
+            <a:schemeClr val="accent1"/>
+          </a:fillRef>
+          <a:effectRef idx="0">
+            <a:schemeClr val="accent1"/>
+          </a:effectRef>
+          <a:fontRef idx="minor">
+            <a:schemeClr val="tx1"/>
+          </a:fontRef>
+        </p:style>
+      </p:cxnSp>
+      <p:sp>
+        <p:nvSpPr>
+          <p:cNvPr id="15" name="TextBox 14">
+            <a:extLst>
+              <a:ext uri="{FF2B5EF4-FFF2-40B4-BE49-F238E27FC236}">
+                <a16:creationId xmlns:a16="http://schemas.microsoft.com/office/drawing/2014/main" id="{10B5BD73-9369-4F2F-924F-B6402FCFC3D0}"/>
+              </a:ext>
+            </a:extLst>
+          </p:cNvPr>
+          <p:cNvSpPr txBox="1"/>
+          <p:nvPr/>
+        </p:nvSpPr>
+        <p:spPr>
+          <a:xfrm>
+            <a:off x="3975137" y="4264299"/>
+            <a:ext cx="1126612" cy="300082"/>
+          </a:xfrm>
+          <a:prstGeom prst="rect">
+            <a:avLst/>
+          </a:prstGeom>
+          <a:noFill/>
+        </p:spPr>
+        <p:txBody>
+          <a:bodyPr wrap="square" rtlCol="0">
+            <a:spAutoFit/>
+          </a:bodyPr>
+          <a:lstStyle/>
+          <a:p>
+            <a:r>
+              <a:rPr lang="en-US" dirty="0" err="1">
+                <a:solidFill>
+                  <a:srgbClr val="FFC000"/>
+                </a:solidFill>
+              </a:rPr>
+              <a:t>CustomerId</a:t>
+            </a:r>
+            <a:endParaRPr lang="en-US" dirty="0">
+              <a:solidFill>
+                <a:srgbClr val="FFC000"/>
+              </a:solidFill>
+            </a:endParaRPr>
+          </a:p>
+        </p:txBody>
+      </p:sp>
+      <p:sp>
+        <p:nvSpPr>
+          <p:cNvPr id="17" name="TextBox 16">
+            <a:extLst>
+              <a:ext uri="{FF2B5EF4-FFF2-40B4-BE49-F238E27FC236}">
+                <a16:creationId xmlns:a16="http://schemas.microsoft.com/office/drawing/2014/main" id="{F9A74A8E-59CF-489F-B2A0-F29AF7708EEA}"/>
+              </a:ext>
+            </a:extLst>
+          </p:cNvPr>
+          <p:cNvSpPr txBox="1"/>
+          <p:nvPr/>
+        </p:nvSpPr>
+        <p:spPr>
+          <a:xfrm>
+            <a:off x="1501668" y="1935002"/>
+            <a:ext cx="1119916" cy="300082"/>
+          </a:xfrm>
+          <a:prstGeom prst="rect">
+            <a:avLst/>
+          </a:prstGeom>
+          <a:noFill/>
+        </p:spPr>
+        <p:txBody>
+          <a:bodyPr wrap="square" rtlCol="0">
+            <a:spAutoFit/>
+          </a:bodyPr>
+          <a:lstStyle/>
+          <a:p>
+            <a:r>
+              <a:rPr lang="en-US" b="1" i="1" dirty="0" err="1">
+                <a:solidFill>
+                  <a:srgbClr val="FF0000"/>
+                </a:solidFill>
+              </a:rPr>
+              <a:t>CustomerId</a:t>
+            </a:r>
+            <a:endParaRPr lang="en-US" b="1" i="1" dirty="0">
+              <a:solidFill>
+                <a:srgbClr val="FF0000"/>
+              </a:solidFill>
+            </a:endParaRPr>
+          </a:p>
+        </p:txBody>
+      </p:sp>
+      <p:sp>
+        <p:nvSpPr>
+          <p:cNvPr id="18" name="TextBox 17">
+            <a:extLst>
+              <a:ext uri="{FF2B5EF4-FFF2-40B4-BE49-F238E27FC236}">
+                <a16:creationId xmlns:a16="http://schemas.microsoft.com/office/drawing/2014/main" id="{85BD8F77-8C6F-47E5-807C-494353335D5D}"/>
+              </a:ext>
+            </a:extLst>
+          </p:cNvPr>
+          <p:cNvSpPr txBox="1"/>
+          <p:nvPr/>
+        </p:nvSpPr>
+        <p:spPr>
+          <a:xfrm>
+            <a:off x="6437086" y="1940121"/>
+            <a:ext cx="1205246" cy="300082"/>
+          </a:xfrm>
+          <a:prstGeom prst="rect">
+            <a:avLst/>
+          </a:prstGeom>
+          <a:noFill/>
+        </p:spPr>
+        <p:txBody>
+          <a:bodyPr wrap="square" rtlCol="0">
+            <a:spAutoFit/>
+          </a:bodyPr>
+          <a:lstStyle/>
+          <a:p>
+            <a:r>
+              <a:rPr lang="en-US" b="1" i="1" dirty="0" err="1">
+                <a:solidFill>
+                  <a:srgbClr val="FF0000"/>
+                </a:solidFill>
+              </a:rPr>
+              <a:t>BookId</a:t>
+            </a:r>
+            <a:endParaRPr lang="en-US" b="1" i="1" dirty="0">
+              <a:solidFill>
+                <a:srgbClr val="FF0000"/>
+              </a:solidFill>
+            </a:endParaRPr>
+          </a:p>
+        </p:txBody>
+      </p:sp>
+      <p:cxnSp>
+        <p:nvCxnSpPr>
+          <p:cNvPr id="19" name="Straight Arrow Connector 18">
+            <a:extLst>
+              <a:ext uri="{FF2B5EF4-FFF2-40B4-BE49-F238E27FC236}">
+                <a16:creationId xmlns:a16="http://schemas.microsoft.com/office/drawing/2014/main" id="{DB2B3364-AFD4-4677-B736-01277ECB570E}"/>
+              </a:ext>
+            </a:extLst>
+          </p:cNvPr>
+          <p:cNvCxnSpPr>
+            <a:cxnSpLocks/>
+          </p:cNvCxnSpPr>
+          <p:nvPr/>
+        </p:nvCxnSpPr>
+        <p:spPr>
+          <a:xfrm flipH="1">
+            <a:off x="2813050" y="1631726"/>
+            <a:ext cx="3273571" cy="0"/>
+          </a:xfrm>
+          <a:prstGeom prst="straightConnector1">
+            <a:avLst/>
+          </a:prstGeom>
+          <a:ln>
+            <a:tailEnd type="triangle"/>
+          </a:ln>
+        </p:spPr>
+        <p:style>
+          <a:lnRef idx="1">
+            <a:schemeClr val="accent1"/>
+          </a:lnRef>
+          <a:fillRef idx="0">
+            <a:schemeClr val="accent1"/>
+          </a:fillRef>
+          <a:effectRef idx="0">
+            <a:schemeClr val="accent1"/>
+          </a:effectRef>
+          <a:fontRef idx="minor">
+            <a:schemeClr val="tx1"/>
+          </a:fontRef>
+        </p:style>
+      </p:cxnSp>
+      <p:cxnSp>
+        <p:nvCxnSpPr>
+          <p:cNvPr id="20" name="Straight Arrow Connector 19">
+            <a:extLst>
+              <a:ext uri="{FF2B5EF4-FFF2-40B4-BE49-F238E27FC236}">
+                <a16:creationId xmlns:a16="http://schemas.microsoft.com/office/drawing/2014/main" id="{45B3DB44-8F95-41EA-85A7-D41A89CA9BAA}"/>
+              </a:ext>
+            </a:extLst>
+          </p:cNvPr>
+          <p:cNvCxnSpPr>
+            <a:cxnSpLocks/>
+          </p:cNvCxnSpPr>
+          <p:nvPr/>
+        </p:nvCxnSpPr>
+        <p:spPr>
+          <a:xfrm flipH="1">
+            <a:off x="2923701" y="1636845"/>
+            <a:ext cx="3178382" cy="0"/>
+          </a:xfrm>
+          <a:prstGeom prst="straightConnector1">
+            <a:avLst/>
+          </a:prstGeom>
+          <a:ln>
+            <a:tailEnd type="triangle"/>
+          </a:ln>
+        </p:spPr>
+        <p:style>
+          <a:lnRef idx="1">
+            <a:schemeClr val="accent1"/>
+          </a:lnRef>
+          <a:fillRef idx="0">
+            <a:schemeClr val="accent1"/>
+          </a:fillRef>
+          <a:effectRef idx="0">
+            <a:schemeClr val="accent1"/>
+          </a:effectRef>
+          <a:fontRef idx="minor">
+            <a:schemeClr val="tx1"/>
+          </a:fontRef>
+        </p:style>
+      </p:cxnSp>
+      <p:cxnSp>
+        <p:nvCxnSpPr>
+          <p:cNvPr id="14" name="Straight Arrow Connector 13">
+            <a:extLst>
+              <a:ext uri="{FF2B5EF4-FFF2-40B4-BE49-F238E27FC236}">
+                <a16:creationId xmlns:a16="http://schemas.microsoft.com/office/drawing/2014/main" id="{4240DCBA-FEB0-4945-8A2E-DECBF9BB144C}"/>
+              </a:ext>
+            </a:extLst>
+          </p:cNvPr>
+          <p:cNvCxnSpPr>
+            <a:cxnSpLocks/>
+          </p:cNvCxnSpPr>
+          <p:nvPr/>
+        </p:nvCxnSpPr>
+        <p:spPr>
+          <a:xfrm>
+            <a:off x="2828512" y="1339293"/>
+            <a:ext cx="3111459" cy="0"/>
+          </a:xfrm>
+          <a:prstGeom prst="straightConnector1">
+            <a:avLst/>
+          </a:prstGeom>
+          <a:ln>
+            <a:tailEnd type="triangle"/>
+          </a:ln>
+        </p:spPr>
+        <p:style>
+          <a:lnRef idx="1">
+            <a:schemeClr val="accent1"/>
+          </a:lnRef>
+          <a:fillRef idx="0">
+            <a:schemeClr val="accent1"/>
+          </a:fillRef>
+          <a:effectRef idx="0">
+            <a:schemeClr val="accent1"/>
+          </a:effectRef>
+          <a:fontRef idx="minor">
+            <a:schemeClr val="tx1"/>
+          </a:fontRef>
+        </p:style>
+      </p:cxnSp>
+      <p:sp>
+        <p:nvSpPr>
+          <p:cNvPr id="21" name="Rectangle 20">
+            <a:extLst>
+              <a:ext uri="{FF2B5EF4-FFF2-40B4-BE49-F238E27FC236}">
+                <a16:creationId xmlns:a16="http://schemas.microsoft.com/office/drawing/2014/main" id="{A4C632C3-2F1C-436C-8612-4BBF24634D06}"/>
+              </a:ext>
+            </a:extLst>
+          </p:cNvPr>
+          <p:cNvSpPr/>
+          <p:nvPr/>
+        </p:nvSpPr>
+        <p:spPr>
+          <a:xfrm>
+            <a:off x="1369207" y="3307708"/>
+            <a:ext cx="1502847" cy="984885"/>
+          </a:xfrm>
+          <a:prstGeom prst="rect">
+            <a:avLst/>
+          </a:prstGeom>
+          <a:ln>
+            <a:noFill/>
+          </a:ln>
+        </p:spPr>
+        <p:style>
+          <a:lnRef idx="2">
+            <a:schemeClr val="accent1">
+              <a:shade val="50000"/>
+            </a:schemeClr>
+          </a:lnRef>
+          <a:fillRef idx="1">
+            <a:schemeClr val="accent1"/>
+          </a:fillRef>
+          <a:effectRef idx="0">
+            <a:schemeClr val="accent1"/>
+          </a:effectRef>
+          <a:fontRef idx="minor">
+            <a:schemeClr val="lt1"/>
+          </a:fontRef>
+        </p:style>
+        <p:txBody>
+          <a:bodyPr rtlCol="0" anchor="ctr"/>
+          <a:lstStyle/>
+          <a:p>
+            <a:pPr algn="ctr"/>
+            <a:r>
+              <a:rPr lang="en-US" dirty="0"/>
+              <a:t>Customer</a:t>
+            </a:r>
+          </a:p>
+        </p:txBody>
+      </p:sp>
+      <p:sp>
+        <p:nvSpPr>
+          <p:cNvPr id="22" name="Rectangle 21">
+            <a:extLst>
+              <a:ext uri="{FF2B5EF4-FFF2-40B4-BE49-F238E27FC236}">
+                <a16:creationId xmlns:a16="http://schemas.microsoft.com/office/drawing/2014/main" id="{A25B0695-30D6-4F6D-BA53-70E7DAA814A1}"/>
+              </a:ext>
+            </a:extLst>
+          </p:cNvPr>
+          <p:cNvSpPr/>
+          <p:nvPr/>
+        </p:nvSpPr>
+        <p:spPr>
+          <a:xfrm>
+            <a:off x="6145625" y="3302705"/>
+            <a:ext cx="1416694" cy="984885"/>
+          </a:xfrm>
+          <a:prstGeom prst="rect">
+            <a:avLst/>
+          </a:prstGeom>
+          <a:ln>
+            <a:noFill/>
+          </a:ln>
+        </p:spPr>
+        <p:style>
+          <a:lnRef idx="2">
+            <a:schemeClr val="accent1">
+              <a:shade val="50000"/>
+            </a:schemeClr>
+          </a:lnRef>
+          <a:fillRef idx="1">
+            <a:schemeClr val="accent1"/>
+          </a:fillRef>
+          <a:effectRef idx="0">
+            <a:schemeClr val="accent1"/>
+          </a:effectRef>
+          <a:fontRef idx="minor">
+            <a:schemeClr val="lt1"/>
+          </a:fontRef>
+        </p:style>
+        <p:txBody>
+          <a:bodyPr rtlCol="0" anchor="ctr"/>
+          <a:lstStyle/>
+          <a:p>
+            <a:pPr algn="ctr"/>
+            <a:r>
+              <a:rPr lang="en-US" dirty="0"/>
+              <a:t>Book</a:t>
+            </a:r>
+          </a:p>
+        </p:txBody>
+      </p:sp>
+      <p:cxnSp>
+        <p:nvCxnSpPr>
+          <p:cNvPr id="23" name="Straight Arrow Connector 22">
+            <a:extLst>
+              <a:ext uri="{FF2B5EF4-FFF2-40B4-BE49-F238E27FC236}">
+                <a16:creationId xmlns:a16="http://schemas.microsoft.com/office/drawing/2014/main" id="{71BB6C91-02A2-4374-BBFE-A98521E8D028}"/>
+              </a:ext>
+            </a:extLst>
+          </p:cNvPr>
+          <p:cNvCxnSpPr>
+            <a:cxnSpLocks/>
+          </p:cNvCxnSpPr>
+          <p:nvPr/>
+        </p:nvCxnSpPr>
+        <p:spPr>
+          <a:xfrm>
+            <a:off x="5326129" y="3842792"/>
+            <a:ext cx="775954" cy="0"/>
+          </a:xfrm>
+          <a:prstGeom prst="straightConnector1">
+            <a:avLst/>
+          </a:prstGeom>
+          <a:ln>
+            <a:tailEnd type="triangle"/>
+          </a:ln>
+        </p:spPr>
+        <p:style>
+          <a:lnRef idx="1">
+            <a:schemeClr val="accent1"/>
+          </a:lnRef>
+          <a:fillRef idx="0">
+            <a:schemeClr val="accent1"/>
+          </a:fillRef>
+          <a:effectRef idx="0">
+            <a:schemeClr val="accent1"/>
+          </a:effectRef>
+          <a:fontRef idx="minor">
+            <a:schemeClr val="tx1"/>
+          </a:fontRef>
+        </p:style>
+      </p:cxnSp>
+      <p:sp>
+        <p:nvSpPr>
+          <p:cNvPr id="24" name="TextBox 23">
+            <a:extLst>
+              <a:ext uri="{FF2B5EF4-FFF2-40B4-BE49-F238E27FC236}">
+                <a16:creationId xmlns:a16="http://schemas.microsoft.com/office/drawing/2014/main" id="{525145B7-F053-40A8-9A9E-4EED6039E0C4}"/>
+              </a:ext>
+            </a:extLst>
+          </p:cNvPr>
+          <p:cNvSpPr txBox="1"/>
+          <p:nvPr/>
+        </p:nvSpPr>
+        <p:spPr>
+          <a:xfrm>
+            <a:off x="1527629" y="4296229"/>
+            <a:ext cx="1137497" cy="300082"/>
+          </a:xfrm>
+          <a:prstGeom prst="rect">
+            <a:avLst/>
+          </a:prstGeom>
+          <a:noFill/>
+        </p:spPr>
+        <p:txBody>
+          <a:bodyPr wrap="square" rtlCol="0">
+            <a:spAutoFit/>
+          </a:bodyPr>
+          <a:lstStyle/>
+          <a:p>
+            <a:r>
+              <a:rPr lang="en-US" b="1" i="1" dirty="0" err="1">
+                <a:solidFill>
+                  <a:srgbClr val="FF0000"/>
+                </a:solidFill>
+              </a:rPr>
+              <a:t>CustomerId</a:t>
+            </a:r>
+            <a:endParaRPr lang="en-US" b="1" i="1" dirty="0">
+              <a:solidFill>
+                <a:srgbClr val="FF0000"/>
+              </a:solidFill>
+            </a:endParaRPr>
+          </a:p>
+        </p:txBody>
+      </p:sp>
+      <p:sp>
+        <p:nvSpPr>
+          <p:cNvPr id="25" name="TextBox 24">
+            <a:extLst>
+              <a:ext uri="{FF2B5EF4-FFF2-40B4-BE49-F238E27FC236}">
+                <a16:creationId xmlns:a16="http://schemas.microsoft.com/office/drawing/2014/main" id="{E4B5A1F1-D5FA-4C44-BF3E-1E1EE455FD3B}"/>
+              </a:ext>
+            </a:extLst>
+          </p:cNvPr>
+          <p:cNvSpPr txBox="1"/>
+          <p:nvPr/>
+        </p:nvSpPr>
+        <p:spPr>
+          <a:xfrm>
+            <a:off x="6145625" y="4287590"/>
+            <a:ext cx="1540249" cy="300082"/>
+          </a:xfrm>
+          <a:prstGeom prst="rect">
+            <a:avLst/>
+          </a:prstGeom>
+          <a:noFill/>
+        </p:spPr>
+        <p:txBody>
+          <a:bodyPr wrap="square" rtlCol="0">
+            <a:spAutoFit/>
+          </a:bodyPr>
+          <a:lstStyle/>
+          <a:p>
+            <a:r>
+              <a:rPr lang="en-US" b="1" i="1" dirty="0" err="1">
+                <a:solidFill>
+                  <a:srgbClr val="FF0000"/>
+                </a:solidFill>
+              </a:rPr>
+              <a:t>BookId</a:t>
+            </a:r>
+            <a:endParaRPr lang="en-US" b="1" i="1" dirty="0">
+              <a:solidFill>
+                <a:srgbClr val="FF0000"/>
+              </a:solidFill>
+            </a:endParaRPr>
+          </a:p>
+        </p:txBody>
+      </p:sp>
+      <p:cxnSp>
+        <p:nvCxnSpPr>
+          <p:cNvPr id="26" name="Straight Arrow Connector 25">
+            <a:extLst>
+              <a:ext uri="{FF2B5EF4-FFF2-40B4-BE49-F238E27FC236}">
+                <a16:creationId xmlns:a16="http://schemas.microsoft.com/office/drawing/2014/main" id="{8BB273AB-898A-4FF1-91A0-43DD7B199D8C}"/>
+              </a:ext>
+            </a:extLst>
+          </p:cNvPr>
+          <p:cNvCxnSpPr>
+            <a:cxnSpLocks/>
+          </p:cNvCxnSpPr>
+          <p:nvPr/>
+        </p:nvCxnSpPr>
+        <p:spPr>
+          <a:xfrm flipH="1">
+            <a:off x="2886570" y="3853819"/>
+            <a:ext cx="832717" cy="0"/>
+          </a:xfrm>
+          <a:prstGeom prst="straightConnector1">
+            <a:avLst/>
+          </a:prstGeom>
+          <a:ln>
+            <a:tailEnd type="triangle"/>
+          </a:ln>
+        </p:spPr>
+        <p:style>
+          <a:lnRef idx="1">
+            <a:schemeClr val="accent1"/>
+          </a:lnRef>
+          <a:fillRef idx="0">
+            <a:schemeClr val="accent1"/>
+          </a:fillRef>
+          <a:effectRef idx="0">
+            <a:schemeClr val="accent1"/>
+          </a:effectRef>
+          <a:fontRef idx="minor">
+            <a:schemeClr val="tx1"/>
+          </a:fontRef>
+        </p:style>
+      </p:cxnSp>
+      <p:sp>
+        <p:nvSpPr>
+          <p:cNvPr id="28" name="Rectangle 27">
+            <a:extLst>
+              <a:ext uri="{FF2B5EF4-FFF2-40B4-BE49-F238E27FC236}">
+                <a16:creationId xmlns:a16="http://schemas.microsoft.com/office/drawing/2014/main" id="{59D6FB12-F14A-49B8-82AE-999C799D0431}"/>
+              </a:ext>
+            </a:extLst>
+          </p:cNvPr>
+          <p:cNvSpPr/>
+          <p:nvPr/>
+        </p:nvSpPr>
+        <p:spPr>
+          <a:xfrm>
+            <a:off x="3787020" y="3302705"/>
+            <a:ext cx="1502847" cy="984885"/>
+          </a:xfrm>
+          <a:prstGeom prst="rect">
+            <a:avLst/>
+          </a:prstGeom>
+          <a:ln>
+            <a:noFill/>
+          </a:ln>
+        </p:spPr>
+        <p:style>
+          <a:lnRef idx="2">
+            <a:schemeClr val="accent1">
+              <a:shade val="50000"/>
+            </a:schemeClr>
+          </a:lnRef>
+          <a:fillRef idx="1">
+            <a:schemeClr val="accent1"/>
+          </a:fillRef>
+          <a:effectRef idx="0">
+            <a:schemeClr val="accent1"/>
+          </a:effectRef>
+          <a:fontRef idx="minor">
+            <a:schemeClr val="lt1"/>
+          </a:fontRef>
+        </p:style>
+        <p:txBody>
+          <a:bodyPr rtlCol="0" anchor="ctr"/>
+          <a:lstStyle/>
+          <a:p>
+            <a:pPr algn="ctr"/>
+            <a:r>
+              <a:rPr lang="en-US" dirty="0" err="1"/>
+              <a:t>CustomerBook</a:t>
+            </a:r>
+            <a:endParaRPr lang="en-US" dirty="0"/>
+          </a:p>
+        </p:txBody>
+      </p:sp>
+      <p:sp>
+        <p:nvSpPr>
+          <p:cNvPr id="16" name="Arrow: Down 15">
+            <a:extLst>
+              <a:ext uri="{FF2B5EF4-FFF2-40B4-BE49-F238E27FC236}">
+                <a16:creationId xmlns:a16="http://schemas.microsoft.com/office/drawing/2014/main" id="{0A6E9ECE-AC12-44F3-993C-B39BAEB9497F}"/>
+              </a:ext>
+            </a:extLst>
+          </p:cNvPr>
+          <p:cNvSpPr/>
+          <p:nvPr/>
+        </p:nvSpPr>
+        <p:spPr>
+          <a:xfrm>
+            <a:off x="3973286" y="2140786"/>
+            <a:ext cx="1045028" cy="984885"/>
+          </a:xfrm>
+          <a:prstGeom prst="downArrow">
+            <a:avLst/>
+          </a:prstGeom>
+          <a:solidFill>
+            <a:srgbClr val="FFC000"/>
+          </a:solidFill>
+          <a:ln>
+            <a:noFill/>
+          </a:ln>
+        </p:spPr>
+        <p:style>
+          <a:lnRef idx="2">
+            <a:schemeClr val="accent1">
+              <a:shade val="50000"/>
+            </a:schemeClr>
+          </a:lnRef>
+          <a:fillRef idx="1">
+            <a:schemeClr val="accent1"/>
+          </a:fillRef>
+          <a:effectRef idx="0">
+            <a:schemeClr val="accent1"/>
+          </a:effectRef>
+          <a:fontRef idx="minor">
+            <a:schemeClr val="lt1"/>
+          </a:fontRef>
+        </p:style>
+        <p:txBody>
+          <a:bodyPr rtlCol="0" anchor="ctr"/>
+          <a:lstStyle/>
+          <a:p>
+            <a:pPr algn="ctr"/>
+            <a:endParaRPr lang="en-US"/>
+          </a:p>
+        </p:txBody>
+      </p:sp>
+      <p:sp>
+        <p:nvSpPr>
+          <p:cNvPr id="36" name="TextBox 35">
+            <a:extLst>
+              <a:ext uri="{FF2B5EF4-FFF2-40B4-BE49-F238E27FC236}">
+                <a16:creationId xmlns:a16="http://schemas.microsoft.com/office/drawing/2014/main" id="{5D7E91EA-491F-46B2-9F3B-2336F8C56F48}"/>
+              </a:ext>
+            </a:extLst>
+          </p:cNvPr>
+          <p:cNvSpPr txBox="1"/>
+          <p:nvPr/>
+        </p:nvSpPr>
+        <p:spPr>
+          <a:xfrm>
+            <a:off x="4008174" y="4491448"/>
+            <a:ext cx="1126612" cy="300082"/>
+          </a:xfrm>
+          <a:prstGeom prst="rect">
+            <a:avLst/>
+          </a:prstGeom>
+          <a:noFill/>
+        </p:spPr>
+        <p:txBody>
+          <a:bodyPr wrap="square" rtlCol="0">
+            <a:spAutoFit/>
+          </a:bodyPr>
+          <a:lstStyle/>
+          <a:p>
+            <a:r>
+              <a:rPr lang="en-US" dirty="0" err="1">
+                <a:solidFill>
+                  <a:srgbClr val="FFC000"/>
+                </a:solidFill>
+              </a:rPr>
+              <a:t>BookId</a:t>
+            </a:r>
+            <a:endParaRPr lang="en-US" dirty="0">
+              <a:solidFill>
+                <a:srgbClr val="FFC000"/>
+              </a:solidFill>
+            </a:endParaRPr>
+          </a:p>
+        </p:txBody>
+      </p:sp>
+    </p:spTree>
+    <p:extLst>
+      <p:ext uri="{BB962C8B-B14F-4D97-AF65-F5344CB8AC3E}">
+        <p14:creationId xmlns:p14="http://schemas.microsoft.com/office/powerpoint/2010/main" val="3510638507"/>
       </p:ext>
     </p:extLst>
   </p:cSld>
@@ -6515,18 +7906,7 @@
                   <a:schemeClr val="bg2"/>
                 </a:solidFill>
               </a:rPr>
-              <a:t>Raw SQL </a:t>
-            </a:r>
-          </a:p>
-          <a:p>
-            <a:pPr algn="r"/>
-            <a:r>
-              <a:rPr lang="en" sz="4400" b="1" dirty="0">
-                <a:solidFill>
-                  <a:schemeClr val="bg2"/>
-                </a:solidFill>
-              </a:rPr>
-              <a:t>Mapping</a:t>
+              <a:t>Stored Procedure Mapping</a:t>
             </a:r>
             <a:endParaRPr lang="en-US" sz="4400" b="1" dirty="0">
               <a:solidFill>
@@ -6578,7 +7958,7 @@
     </p:spTree>
     <p:extLst>
       <p:ext uri="{BB962C8B-B14F-4D97-AF65-F5344CB8AC3E}">
-        <p14:creationId xmlns:p14="http://schemas.microsoft.com/office/powerpoint/2010/main" val="2454550407"/>
+        <p14:creationId xmlns:p14="http://schemas.microsoft.com/office/powerpoint/2010/main" val="3436924840"/>
       </p:ext>
     </p:extLst>
   </p:cSld>
@@ -7468,7 +8848,7 @@
                   <a:schemeClr val="bg1"/>
                 </a:solidFill>
               </a:rPr>
-              <a:t>Raw SQL Mapping</a:t>
+              <a:t>Stored Procedure Mapping</a:t>
             </a:r>
           </a:p>
         </p:txBody>
@@ -7509,7 +8889,7 @@
                 <a:latin typeface="+mj-lt"/>
                 <a:ea typeface="Roboto Light" panose="02000000000000000000" pitchFamily="2" charset="0"/>
               </a:rPr>
-              <a:t>Video 3.6</a:t>
+              <a:t>Video 3.5</a:t>
             </a:r>
           </a:p>
         </p:txBody>
@@ -7558,7 +8938,7 @@
     </p:spTree>
     <p:extLst>
       <p:ext uri="{BB962C8B-B14F-4D97-AF65-F5344CB8AC3E}">
-        <p14:creationId xmlns:p14="http://schemas.microsoft.com/office/powerpoint/2010/main" val="180405745"/>
+        <p14:creationId xmlns:p14="http://schemas.microsoft.com/office/powerpoint/2010/main" val="1761733136"/>
       </p:ext>
     </p:extLst>
   </p:cSld>
@@ -8006,7 +9386,7 @@
                   <a:schemeClr val="bg1"/>
                 </a:solidFill>
               </a:rPr>
-              <a:t>Custom Queries</a:t>
+              <a:t>Generate SP for Insert, Update, Delete Operations</a:t>
             </a:r>
           </a:p>
           <a:p>
@@ -8037,7 +9417,1409 @@
                   <a:schemeClr val="bg1"/>
                 </a:solidFill>
               </a:rPr>
-              <a:t>Custom Result Sets</a:t>
+              <a:t>Stored Procedure </a:t>
+            </a:r>
+            <a:r>
+              <a:rPr lang="en-US" sz="1600" dirty="0">
+                <a:solidFill>
+                  <a:schemeClr val="bg1"/>
+                </a:solidFill>
+                <a:sym typeface="Wingdings" panose="05000000000000000000" pitchFamily="2" charset="2"/>
+              </a:rPr>
+              <a:t> Custom</a:t>
+            </a:r>
+            <a:r>
+              <a:rPr lang="en-US" sz="1600" dirty="0">
+                <a:solidFill>
+                  <a:schemeClr val="bg1"/>
+                </a:solidFill>
+              </a:rPr>
+              <a:t> Result Sets</a:t>
+            </a:r>
+          </a:p>
+          <a:p>
+            <a:pPr marL="285750" indent="-285750">
+              <a:lnSpc>
+                <a:spcPct val="150000"/>
+              </a:lnSpc>
+              <a:buFont typeface="Wingdings" panose="05000000000000000000" pitchFamily="2" charset="2"/>
+              <a:buChar char="q"/>
+            </a:pPr>
+            <a:endParaRPr lang="en-US" sz="1600" dirty="0">
+              <a:solidFill>
+                <a:schemeClr val="bg1"/>
+              </a:solidFill>
+            </a:endParaRPr>
+          </a:p>
+          <a:p>
+            <a:pPr marL="285750" indent="-285750">
+              <a:lnSpc>
+                <a:spcPct val="150000"/>
+              </a:lnSpc>
+              <a:buFont typeface="Wingdings" panose="05000000000000000000" pitchFamily="2" charset="2"/>
+              <a:buChar char="q"/>
+            </a:pPr>
+            <a:r>
+              <a:rPr lang="en-US" sz="1600" dirty="0">
+                <a:solidFill>
+                  <a:schemeClr val="bg1"/>
+                </a:solidFill>
+              </a:rPr>
+              <a:t>Business Processes (dataset based)</a:t>
+            </a:r>
+          </a:p>
+          <a:p>
+            <a:pPr>
+              <a:lnSpc>
+                <a:spcPct val="150000"/>
+              </a:lnSpc>
+            </a:pPr>
+            <a:endParaRPr lang="en-US" sz="1600" dirty="0">
+              <a:solidFill>
+                <a:schemeClr val="bg1"/>
+              </a:solidFill>
+            </a:endParaRPr>
+          </a:p>
+        </p:txBody>
+      </p:sp>
+      <p:sp>
+        <p:nvSpPr>
+          <p:cNvPr id="7" name="TextBox 6"/>
+          <p:cNvSpPr txBox="1"/>
+          <p:nvPr/>
+        </p:nvSpPr>
+        <p:spPr>
+          <a:xfrm>
+            <a:off x="447875" y="147736"/>
+            <a:ext cx="8248247" cy="492443"/>
+          </a:xfrm>
+          <a:prstGeom prst="rect">
+            <a:avLst/>
+          </a:prstGeom>
+          <a:noFill/>
+        </p:spPr>
+        <p:txBody>
+          <a:bodyPr wrap="square" lIns="0" tIns="0" rIns="0" bIns="0" rtlCol="0" anchor="ctr">
+            <a:spAutoFit/>
+          </a:bodyPr>
+          <a:lstStyle/>
+          <a:p>
+            <a:pPr algn="ctr"/>
+            <a:r>
+              <a:rPr lang="en-US" sz="3200" b="1" dirty="0">
+                <a:solidFill>
+                  <a:schemeClr val="bg1"/>
+                </a:solidFill>
+              </a:rPr>
+              <a:t>Stored Procedure Mappings : Key Points</a:t>
+            </a:r>
+            <a:endParaRPr lang="en-US" sz="3200" b="1" dirty="0">
+              <a:solidFill>
+                <a:schemeClr val="accent5"/>
+              </a:solidFill>
+            </a:endParaRPr>
+          </a:p>
+        </p:txBody>
+      </p:sp>
+    </p:spTree>
+    <p:extLst>
+      <p:ext uri="{BB962C8B-B14F-4D97-AF65-F5344CB8AC3E}">
+        <p14:creationId xmlns:p14="http://schemas.microsoft.com/office/powerpoint/2010/main" val="196389202"/>
+      </p:ext>
+    </p:extLst>
+  </p:cSld>
+  <p:clrMapOvr>
+    <a:masterClrMapping/>
+  </p:clrMapOvr>
+  <p:transition spd="slow">
+    <p:push dir="u"/>
+  </p:transition>
+  <p:timing>
+    <p:tnLst>
+      <p:par>
+        <p:cTn id="1" dur="indefinite" restart="never" nodeType="tmRoot">
+          <p:childTnLst>
+            <p:seq concurrent="1" nextAc="seek">
+              <p:cTn id="2" dur="indefinite" nodeType="mainSeq">
+                <p:childTnLst>
+                  <p:par>
+                    <p:cTn id="3" fill="hold">
+                      <p:stCondLst>
+                        <p:cond delay="indefinite"/>
+                        <p:cond evt="onBegin" delay="0">
+                          <p:tn val="2"/>
+                        </p:cond>
+                      </p:stCondLst>
+                      <p:childTnLst>
+                        <p:par>
+                          <p:cTn id="4" fill="hold">
+                            <p:stCondLst>
+                              <p:cond delay="0"/>
+                            </p:stCondLst>
+                            <p:childTnLst>
+                              <p:par>
+                                <p:cTn id="5" presetID="16" presetClass="entr" presetSubtype="37" fill="hold" grpId="0" nodeType="afterEffect">
+                                  <p:stCondLst>
+                                    <p:cond delay="0"/>
+                                  </p:stCondLst>
+                                  <p:childTnLst>
+                                    <p:set>
+                                      <p:cBhvr>
+                                        <p:cTn id="6" dur="1" fill="hold">
+                                          <p:stCondLst>
+                                            <p:cond delay="0"/>
+                                          </p:stCondLst>
+                                        </p:cTn>
+                                        <p:tgtEl>
+                                          <p:spTgt spid="2"/>
+                                        </p:tgtEl>
+                                        <p:attrNameLst>
+                                          <p:attrName>style.visibility</p:attrName>
+                                        </p:attrNameLst>
+                                      </p:cBhvr>
+                                      <p:to>
+                                        <p:strVal val="visible"/>
+                                      </p:to>
+                                    </p:set>
+                                    <p:animEffect transition="in" filter="barn(outVertical)">
+                                      <p:cBhvr>
+                                        <p:cTn id="7" dur="500"/>
+                                        <p:tgtEl>
+                                          <p:spTgt spid="2"/>
+                                        </p:tgtEl>
+                                      </p:cBhvr>
+                                    </p:animEffect>
+                                  </p:childTnLst>
+                                </p:cTn>
+                              </p:par>
+                            </p:childTnLst>
+                          </p:cTn>
+                        </p:par>
+                        <p:par>
+                          <p:cTn id="8" fill="hold">
+                            <p:stCondLst>
+                              <p:cond delay="500"/>
+                            </p:stCondLst>
+                            <p:childTnLst>
+                              <p:par>
+                                <p:cTn id="9" presetID="16" presetClass="entr" presetSubtype="21" fill="hold" grpId="0" nodeType="afterEffect">
+                                  <p:stCondLst>
+                                    <p:cond delay="0"/>
+                                  </p:stCondLst>
+                                  <p:childTnLst>
+                                    <p:set>
+                                      <p:cBhvr>
+                                        <p:cTn id="10" dur="1" fill="hold">
+                                          <p:stCondLst>
+                                            <p:cond delay="0"/>
+                                          </p:stCondLst>
+                                        </p:cTn>
+                                        <p:tgtEl>
+                                          <p:spTgt spid="7"/>
+                                        </p:tgtEl>
+                                        <p:attrNameLst>
+                                          <p:attrName>style.visibility</p:attrName>
+                                        </p:attrNameLst>
+                                      </p:cBhvr>
+                                      <p:to>
+                                        <p:strVal val="visible"/>
+                                      </p:to>
+                                    </p:set>
+                                    <p:animEffect transition="in" filter="barn(inVertical)">
+                                      <p:cBhvr>
+                                        <p:cTn id="11" dur="500"/>
+                                        <p:tgtEl>
+                                          <p:spTgt spid="7"/>
+                                        </p:tgtEl>
+                                      </p:cBhvr>
+                                    </p:animEffect>
+                                  </p:childTnLst>
+                                </p:cTn>
+                              </p:par>
+                              <p:par>
+                                <p:cTn id="12" presetID="16" presetClass="entr" presetSubtype="37" fill="hold" grpId="0" nodeType="withEffect">
+                                  <p:stCondLst>
+                                    <p:cond delay="0"/>
+                                  </p:stCondLst>
+                                  <p:childTnLst>
+                                    <p:set>
+                                      <p:cBhvr>
+                                        <p:cTn id="13" dur="1" fill="hold">
+                                          <p:stCondLst>
+                                            <p:cond delay="0"/>
+                                          </p:stCondLst>
+                                        </p:cTn>
+                                        <p:tgtEl>
+                                          <p:spTgt spid="5"/>
+                                        </p:tgtEl>
+                                        <p:attrNameLst>
+                                          <p:attrName>style.visibility</p:attrName>
+                                        </p:attrNameLst>
+                                      </p:cBhvr>
+                                      <p:to>
+                                        <p:strVal val="visible"/>
+                                      </p:to>
+                                    </p:set>
+                                    <p:animEffect transition="in" filter="barn(outVertical)">
+                                      <p:cBhvr>
+                                        <p:cTn id="14" dur="500"/>
+                                        <p:tgtEl>
+                                          <p:spTgt spid="5"/>
+                                        </p:tgtEl>
+                                      </p:cBhvr>
+                                    </p:animEffect>
+                                  </p:childTnLst>
+                                </p:cTn>
+                              </p:par>
+                            </p:childTnLst>
+                          </p:cTn>
+                        </p:par>
+                      </p:childTnLst>
+                    </p:cTn>
+                  </p:par>
+                </p:childTnLst>
+              </p:cTn>
+              <p:prevCondLst>
+                <p:cond evt="onPrev" delay="0">
+                  <p:tgtEl>
+                    <p:sldTgt/>
+                  </p:tgtEl>
+                </p:cond>
+              </p:prevCondLst>
+              <p:nextCondLst>
+                <p:cond evt="onNext" delay="0">
+                  <p:tgtEl>
+                    <p:sldTgt/>
+                  </p:tgtEl>
+                </p:cond>
+              </p:nextCondLst>
+            </p:seq>
+          </p:childTnLst>
+        </p:cTn>
+      </p:par>
+    </p:tnLst>
+    <p:bldLst>
+      <p:bldP spid="2" grpId="0" animBg="1"/>
+      <p:bldP spid="5" grpId="0"/>
+      <p:bldP spid="7" grpId="0"/>
+    </p:bldLst>
+  </p:timing>
+</p:sld>
+</file>
+
+<file path=ppt/slides/slide22.xml><?xml version="1.0" encoding="utf-8"?>
+<p:sld xmlns:a="http://schemas.openxmlformats.org/drawingml/2006/main" xmlns:r="http://schemas.openxmlformats.org/officeDocument/2006/relationships" xmlns:p="http://schemas.openxmlformats.org/presentationml/2006/main">
+  <p:cSld>
+    <p:spTree>
+      <p:nvGrpSpPr>
+        <p:cNvPr id="1" name=""/>
+        <p:cNvGrpSpPr/>
+        <p:nvPr/>
+      </p:nvGrpSpPr>
+      <p:grpSpPr>
+        <a:xfrm>
+          <a:off x="0" y="0"/>
+          <a:ext cx="0" cy="0"/>
+          <a:chOff x="0" y="0"/>
+          <a:chExt cx="0" cy="0"/>
+        </a:xfrm>
+      </p:grpSpPr>
+      <p:pic>
+        <p:nvPicPr>
+          <p:cNvPr id="8" name="Picture Placeholder 7" descr="A picture containing text, vector graphics&#10;&#10;Description automatically generated">
+            <a:extLst>
+              <a:ext uri="{FF2B5EF4-FFF2-40B4-BE49-F238E27FC236}">
+                <a16:creationId xmlns:a16="http://schemas.microsoft.com/office/drawing/2014/main" id="{3E7F15DB-EC51-42BF-8DB8-127819F63835}"/>
+              </a:ext>
+            </a:extLst>
+          </p:cNvPr>
+          <p:cNvPicPr>
+            <a:picLocks noGrp="1" noChangeAspect="1"/>
+          </p:cNvPicPr>
+          <p:nvPr>
+            <p:ph type="pic" sz="quarter" idx="10"/>
+          </p:nvPr>
+        </p:nvPicPr>
+        <p:blipFill>
+          <a:blip r:embed="rId2" cstate="print">
+            <a:alphaModFix amt="85000"/>
+            <a:extLst>
+              <a:ext uri="{28A0092B-C50C-407E-A947-70E740481C1C}">
+                <a14:useLocalDpi xmlns:a14="http://schemas.microsoft.com/office/drawing/2010/main" val="0"/>
+              </a:ext>
+            </a:extLst>
+          </a:blip>
+          <a:srcRect t="2234" b="2234"/>
+          <a:stretch>
+            <a:fillRect/>
+          </a:stretch>
+        </p:blipFill>
+        <p:spPr>
+          <a:xfrm>
+            <a:off x="0" y="0"/>
+            <a:ext cx="9144000" cy="5143500"/>
+          </a:xfrm>
+        </p:spPr>
+      </p:pic>
+      <p:sp>
+        <p:nvSpPr>
+          <p:cNvPr id="4" name="Rectangle 3"/>
+          <p:cNvSpPr/>
+          <p:nvPr/>
+        </p:nvSpPr>
+        <p:spPr bwMode="auto">
+          <a:xfrm>
+            <a:off x="0" y="1"/>
+            <a:ext cx="9144000" cy="5143499"/>
+          </a:xfrm>
+          <a:prstGeom prst="rect">
+            <a:avLst/>
+          </a:prstGeom>
+          <a:solidFill>
+            <a:schemeClr val="accent6">
+              <a:lumMod val="50000"/>
+              <a:alpha val="70000"/>
+            </a:schemeClr>
+          </a:solidFill>
+          <a:ln w="9525">
+            <a:noFill/>
+            <a:round/>
+            <a:headEnd/>
+            <a:tailEnd/>
+          </a:ln>
+        </p:spPr>
+        <p:txBody>
+          <a:bodyPr vert="horz" wrap="square" lIns="91440" tIns="45720" rIns="91440" bIns="45720" numCol="1" rtlCol="0" anchor="t" anchorCtr="0" compatLnSpc="1">
+            <a:prstTxWarp prst="textNoShape">
+              <a:avLst/>
+            </a:prstTxWarp>
+          </a:bodyPr>
+          <a:lstStyle/>
+          <a:p>
+            <a:pPr algn="ctr"/>
+            <a:endParaRPr lang="en-US"/>
+          </a:p>
+        </p:txBody>
+      </p:sp>
+      <p:sp>
+        <p:nvSpPr>
+          <p:cNvPr id="9" name="Footer Text"/>
+          <p:cNvSpPr txBox="1"/>
+          <p:nvPr/>
+        </p:nvSpPr>
+        <p:spPr>
+          <a:xfrm>
+            <a:off x="3142721" y="924989"/>
+            <a:ext cx="5466944" cy="1354217"/>
+          </a:xfrm>
+          <a:prstGeom prst="rect">
+            <a:avLst/>
+          </a:prstGeom>
+          <a:noFill/>
+        </p:spPr>
+        <p:txBody>
+          <a:bodyPr wrap="square" lIns="0" tIns="0" rIns="0" bIns="0" rtlCol="0">
+            <a:spAutoFit/>
+          </a:bodyPr>
+          <a:lstStyle/>
+          <a:p>
+            <a:pPr algn="r"/>
+            <a:r>
+              <a:rPr lang="en" sz="4400" b="1" dirty="0">
+                <a:solidFill>
+                  <a:schemeClr val="bg2"/>
+                </a:solidFill>
+              </a:rPr>
+              <a:t>Raw SQL </a:t>
+            </a:r>
+          </a:p>
+          <a:p>
+            <a:pPr algn="r"/>
+            <a:r>
+              <a:rPr lang="en" sz="4400" b="1" dirty="0">
+                <a:solidFill>
+                  <a:schemeClr val="bg2"/>
+                </a:solidFill>
+              </a:rPr>
+              <a:t>Mapping</a:t>
+            </a:r>
+            <a:endParaRPr lang="en-US" sz="4400" b="1" dirty="0">
+              <a:solidFill>
+                <a:schemeClr val="bg1"/>
+              </a:solidFill>
+            </a:endParaRPr>
+          </a:p>
+        </p:txBody>
+      </p:sp>
+      <p:sp>
+        <p:nvSpPr>
+          <p:cNvPr id="10" name="Footer Text"/>
+          <p:cNvSpPr txBox="1"/>
+          <p:nvPr/>
+        </p:nvSpPr>
+        <p:spPr>
+          <a:xfrm>
+            <a:off x="3945908" y="3268139"/>
+            <a:ext cx="4663757" cy="215444"/>
+          </a:xfrm>
+          <a:prstGeom prst="rect">
+            <a:avLst/>
+          </a:prstGeom>
+          <a:noFill/>
+        </p:spPr>
+        <p:txBody>
+          <a:bodyPr wrap="square" lIns="0" tIns="0" rIns="0" bIns="0" rtlCol="0">
+            <a:spAutoFit/>
+          </a:bodyPr>
+          <a:lstStyle/>
+          <a:p>
+            <a:pPr algn="r"/>
+            <a:r>
+              <a:rPr lang="en-US" sz="1400" dirty="0">
+                <a:solidFill>
+                  <a:schemeClr val="bg2"/>
+                </a:solidFill>
+              </a:rPr>
+              <a:t>Next Video</a:t>
+            </a:r>
+            <a:endParaRPr lang="en" sz="1400" dirty="0">
+              <a:solidFill>
+                <a:schemeClr val="bg2"/>
+              </a:solidFill>
+            </a:endParaRPr>
+          </a:p>
+        </p:txBody>
+      </p:sp>
+    </p:spTree>
+    <p:extLst>
+      <p:ext uri="{BB962C8B-B14F-4D97-AF65-F5344CB8AC3E}">
+        <p14:creationId xmlns:p14="http://schemas.microsoft.com/office/powerpoint/2010/main" val="2454550407"/>
+      </p:ext>
+    </p:extLst>
+  </p:cSld>
+  <p:clrMapOvr>
+    <a:masterClrMapping/>
+  </p:clrMapOvr>
+  <p:transition spd="slow">
+    <p:push dir="u"/>
+  </p:transition>
+  <p:timing>
+    <p:tnLst>
+      <p:par>
+        <p:cTn id="1" dur="indefinite" restart="never" nodeType="tmRoot">
+          <p:childTnLst>
+            <p:seq concurrent="1" nextAc="seek">
+              <p:cTn id="2" dur="indefinite" nodeType="mainSeq">
+                <p:childTnLst>
+                  <p:par>
+                    <p:cTn id="3" fill="hold">
+                      <p:stCondLst>
+                        <p:cond delay="indefinite"/>
+                        <p:cond evt="onBegin" delay="0">
+                          <p:tn val="2"/>
+                        </p:cond>
+                      </p:stCondLst>
+                      <p:childTnLst>
+                        <p:par>
+                          <p:cTn id="4" fill="hold">
+                            <p:stCondLst>
+                              <p:cond delay="0"/>
+                            </p:stCondLst>
+                            <p:childTnLst>
+                              <p:par>
+                                <p:cTn id="5" presetID="2" presetClass="entr" presetSubtype="4" accel="20000" decel="60000" fill="hold" grpId="0" nodeType="afterEffect">
+                                  <p:stCondLst>
+                                    <p:cond delay="0"/>
+                                  </p:stCondLst>
+                                  <p:iterate type="wd">
+                                    <p:tmPct val="10000"/>
+                                  </p:iterate>
+                                  <p:childTnLst>
+                                    <p:set>
+                                      <p:cBhvr>
+                                        <p:cTn id="6" dur="1" fill="hold">
+                                          <p:stCondLst>
+                                            <p:cond delay="0"/>
+                                          </p:stCondLst>
+                                        </p:cTn>
+                                        <p:tgtEl>
+                                          <p:spTgt spid="9"/>
+                                        </p:tgtEl>
+                                        <p:attrNameLst>
+                                          <p:attrName>style.visibility</p:attrName>
+                                        </p:attrNameLst>
+                                      </p:cBhvr>
+                                      <p:to>
+                                        <p:strVal val="visible"/>
+                                      </p:to>
+                                    </p:set>
+                                    <p:anim calcmode="lin" valueType="num">
+                                      <p:cBhvr additive="base">
+                                        <p:cTn id="7" dur="500" fill="hold"/>
+                                        <p:tgtEl>
+                                          <p:spTgt spid="9"/>
+                                        </p:tgtEl>
+                                        <p:attrNameLst>
+                                          <p:attrName>ppt_x</p:attrName>
+                                        </p:attrNameLst>
+                                      </p:cBhvr>
+                                      <p:tavLst>
+                                        <p:tav tm="0">
+                                          <p:val>
+                                            <p:strVal val="#ppt_x"/>
+                                          </p:val>
+                                        </p:tav>
+                                        <p:tav tm="100000">
+                                          <p:val>
+                                            <p:strVal val="#ppt_x"/>
+                                          </p:val>
+                                        </p:tav>
+                                      </p:tavLst>
+                                    </p:anim>
+                                    <p:anim calcmode="lin" valueType="num">
+                                      <p:cBhvr additive="base">
+                                        <p:cTn id="8" dur="500" fill="hold"/>
+                                        <p:tgtEl>
+                                          <p:spTgt spid="9"/>
+                                        </p:tgtEl>
+                                        <p:attrNameLst>
+                                          <p:attrName>ppt_y</p:attrName>
+                                        </p:attrNameLst>
+                                      </p:cBhvr>
+                                      <p:tavLst>
+                                        <p:tav tm="0">
+                                          <p:val>
+                                            <p:strVal val="1+#ppt_h/2"/>
+                                          </p:val>
+                                        </p:tav>
+                                        <p:tav tm="100000">
+                                          <p:val>
+                                            <p:strVal val="#ppt_y"/>
+                                          </p:val>
+                                        </p:tav>
+                                      </p:tavLst>
+                                    </p:anim>
+                                  </p:childTnLst>
+                                </p:cTn>
+                              </p:par>
+                            </p:childTnLst>
+                          </p:cTn>
+                        </p:par>
+                        <p:par>
+                          <p:cTn id="9" fill="hold">
+                            <p:stCondLst>
+                              <p:cond delay="600"/>
+                            </p:stCondLst>
+                            <p:childTnLst>
+                              <p:par>
+                                <p:cTn id="10" presetID="2" presetClass="entr" presetSubtype="4" accel="20000" decel="60000" fill="hold" grpId="0" nodeType="afterEffect">
+                                  <p:stCondLst>
+                                    <p:cond delay="0"/>
+                                  </p:stCondLst>
+                                  <p:iterate type="wd">
+                                    <p:tmPct val="10000"/>
+                                  </p:iterate>
+                                  <p:childTnLst>
+                                    <p:set>
+                                      <p:cBhvr>
+                                        <p:cTn id="11" dur="1" fill="hold">
+                                          <p:stCondLst>
+                                            <p:cond delay="0"/>
+                                          </p:stCondLst>
+                                        </p:cTn>
+                                        <p:tgtEl>
+                                          <p:spTgt spid="10"/>
+                                        </p:tgtEl>
+                                        <p:attrNameLst>
+                                          <p:attrName>style.visibility</p:attrName>
+                                        </p:attrNameLst>
+                                      </p:cBhvr>
+                                      <p:to>
+                                        <p:strVal val="visible"/>
+                                      </p:to>
+                                    </p:set>
+                                    <p:anim calcmode="lin" valueType="num">
+                                      <p:cBhvr additive="base">
+                                        <p:cTn id="12" dur="500" fill="hold"/>
+                                        <p:tgtEl>
+                                          <p:spTgt spid="10"/>
+                                        </p:tgtEl>
+                                        <p:attrNameLst>
+                                          <p:attrName>ppt_x</p:attrName>
+                                        </p:attrNameLst>
+                                      </p:cBhvr>
+                                      <p:tavLst>
+                                        <p:tav tm="0">
+                                          <p:val>
+                                            <p:strVal val="#ppt_x"/>
+                                          </p:val>
+                                        </p:tav>
+                                        <p:tav tm="100000">
+                                          <p:val>
+                                            <p:strVal val="#ppt_x"/>
+                                          </p:val>
+                                        </p:tav>
+                                      </p:tavLst>
+                                    </p:anim>
+                                    <p:anim calcmode="lin" valueType="num">
+                                      <p:cBhvr additive="base">
+                                        <p:cTn id="13" dur="500" fill="hold"/>
+                                        <p:tgtEl>
+                                          <p:spTgt spid="10"/>
+                                        </p:tgtEl>
+                                        <p:attrNameLst>
+                                          <p:attrName>ppt_y</p:attrName>
+                                        </p:attrNameLst>
+                                      </p:cBhvr>
+                                      <p:tavLst>
+                                        <p:tav tm="0">
+                                          <p:val>
+                                            <p:strVal val="1+#ppt_h/2"/>
+                                          </p:val>
+                                        </p:tav>
+                                        <p:tav tm="100000">
+                                          <p:val>
+                                            <p:strVal val="#ppt_y"/>
+                                          </p:val>
+                                        </p:tav>
+                                      </p:tavLst>
+                                    </p:anim>
+                                  </p:childTnLst>
+                                </p:cTn>
+                              </p:par>
+                            </p:childTnLst>
+                          </p:cTn>
+                        </p:par>
+                      </p:childTnLst>
+                    </p:cTn>
+                  </p:par>
+                </p:childTnLst>
+              </p:cTn>
+              <p:prevCondLst>
+                <p:cond evt="onPrev" delay="0">
+                  <p:tgtEl>
+                    <p:sldTgt/>
+                  </p:tgtEl>
+                </p:cond>
+              </p:prevCondLst>
+              <p:nextCondLst>
+                <p:cond evt="onNext" delay="0">
+                  <p:tgtEl>
+                    <p:sldTgt/>
+                  </p:tgtEl>
+                </p:cond>
+              </p:nextCondLst>
+            </p:seq>
+          </p:childTnLst>
+        </p:cTn>
+      </p:par>
+    </p:tnLst>
+    <p:bldLst>
+      <p:bldP spid="9" grpId="0"/>
+      <p:bldP spid="10" grpId="0"/>
+    </p:bldLst>
+  </p:timing>
+</p:sld>
+</file>
+
+<file path=ppt/slides/slide23.xml><?xml version="1.0" encoding="utf-8"?>
+<p:sld xmlns:a="http://schemas.openxmlformats.org/drawingml/2006/main" xmlns:r="http://schemas.openxmlformats.org/officeDocument/2006/relationships" xmlns:p="http://schemas.openxmlformats.org/presentationml/2006/main">
+  <p:cSld>
+    <p:spTree>
+      <p:nvGrpSpPr>
+        <p:cNvPr id="1" name=""/>
+        <p:cNvGrpSpPr/>
+        <p:nvPr/>
+      </p:nvGrpSpPr>
+      <p:grpSpPr>
+        <a:xfrm>
+          <a:off x="0" y="0"/>
+          <a:ext cx="0" cy="0"/>
+          <a:chOff x="0" y="0"/>
+          <a:chExt cx="0" cy="0"/>
+        </a:xfrm>
+      </p:grpSpPr>
+      <p:pic>
+        <p:nvPicPr>
+          <p:cNvPr id="9" name="Picture Placeholder 7" descr="A picture containing text, vector graphics&#10;&#10;Description automatically generated">
+            <a:extLst>
+              <a:ext uri="{FF2B5EF4-FFF2-40B4-BE49-F238E27FC236}">
+                <a16:creationId xmlns:a16="http://schemas.microsoft.com/office/drawing/2014/main" id="{D0B60B9A-F961-4731-BD67-636B7CABDFAF}"/>
+              </a:ext>
+            </a:extLst>
+          </p:cNvPr>
+          <p:cNvPicPr>
+            <a:picLocks noGrp="1" noChangeAspect="1"/>
+          </p:cNvPicPr>
+          <p:nvPr>
+            <p:ph type="pic" sz="quarter" idx="10"/>
+          </p:nvPr>
+        </p:nvPicPr>
+        <p:blipFill>
+          <a:blip r:embed="rId2" cstate="print">
+            <a:alphaModFix amt="85000"/>
+            <a:extLst>
+              <a:ext uri="{28A0092B-C50C-407E-A947-70E740481C1C}">
+                <a14:useLocalDpi xmlns:a14="http://schemas.microsoft.com/office/drawing/2010/main" val="0"/>
+              </a:ext>
+            </a:extLst>
+          </a:blip>
+          <a:srcRect t="2234" b="2234"/>
+          <a:stretch>
+            <a:fillRect/>
+          </a:stretch>
+        </p:blipFill>
+        <p:spPr>
+          <a:xfrm>
+            <a:off x="0" y="0"/>
+            <a:ext cx="9144000" cy="5143500"/>
+          </a:xfrm>
+        </p:spPr>
+      </p:pic>
+      <p:sp>
+        <p:nvSpPr>
+          <p:cNvPr id="4" name="Rectangle 3"/>
+          <p:cNvSpPr/>
+          <p:nvPr/>
+        </p:nvSpPr>
+        <p:spPr bwMode="auto">
+          <a:xfrm>
+            <a:off x="0" y="1"/>
+            <a:ext cx="9144000" cy="5143499"/>
+          </a:xfrm>
+          <a:prstGeom prst="rect">
+            <a:avLst/>
+          </a:prstGeom>
+          <a:solidFill>
+            <a:schemeClr val="accent6">
+              <a:lumMod val="50000"/>
+              <a:alpha val="70000"/>
+            </a:schemeClr>
+          </a:solidFill>
+          <a:ln w="9525">
+            <a:noFill/>
+            <a:round/>
+            <a:headEnd/>
+            <a:tailEnd/>
+          </a:ln>
+        </p:spPr>
+        <p:txBody>
+          <a:bodyPr vert="horz" wrap="square" lIns="91440" tIns="45720" rIns="91440" bIns="45720" numCol="1" rtlCol="0" anchor="t" anchorCtr="0" compatLnSpc="1">
+            <a:prstTxWarp prst="textNoShape">
+              <a:avLst/>
+            </a:prstTxWarp>
+          </a:bodyPr>
+          <a:lstStyle/>
+          <a:p>
+            <a:pPr algn="ctr"/>
+            <a:endParaRPr lang="en-US" dirty="0"/>
+          </a:p>
+        </p:txBody>
+      </p:sp>
+      <p:sp>
+        <p:nvSpPr>
+          <p:cNvPr id="6" name="Footer Text">
+            <a:extLst>
+              <a:ext uri="{FF2B5EF4-FFF2-40B4-BE49-F238E27FC236}">
+                <a16:creationId xmlns:a16="http://schemas.microsoft.com/office/drawing/2014/main" id="{56BB4242-6AB5-4E8B-9D3A-3FC1E2A3F09E}"/>
+              </a:ext>
+            </a:extLst>
+          </p:cNvPr>
+          <p:cNvSpPr txBox="1"/>
+          <p:nvPr/>
+        </p:nvSpPr>
+        <p:spPr>
+          <a:xfrm>
+            <a:off x="467607" y="1574060"/>
+            <a:ext cx="7714927" cy="677108"/>
+          </a:xfrm>
+          <a:prstGeom prst="rect">
+            <a:avLst/>
+          </a:prstGeom>
+          <a:noFill/>
+        </p:spPr>
+        <p:txBody>
+          <a:bodyPr wrap="square" lIns="0" tIns="0" rIns="0" bIns="0" rtlCol="0">
+            <a:spAutoFit/>
+          </a:bodyPr>
+          <a:lstStyle/>
+          <a:p>
+            <a:r>
+              <a:rPr lang="en-US" sz="4400" b="1" dirty="0">
+                <a:solidFill>
+                  <a:schemeClr val="bg1"/>
+                </a:solidFill>
+              </a:rPr>
+              <a:t>Raw SQL Mapping</a:t>
+            </a:r>
+          </a:p>
+        </p:txBody>
+      </p:sp>
+      <p:sp>
+        <p:nvSpPr>
+          <p:cNvPr id="8" name="Footer Text">
+            <a:extLst>
+              <a:ext uri="{FF2B5EF4-FFF2-40B4-BE49-F238E27FC236}">
+                <a16:creationId xmlns:a16="http://schemas.microsoft.com/office/drawing/2014/main" id="{EC4AA134-1980-4A45-879A-843296FEE082}"/>
+              </a:ext>
+            </a:extLst>
+          </p:cNvPr>
+          <p:cNvSpPr txBox="1"/>
+          <p:nvPr/>
+        </p:nvSpPr>
+        <p:spPr>
+          <a:xfrm>
+            <a:off x="467608" y="3420334"/>
+            <a:ext cx="4663757" cy="215444"/>
+          </a:xfrm>
+          <a:prstGeom prst="rect">
+            <a:avLst/>
+          </a:prstGeom>
+          <a:noFill/>
+        </p:spPr>
+        <p:txBody>
+          <a:bodyPr wrap="square" lIns="0" tIns="0" rIns="0" bIns="0" rtlCol="0">
+            <a:spAutoFit/>
+          </a:bodyPr>
+          <a:lstStyle/>
+          <a:p>
+            <a:r>
+              <a:rPr lang="en-US" sz="1400" dirty="0">
+                <a:solidFill>
+                  <a:schemeClr val="bg1"/>
+                </a:solidFill>
+                <a:latin typeface="+mj-lt"/>
+                <a:ea typeface="Roboto Light" panose="02000000000000000000" pitchFamily="2" charset="0"/>
+              </a:rPr>
+              <a:t>Video 3.6</a:t>
+            </a:r>
+          </a:p>
+        </p:txBody>
+      </p:sp>
+      <p:sp>
+        <p:nvSpPr>
+          <p:cNvPr id="11" name="Footer Text">
+            <a:extLst>
+              <a:ext uri="{FF2B5EF4-FFF2-40B4-BE49-F238E27FC236}">
+                <a16:creationId xmlns:a16="http://schemas.microsoft.com/office/drawing/2014/main" id="{7BDE303A-FC3D-4E19-8F80-6AAB2896D6F6}"/>
+              </a:ext>
+            </a:extLst>
+          </p:cNvPr>
+          <p:cNvSpPr txBox="1"/>
+          <p:nvPr/>
+        </p:nvSpPr>
+        <p:spPr>
+          <a:xfrm>
+            <a:off x="467608" y="3051942"/>
+            <a:ext cx="4663757" cy="215444"/>
+          </a:xfrm>
+          <a:prstGeom prst="rect">
+            <a:avLst/>
+          </a:prstGeom>
+          <a:noFill/>
+        </p:spPr>
+        <p:txBody>
+          <a:bodyPr wrap="square" lIns="0" tIns="0" rIns="0" bIns="0" rtlCol="0">
+            <a:spAutoFit/>
+          </a:bodyPr>
+          <a:lstStyle/>
+          <a:p>
+            <a:r>
+              <a:rPr lang="en-US" sz="1400" dirty="0">
+                <a:solidFill>
+                  <a:schemeClr val="bg1"/>
+                </a:solidFill>
+                <a:latin typeface="+mj-lt"/>
+                <a:ea typeface="Roboto Light" panose="02000000000000000000" pitchFamily="2" charset="0"/>
+              </a:rPr>
+              <a:t>Fluent API</a:t>
+            </a:r>
+          </a:p>
+        </p:txBody>
+      </p:sp>
+    </p:spTree>
+    <p:extLst>
+      <p:ext uri="{BB962C8B-B14F-4D97-AF65-F5344CB8AC3E}">
+        <p14:creationId xmlns:p14="http://schemas.microsoft.com/office/powerpoint/2010/main" val="180405745"/>
+      </p:ext>
+    </p:extLst>
+  </p:cSld>
+  <p:clrMapOvr>
+    <a:masterClrMapping/>
+  </p:clrMapOvr>
+  <p:transition spd="slow">
+    <p:push dir="u"/>
+  </p:transition>
+  <p:timing>
+    <p:tnLst>
+      <p:par>
+        <p:cTn id="1" dur="indefinite" restart="never" nodeType="tmRoot">
+          <p:childTnLst>
+            <p:seq concurrent="1" nextAc="seek">
+              <p:cTn id="2" dur="indefinite" nodeType="mainSeq">
+                <p:childTnLst>
+                  <p:par>
+                    <p:cTn id="3" fill="hold">
+                      <p:stCondLst>
+                        <p:cond delay="indefinite"/>
+                        <p:cond evt="onBegin" delay="0">
+                          <p:tn val="2"/>
+                        </p:cond>
+                      </p:stCondLst>
+                      <p:childTnLst>
+                        <p:par>
+                          <p:cTn id="4" fill="hold">
+                            <p:stCondLst>
+                              <p:cond delay="0"/>
+                            </p:stCondLst>
+                            <p:childTnLst>
+                              <p:par>
+                                <p:cTn id="5" presetID="2" presetClass="entr" presetSubtype="4" accel="20000" decel="60000" fill="hold" grpId="0" nodeType="afterEffect">
+                                  <p:stCondLst>
+                                    <p:cond delay="0"/>
+                                  </p:stCondLst>
+                                  <p:iterate type="wd">
+                                    <p:tmPct val="10000"/>
+                                  </p:iterate>
+                                  <p:childTnLst>
+                                    <p:set>
+                                      <p:cBhvr>
+                                        <p:cTn id="6" dur="1" fill="hold">
+                                          <p:stCondLst>
+                                            <p:cond delay="0"/>
+                                          </p:stCondLst>
+                                        </p:cTn>
+                                        <p:tgtEl>
+                                          <p:spTgt spid="6"/>
+                                        </p:tgtEl>
+                                        <p:attrNameLst>
+                                          <p:attrName>style.visibility</p:attrName>
+                                        </p:attrNameLst>
+                                      </p:cBhvr>
+                                      <p:to>
+                                        <p:strVal val="visible"/>
+                                      </p:to>
+                                    </p:set>
+                                    <p:anim calcmode="lin" valueType="num">
+                                      <p:cBhvr additive="base">
+                                        <p:cTn id="7" dur="500" fill="hold"/>
+                                        <p:tgtEl>
+                                          <p:spTgt spid="6"/>
+                                        </p:tgtEl>
+                                        <p:attrNameLst>
+                                          <p:attrName>ppt_x</p:attrName>
+                                        </p:attrNameLst>
+                                      </p:cBhvr>
+                                      <p:tavLst>
+                                        <p:tav tm="0">
+                                          <p:val>
+                                            <p:strVal val="#ppt_x"/>
+                                          </p:val>
+                                        </p:tav>
+                                        <p:tav tm="100000">
+                                          <p:val>
+                                            <p:strVal val="#ppt_x"/>
+                                          </p:val>
+                                        </p:tav>
+                                      </p:tavLst>
+                                    </p:anim>
+                                    <p:anim calcmode="lin" valueType="num">
+                                      <p:cBhvr additive="base">
+                                        <p:cTn id="8" dur="500" fill="hold"/>
+                                        <p:tgtEl>
+                                          <p:spTgt spid="6"/>
+                                        </p:tgtEl>
+                                        <p:attrNameLst>
+                                          <p:attrName>ppt_y</p:attrName>
+                                        </p:attrNameLst>
+                                      </p:cBhvr>
+                                      <p:tavLst>
+                                        <p:tav tm="0">
+                                          <p:val>
+                                            <p:strVal val="1+#ppt_h/2"/>
+                                          </p:val>
+                                        </p:tav>
+                                        <p:tav tm="100000">
+                                          <p:val>
+                                            <p:strVal val="#ppt_y"/>
+                                          </p:val>
+                                        </p:tav>
+                                      </p:tavLst>
+                                    </p:anim>
+                                  </p:childTnLst>
+                                </p:cTn>
+                              </p:par>
+                            </p:childTnLst>
+                          </p:cTn>
+                        </p:par>
+                        <p:par>
+                          <p:cTn id="9" fill="hold">
+                            <p:stCondLst>
+                              <p:cond delay="600"/>
+                            </p:stCondLst>
+                            <p:childTnLst>
+                              <p:par>
+                                <p:cTn id="10" presetID="2" presetClass="entr" presetSubtype="4" accel="20000" decel="60000" fill="hold" grpId="0" nodeType="afterEffect">
+                                  <p:stCondLst>
+                                    <p:cond delay="0"/>
+                                  </p:stCondLst>
+                                  <p:iterate type="wd">
+                                    <p:tmPct val="10000"/>
+                                  </p:iterate>
+                                  <p:childTnLst>
+                                    <p:set>
+                                      <p:cBhvr>
+                                        <p:cTn id="11" dur="1" fill="hold">
+                                          <p:stCondLst>
+                                            <p:cond delay="0"/>
+                                          </p:stCondLst>
+                                        </p:cTn>
+                                        <p:tgtEl>
+                                          <p:spTgt spid="8"/>
+                                        </p:tgtEl>
+                                        <p:attrNameLst>
+                                          <p:attrName>style.visibility</p:attrName>
+                                        </p:attrNameLst>
+                                      </p:cBhvr>
+                                      <p:to>
+                                        <p:strVal val="visible"/>
+                                      </p:to>
+                                    </p:set>
+                                    <p:anim calcmode="lin" valueType="num">
+                                      <p:cBhvr additive="base">
+                                        <p:cTn id="12" dur="500" fill="hold"/>
+                                        <p:tgtEl>
+                                          <p:spTgt spid="8"/>
+                                        </p:tgtEl>
+                                        <p:attrNameLst>
+                                          <p:attrName>ppt_x</p:attrName>
+                                        </p:attrNameLst>
+                                      </p:cBhvr>
+                                      <p:tavLst>
+                                        <p:tav tm="0">
+                                          <p:val>
+                                            <p:strVal val="#ppt_x"/>
+                                          </p:val>
+                                        </p:tav>
+                                        <p:tav tm="100000">
+                                          <p:val>
+                                            <p:strVal val="#ppt_x"/>
+                                          </p:val>
+                                        </p:tav>
+                                      </p:tavLst>
+                                    </p:anim>
+                                    <p:anim calcmode="lin" valueType="num">
+                                      <p:cBhvr additive="base">
+                                        <p:cTn id="13" dur="500" fill="hold"/>
+                                        <p:tgtEl>
+                                          <p:spTgt spid="8"/>
+                                        </p:tgtEl>
+                                        <p:attrNameLst>
+                                          <p:attrName>ppt_y</p:attrName>
+                                        </p:attrNameLst>
+                                      </p:cBhvr>
+                                      <p:tavLst>
+                                        <p:tav tm="0">
+                                          <p:val>
+                                            <p:strVal val="1+#ppt_h/2"/>
+                                          </p:val>
+                                        </p:tav>
+                                        <p:tav tm="100000">
+                                          <p:val>
+                                            <p:strVal val="#ppt_y"/>
+                                          </p:val>
+                                        </p:tav>
+                                      </p:tavLst>
+                                    </p:anim>
+                                  </p:childTnLst>
+                                </p:cTn>
+                              </p:par>
+                            </p:childTnLst>
+                          </p:cTn>
+                        </p:par>
+                        <p:par>
+                          <p:cTn id="14" fill="hold">
+                            <p:stCondLst>
+                              <p:cond delay="1150"/>
+                            </p:stCondLst>
+                            <p:childTnLst>
+                              <p:par>
+                                <p:cTn id="15" presetID="2" presetClass="entr" presetSubtype="4" accel="20000" decel="60000" fill="hold" grpId="0" nodeType="afterEffect">
+                                  <p:stCondLst>
+                                    <p:cond delay="0"/>
+                                  </p:stCondLst>
+                                  <p:iterate type="wd">
+                                    <p:tmPct val="10000"/>
+                                  </p:iterate>
+                                  <p:childTnLst>
+                                    <p:set>
+                                      <p:cBhvr>
+                                        <p:cTn id="16" dur="1" fill="hold">
+                                          <p:stCondLst>
+                                            <p:cond delay="0"/>
+                                          </p:stCondLst>
+                                        </p:cTn>
+                                        <p:tgtEl>
+                                          <p:spTgt spid="11"/>
+                                        </p:tgtEl>
+                                        <p:attrNameLst>
+                                          <p:attrName>style.visibility</p:attrName>
+                                        </p:attrNameLst>
+                                      </p:cBhvr>
+                                      <p:to>
+                                        <p:strVal val="visible"/>
+                                      </p:to>
+                                    </p:set>
+                                    <p:anim calcmode="lin" valueType="num">
+                                      <p:cBhvr additive="base">
+                                        <p:cTn id="17" dur="500" fill="hold"/>
+                                        <p:tgtEl>
+                                          <p:spTgt spid="11"/>
+                                        </p:tgtEl>
+                                        <p:attrNameLst>
+                                          <p:attrName>ppt_x</p:attrName>
+                                        </p:attrNameLst>
+                                      </p:cBhvr>
+                                      <p:tavLst>
+                                        <p:tav tm="0">
+                                          <p:val>
+                                            <p:strVal val="#ppt_x"/>
+                                          </p:val>
+                                        </p:tav>
+                                        <p:tav tm="100000">
+                                          <p:val>
+                                            <p:strVal val="#ppt_x"/>
+                                          </p:val>
+                                        </p:tav>
+                                      </p:tavLst>
+                                    </p:anim>
+                                    <p:anim calcmode="lin" valueType="num">
+                                      <p:cBhvr additive="base">
+                                        <p:cTn id="18" dur="500" fill="hold"/>
+                                        <p:tgtEl>
+                                          <p:spTgt spid="11"/>
+                                        </p:tgtEl>
+                                        <p:attrNameLst>
+                                          <p:attrName>ppt_y</p:attrName>
+                                        </p:attrNameLst>
+                                      </p:cBhvr>
+                                      <p:tavLst>
+                                        <p:tav tm="0">
+                                          <p:val>
+                                            <p:strVal val="1+#ppt_h/2"/>
+                                          </p:val>
+                                        </p:tav>
+                                        <p:tav tm="100000">
+                                          <p:val>
+                                            <p:strVal val="#ppt_y"/>
+                                          </p:val>
+                                        </p:tav>
+                                      </p:tavLst>
+                                    </p:anim>
+                                  </p:childTnLst>
+                                </p:cTn>
+                              </p:par>
+                            </p:childTnLst>
+                          </p:cTn>
+                        </p:par>
+                      </p:childTnLst>
+                    </p:cTn>
+                  </p:par>
+                </p:childTnLst>
+              </p:cTn>
+              <p:prevCondLst>
+                <p:cond evt="onPrev" delay="0">
+                  <p:tgtEl>
+                    <p:sldTgt/>
+                  </p:tgtEl>
+                </p:cond>
+              </p:prevCondLst>
+              <p:nextCondLst>
+                <p:cond evt="onNext" delay="0">
+                  <p:tgtEl>
+                    <p:sldTgt/>
+                  </p:tgtEl>
+                </p:cond>
+              </p:nextCondLst>
+            </p:seq>
+          </p:childTnLst>
+        </p:cTn>
+      </p:par>
+    </p:tnLst>
+    <p:bldLst>
+      <p:bldP spid="6" grpId="0"/>
+      <p:bldP spid="8" grpId="0"/>
+      <p:bldP spid="11" grpId="0"/>
+    </p:bldLst>
+  </p:timing>
+</p:sld>
+</file>
+
+<file path=ppt/slides/slide24.xml><?xml version="1.0" encoding="utf-8"?>
+<p:sld xmlns:a="http://schemas.openxmlformats.org/drawingml/2006/main" xmlns:r="http://schemas.openxmlformats.org/officeDocument/2006/relationships" xmlns:p="http://schemas.openxmlformats.org/presentationml/2006/main">
+  <p:cSld>
+    <p:spTree>
+      <p:nvGrpSpPr>
+        <p:cNvPr id="1" name=""/>
+        <p:cNvGrpSpPr/>
+        <p:nvPr/>
+      </p:nvGrpSpPr>
+      <p:grpSpPr>
+        <a:xfrm>
+          <a:off x="0" y="0"/>
+          <a:ext cx="0" cy="0"/>
+          <a:chOff x="0" y="0"/>
+          <a:chExt cx="0" cy="0"/>
+        </a:xfrm>
+      </p:grpSpPr>
+      <p:pic>
+        <p:nvPicPr>
+          <p:cNvPr id="9" name="Picture Placeholder 7" descr="A picture containing text, vector graphics&#10;&#10;Description automatically generated">
+            <a:extLst>
+              <a:ext uri="{FF2B5EF4-FFF2-40B4-BE49-F238E27FC236}">
+                <a16:creationId xmlns:a16="http://schemas.microsoft.com/office/drawing/2014/main" id="{EEF13F29-2B41-4CB1-9F01-27DCF071E205}"/>
+              </a:ext>
+            </a:extLst>
+          </p:cNvPr>
+          <p:cNvPicPr>
+            <a:picLocks noGrp="1" noChangeAspect="1"/>
+          </p:cNvPicPr>
+          <p:nvPr>
+            <p:ph type="pic" sz="quarter" idx="10"/>
+          </p:nvPr>
+        </p:nvPicPr>
+        <p:blipFill>
+          <a:blip r:embed="rId2" cstate="print">
+            <a:alphaModFix amt="85000"/>
+            <a:extLst>
+              <a:ext uri="{28A0092B-C50C-407E-A947-70E740481C1C}">
+                <a14:useLocalDpi xmlns:a14="http://schemas.microsoft.com/office/drawing/2010/main" val="0"/>
+              </a:ext>
+            </a:extLst>
+          </a:blip>
+          <a:srcRect t="2234" b="2234"/>
+          <a:stretch>
+            <a:fillRect/>
+          </a:stretch>
+        </p:blipFill>
+        <p:spPr>
+          <a:xfrm>
+            <a:off x="0" y="0"/>
+            <a:ext cx="9144000" cy="5143500"/>
+          </a:xfrm>
+        </p:spPr>
+      </p:pic>
+      <p:sp>
+        <p:nvSpPr>
+          <p:cNvPr id="2" name="Rectangle 1"/>
+          <p:cNvSpPr/>
+          <p:nvPr/>
+        </p:nvSpPr>
+        <p:spPr>
+          <a:xfrm>
+            <a:off x="0" y="-8001"/>
+            <a:ext cx="9144000" cy="5151501"/>
+          </a:xfrm>
+          <a:prstGeom prst="rect">
+            <a:avLst/>
+          </a:prstGeom>
+          <a:solidFill>
+            <a:schemeClr val="tx1">
+              <a:lumMod val="90000"/>
+              <a:lumOff val="10000"/>
+              <a:alpha val="80000"/>
+            </a:schemeClr>
+          </a:solidFill>
+          <a:ln w="9525">
+            <a:noFill/>
+            <a:round/>
+            <a:headEnd/>
+            <a:tailEnd/>
+          </a:ln>
+        </p:spPr>
+        <p:txBody>
+          <a:bodyPr vert="horz" wrap="square" lIns="91440" tIns="45720" rIns="91440" bIns="45720" numCol="1" rtlCol="0" anchor="t" anchorCtr="0" compatLnSpc="1">
+            <a:prstTxWarp prst="textNoShape">
+              <a:avLst/>
+            </a:prstTxWarp>
+          </a:bodyPr>
+          <a:lstStyle/>
+          <a:p>
+            <a:pPr algn="ctr"/>
+            <a:endParaRPr lang="en-US">
+              <a:solidFill>
+                <a:schemeClr val="tx1"/>
+              </a:solidFill>
+            </a:endParaRPr>
+          </a:p>
+        </p:txBody>
+      </p:sp>
+      <p:sp>
+        <p:nvSpPr>
+          <p:cNvPr id="5" name="Rectangle 4"/>
+          <p:cNvSpPr/>
+          <p:nvPr/>
+        </p:nvSpPr>
+        <p:spPr>
+          <a:xfrm>
+            <a:off x="447876" y="1084859"/>
+            <a:ext cx="8248247" cy="2267287"/>
+          </a:xfrm>
+          <a:prstGeom prst="rect">
+            <a:avLst/>
+          </a:prstGeom>
+        </p:spPr>
+        <p:txBody>
+          <a:bodyPr wrap="square" anchor="t">
+            <a:spAutoFit/>
+          </a:bodyPr>
+          <a:lstStyle/>
+          <a:p>
+            <a:pPr marL="285750" indent="-285750">
+              <a:lnSpc>
+                <a:spcPct val="150000"/>
+              </a:lnSpc>
+              <a:buFont typeface="Wingdings" panose="05000000000000000000" pitchFamily="2" charset="2"/>
+              <a:buChar char="q"/>
+            </a:pPr>
+            <a:r>
+              <a:rPr lang="en-US" sz="1600" dirty="0">
+                <a:solidFill>
+                  <a:schemeClr val="bg1"/>
+                </a:solidFill>
+              </a:rPr>
+              <a:t>Custom Queries </a:t>
+            </a:r>
+          </a:p>
+          <a:p>
+            <a:pPr marL="285750" indent="-285750">
+              <a:lnSpc>
+                <a:spcPct val="150000"/>
+              </a:lnSpc>
+              <a:buFont typeface="Wingdings" panose="05000000000000000000" pitchFamily="2" charset="2"/>
+              <a:buChar char="q"/>
+            </a:pPr>
+            <a:endParaRPr lang="en-US" sz="1600" dirty="0">
+              <a:solidFill>
+                <a:schemeClr val="bg1"/>
+              </a:solidFill>
+            </a:endParaRPr>
+          </a:p>
+          <a:p>
+            <a:pPr marL="285750" indent="-285750">
+              <a:lnSpc>
+                <a:spcPct val="150000"/>
+              </a:lnSpc>
+              <a:buFont typeface="Wingdings" panose="05000000000000000000" pitchFamily="2" charset="2"/>
+              <a:buChar char="q"/>
+            </a:pPr>
+            <a:r>
+              <a:rPr lang="en-US" sz="1600" dirty="0">
+                <a:solidFill>
+                  <a:schemeClr val="bg1"/>
+                </a:solidFill>
+              </a:rPr>
+              <a:t>Custom Result Sets – Map to Class</a:t>
             </a:r>
           </a:p>
           <a:p>
@@ -8310,7 +11092,7 @@
 </p:sld>
 </file>
 
-<file path=ppt/slides/slide22.xml><?xml version="1.0" encoding="utf-8"?>
+<file path=ppt/slides/slide25.xml><?xml version="1.0" encoding="utf-8"?>
 <p:sld xmlns:a="http://schemas.openxmlformats.org/drawingml/2006/main" xmlns:r="http://schemas.openxmlformats.org/officeDocument/2006/relationships" xmlns:p="http://schemas.openxmlformats.org/presentationml/2006/main">
   <p:cSld>
     <p:spTree>

--- a/Sections/Section 3/Entity Fundamentals Using .NET 6_Section 3.pptx
+++ b/Sections/Section 3/Entity Fundamentals Using .NET 6_Section 3.pptx
@@ -227,7 +227,7 @@
           <a:p>
             <a:fld id="{39C05CB7-7154-42F2-8D93-1E20B1508952}" type="datetimeFigureOut">
               <a:rPr lang="en-US" smtClean="0"/>
-              <a:t>4/3/2022</a:t>
+              <a:t>4/11/2022</a:t>
             </a:fld>
             <a:endParaRPr lang="en-US"/>
           </a:p>
@@ -392,7 +392,7 @@
           <a:p>
             <a:fld id="{8E1E840F-9B2B-44B5-896B-5B857B514EB5}" type="datetimeFigureOut">
               <a:rPr lang="en-US" smtClean="0"/>
-              <a:t>4/3/2022</a:t>
+              <a:t>4/11/2022</a:t>
             </a:fld>
             <a:endParaRPr lang="en-US"/>
           </a:p>
@@ -9361,7 +9361,7 @@
         <p:spPr>
           <a:xfrm>
             <a:off x="447876" y="1084859"/>
-            <a:ext cx="8248247" cy="2267287"/>
+            <a:ext cx="8248247" cy="3375283"/>
           </a:xfrm>
           <a:prstGeom prst="rect">
             <a:avLst/>
@@ -9386,7 +9386,32 @@
                   <a:schemeClr val="bg1"/>
                 </a:solidFill>
               </a:rPr>
-              <a:t>Generate SP for Insert, Update, Delete Operations</a:t>
+              <a:t>NO LONGER SUPPORTED: Generate SP for Insert, Update, Delete Operations</a:t>
+            </a:r>
+          </a:p>
+          <a:p>
+            <a:pPr marL="628650" lvl="1" indent="-285750">
+              <a:lnSpc>
+                <a:spcPct val="150000"/>
+              </a:lnSpc>
+              <a:buFont typeface="Wingdings" panose="05000000000000000000" pitchFamily="2" charset="2"/>
+              <a:buChar char="q"/>
+            </a:pPr>
+            <a:r>
+              <a:rPr lang="en-US" sz="1600" dirty="0" err="1">
+                <a:solidFill>
+                  <a:schemeClr val="bg1"/>
+                </a:solidFill>
+              </a:rPr>
+              <a:t>MapToStoredProcedures</a:t>
+            </a:r>
+            <a:r>
+              <a:rPr lang="en-US" sz="1600" dirty="0">
+                <a:solidFill>
+                  <a:schemeClr val="bg1"/>
+                </a:solidFill>
+              </a:rPr>
+              <a:t>() gone! </a:t>
             </a:r>
           </a:p>
           <a:p>
@@ -9426,7 +9451,7 @@
                 </a:solidFill>
                 <a:sym typeface="Wingdings" panose="05000000000000000000" pitchFamily="2" charset="2"/>
               </a:rPr>
-              <a:t> Custom</a:t>
+              <a:t> Table / Custom</a:t>
             </a:r>
             <a:r>
               <a:rPr lang="en-US" sz="1600" dirty="0">
@@ -9434,7 +9459,7 @@
                   <a:schemeClr val="bg1"/>
                 </a:solidFill>
               </a:rPr>
-              <a:t> Result Sets</a:t>
+              <a:t> Result Sets [dataset based]</a:t>
             </a:r>
           </a:p>
           <a:p>
@@ -9465,14 +9490,108 @@
                   <a:schemeClr val="bg1"/>
                 </a:solidFill>
               </a:rPr>
-              <a:t>Business Processes (dataset based)</a:t>
+              <a:t>Use </a:t>
+            </a:r>
+            <a:r>
+              <a:rPr lang="en-US" sz="1600" dirty="0" err="1">
+                <a:solidFill>
+                  <a:schemeClr val="bg1"/>
+                </a:solidFill>
+              </a:rPr>
+              <a:t>FromSqlRaw</a:t>
+            </a:r>
+            <a:endParaRPr lang="en-US" sz="1600" dirty="0">
+              <a:solidFill>
+                <a:schemeClr val="bg1"/>
+              </a:solidFill>
+            </a:endParaRPr>
+          </a:p>
+          <a:p>
+            <a:pPr marL="285750" indent="-285750">
+              <a:lnSpc>
+                <a:spcPct val="150000"/>
+              </a:lnSpc>
+              <a:buFont typeface="Wingdings" panose="05000000000000000000" pitchFamily="2" charset="2"/>
+              <a:buChar char="q"/>
+            </a:pPr>
+            <a:endParaRPr lang="en-US" sz="1600" dirty="0">
+              <a:solidFill>
+                <a:schemeClr val="bg1"/>
+              </a:solidFill>
+            </a:endParaRPr>
+          </a:p>
+          <a:p>
+            <a:pPr marL="285750" indent="-285750">
+              <a:lnSpc>
+                <a:spcPct val="150000"/>
+              </a:lnSpc>
+              <a:buFont typeface="Wingdings" panose="05000000000000000000" pitchFamily="2" charset="2"/>
+              <a:buChar char="q"/>
+            </a:pPr>
+            <a:r>
+              <a:rPr lang="en-US" sz="1600" dirty="0">
+                <a:solidFill>
+                  <a:schemeClr val="bg1"/>
+                </a:solidFill>
+              </a:rPr>
+              <a:t>Bind </a:t>
+            </a:r>
+            <a:r>
+              <a:rPr lang="en-US" sz="1600" dirty="0" err="1">
+                <a:solidFill>
+                  <a:schemeClr val="bg1"/>
+                </a:solidFill>
+              </a:rPr>
+              <a:t>Pameters</a:t>
+            </a:r>
+            <a:r>
+              <a:rPr lang="en-US" sz="1600" dirty="0">
+                <a:solidFill>
+                  <a:schemeClr val="bg1"/>
+                </a:solidFill>
+              </a:rPr>
+              <a:t> using </a:t>
+            </a:r>
+            <a:r>
+              <a:rPr lang="en-US" sz="1600" dirty="0" err="1">
+                <a:solidFill>
+                  <a:schemeClr val="bg1"/>
+                </a:solidFill>
+              </a:rPr>
+              <a:t>SqlParameters</a:t>
+            </a:r>
+            <a:r>
+              <a:rPr lang="en-US" sz="1600" dirty="0">
+                <a:solidFill>
+                  <a:schemeClr val="bg1"/>
+                </a:solidFill>
+              </a:rPr>
+              <a:t> – avoid </a:t>
+            </a:r>
+            <a:r>
+              <a:rPr lang="en-US" sz="1600" dirty="0" err="1">
+                <a:solidFill>
+                  <a:schemeClr val="bg1"/>
+                </a:solidFill>
+              </a:rPr>
+              <a:t>Sql</a:t>
+            </a:r>
+            <a:r>
+              <a:rPr lang="en-US" sz="1600" dirty="0">
+                <a:solidFill>
+                  <a:schemeClr val="bg1"/>
+                </a:solidFill>
+              </a:rPr>
+              <a:t> Injection Attacks</a:t>
             </a:r>
           </a:p>
           <a:p>
-            <a:pPr>
+            <a:pPr marL="285750" indent="-285750">
               <a:lnSpc>
                 <a:spcPct val="150000"/>
               </a:lnSpc>
+              <a:buFont typeface="Wingdings" panose="05000000000000000000" pitchFamily="2" charset="2"/>
+              <a:buChar char="q"/>
             </a:pPr>
             <a:endParaRPr lang="en-US" sz="1600" dirty="0">
               <a:solidFill>
@@ -9517,6 +9636,252 @@
               <a:solidFill>
                 <a:schemeClr val="accent5"/>
               </a:solidFill>
+            </a:endParaRPr>
+          </a:p>
+        </p:txBody>
+      </p:sp>
+      <p:sp>
+        <p:nvSpPr>
+          <p:cNvPr id="3" name="Rectangle 1">
+            <a:extLst>
+              <a:ext uri="{FF2B5EF4-FFF2-40B4-BE49-F238E27FC236}">
+                <a16:creationId xmlns:a16="http://schemas.microsoft.com/office/drawing/2014/main" id="{D57A58A8-0A79-45AB-A5B5-E22890646246}"/>
+              </a:ext>
+            </a:extLst>
+          </p:cNvPr>
+          <p:cNvSpPr>
+            <a:spLocks noChangeArrowheads="1"/>
+          </p:cNvSpPr>
+          <p:nvPr/>
+        </p:nvSpPr>
+        <p:spPr bwMode="auto">
+          <a:xfrm>
+            <a:off x="0" y="143961"/>
+            <a:ext cx="43282" cy="169277"/>
+          </a:xfrm>
+          <a:prstGeom prst="rect">
+            <a:avLst/>
+          </a:prstGeom>
+          <a:noFill/>
+          <a:ln>
+            <a:noFill/>
+          </a:ln>
+          <a:effectLst/>
+          <a:extLst>
+            <a:ext uri="{909E8E84-426E-40DD-AFC4-6F175D3DCCD1}">
+              <a14:hiddenFill xmlns:a14="http://schemas.microsoft.com/office/drawing/2010/main">
+                <a:solidFill>
+                  <a:schemeClr val="accent1"/>
+                </a:solidFill>
+              </a14:hiddenFill>
+            </a:ext>
+            <a:ext uri="{91240B29-F687-4F45-9708-019B960494DF}">
+              <a14:hiddenLine xmlns:a14="http://schemas.microsoft.com/office/drawing/2010/main" w="9525">
+                <a:solidFill>
+                  <a:schemeClr val="tx1"/>
+                </a:solidFill>
+                <a:miter lim="800000"/>
+                <a:headEnd/>
+                <a:tailEnd/>
+              </a14:hiddenLine>
+            </a:ext>
+            <a:ext uri="{AF507438-7753-43E0-B8FC-AC1667EBCBE1}">
+              <a14:hiddenEffects xmlns:a14="http://schemas.microsoft.com/office/drawing/2010/main">
+                <a:effectLst>
+                  <a:outerShdw dist="35921" dir="2700000" algn="ctr" rotWithShape="0">
+                    <a:schemeClr val="bg2"/>
+                  </a:outerShdw>
+                </a:effectLst>
+              </a14:hiddenEffects>
+            </a:ext>
+          </a:extLst>
+        </p:spPr>
+        <p:txBody>
+          <a:bodyPr vert="horz" wrap="none" lIns="0" tIns="0" rIns="0" bIns="0" numCol="1" anchor="ctr" anchorCtr="0" compatLnSpc="1">
+            <a:prstTxWarp prst="textNoShape">
+              <a:avLst/>
+            </a:prstTxWarp>
+            <a:spAutoFit/>
+          </a:bodyPr>
+          <a:lstStyle>
+            <a:lvl1pPr eaLnBrk="0" fontAlgn="base" hangingPunct="0">
+              <a:spcBef>
+                <a:spcPct val="0"/>
+              </a:spcBef>
+              <a:spcAft>
+                <a:spcPct val="0"/>
+              </a:spcAft>
+              <a:defRPr>
+                <a:solidFill>
+                  <a:schemeClr val="tx1"/>
+                </a:solidFill>
+                <a:latin typeface="Arial" panose="020B0604020202020204" pitchFamily="34" charset="0"/>
+              </a:defRPr>
+            </a:lvl1pPr>
+            <a:lvl2pPr marL="457200" eaLnBrk="0" fontAlgn="base" hangingPunct="0">
+              <a:spcBef>
+                <a:spcPct val="0"/>
+              </a:spcBef>
+              <a:spcAft>
+                <a:spcPct val="0"/>
+              </a:spcAft>
+              <a:defRPr>
+                <a:solidFill>
+                  <a:schemeClr val="tx1"/>
+                </a:solidFill>
+                <a:latin typeface="Arial" panose="020B0604020202020204" pitchFamily="34" charset="0"/>
+              </a:defRPr>
+            </a:lvl2pPr>
+            <a:lvl3pPr marL="914400" eaLnBrk="0" fontAlgn="base" hangingPunct="0">
+              <a:spcBef>
+                <a:spcPct val="0"/>
+              </a:spcBef>
+              <a:spcAft>
+                <a:spcPct val="0"/>
+              </a:spcAft>
+              <a:defRPr>
+                <a:solidFill>
+                  <a:schemeClr val="tx1"/>
+                </a:solidFill>
+                <a:latin typeface="Arial" panose="020B0604020202020204" pitchFamily="34" charset="0"/>
+              </a:defRPr>
+            </a:lvl3pPr>
+            <a:lvl4pPr marL="1371600" eaLnBrk="0" fontAlgn="base" hangingPunct="0">
+              <a:spcBef>
+                <a:spcPct val="0"/>
+              </a:spcBef>
+              <a:spcAft>
+                <a:spcPct val="0"/>
+              </a:spcAft>
+              <a:defRPr>
+                <a:solidFill>
+                  <a:schemeClr val="tx1"/>
+                </a:solidFill>
+                <a:latin typeface="Arial" panose="020B0604020202020204" pitchFamily="34" charset="0"/>
+              </a:defRPr>
+            </a:lvl4pPr>
+            <a:lvl5pPr marL="1828800" eaLnBrk="0" fontAlgn="base" hangingPunct="0">
+              <a:spcBef>
+                <a:spcPct val="0"/>
+              </a:spcBef>
+              <a:spcAft>
+                <a:spcPct val="0"/>
+              </a:spcAft>
+              <a:defRPr>
+                <a:solidFill>
+                  <a:schemeClr val="tx1"/>
+                </a:solidFill>
+                <a:latin typeface="Arial" panose="020B0604020202020204" pitchFamily="34" charset="0"/>
+              </a:defRPr>
+            </a:lvl5pPr>
+            <a:lvl6pPr marL="2286000" eaLnBrk="0" fontAlgn="base" hangingPunct="0">
+              <a:spcBef>
+                <a:spcPct val="0"/>
+              </a:spcBef>
+              <a:spcAft>
+                <a:spcPct val="0"/>
+              </a:spcAft>
+              <a:defRPr>
+                <a:solidFill>
+                  <a:schemeClr val="tx1"/>
+                </a:solidFill>
+                <a:latin typeface="Arial" panose="020B0604020202020204" pitchFamily="34" charset="0"/>
+              </a:defRPr>
+            </a:lvl6pPr>
+            <a:lvl7pPr marL="2743200" eaLnBrk="0" fontAlgn="base" hangingPunct="0">
+              <a:spcBef>
+                <a:spcPct val="0"/>
+              </a:spcBef>
+              <a:spcAft>
+                <a:spcPct val="0"/>
+              </a:spcAft>
+              <a:defRPr>
+                <a:solidFill>
+                  <a:schemeClr val="tx1"/>
+                </a:solidFill>
+                <a:latin typeface="Arial" panose="020B0604020202020204" pitchFamily="34" charset="0"/>
+              </a:defRPr>
+            </a:lvl7pPr>
+            <a:lvl8pPr marL="3200400" eaLnBrk="0" fontAlgn="base" hangingPunct="0">
+              <a:spcBef>
+                <a:spcPct val="0"/>
+              </a:spcBef>
+              <a:spcAft>
+                <a:spcPct val="0"/>
+              </a:spcAft>
+              <a:defRPr>
+                <a:solidFill>
+                  <a:schemeClr val="tx1"/>
+                </a:solidFill>
+                <a:latin typeface="Arial" panose="020B0604020202020204" pitchFamily="34" charset="0"/>
+              </a:defRPr>
+            </a:lvl8pPr>
+            <a:lvl9pPr marL="3657600" eaLnBrk="0" fontAlgn="base" hangingPunct="0">
+              <a:spcBef>
+                <a:spcPct val="0"/>
+              </a:spcBef>
+              <a:spcAft>
+                <a:spcPct val="0"/>
+              </a:spcAft>
+              <a:defRPr>
+                <a:solidFill>
+                  <a:schemeClr val="tx1"/>
+                </a:solidFill>
+                <a:latin typeface="Arial" panose="020B0604020202020204" pitchFamily="34" charset="0"/>
+              </a:defRPr>
+            </a:lvl9pPr>
+          </a:lstStyle>
+          <a:p>
+            <a:pPr marL="0" marR="0" lvl="0" indent="0" algn="l" defTabSz="914400" rtl="0" eaLnBrk="0" fontAlgn="base" latinLnBrk="0" hangingPunct="0">
+              <a:lnSpc>
+                <a:spcPct val="100000"/>
+              </a:lnSpc>
+              <a:spcBef>
+                <a:spcPct val="0"/>
+              </a:spcBef>
+              <a:spcAft>
+                <a:spcPct val="0"/>
+              </a:spcAft>
+              <a:buClrTx/>
+              <a:buSzTx/>
+              <a:buFontTx/>
+              <a:buNone/>
+              <a:tabLst/>
+            </a:pPr>
+            <a:r>
+              <a:rPr kumimoji="0" lang="en-US" altLang="en-US" sz="1100" b="0" i="0" u="none" strike="noStrike" cap="none" normalizeH="0" baseline="0" dirty="0">
+                <a:ln>
+                  <a:noFill/>
+                </a:ln>
+                <a:solidFill>
+                  <a:srgbClr val="232629"/>
+                </a:solidFill>
+                <a:effectLst/>
+                <a:latin typeface="-apple-system"/>
+              </a:rPr>
+              <a:t> </a:t>
+            </a:r>
+            <a:r>
+              <a:rPr kumimoji="0" lang="en-US" altLang="en-US" sz="300" b="0" i="0" u="none" strike="noStrike" cap="none" normalizeH="0" baseline="0" dirty="0">
+                <a:ln>
+                  <a:noFill/>
+                </a:ln>
+                <a:solidFill>
+                  <a:schemeClr val="tx1"/>
+                </a:solidFill>
+                <a:effectLst/>
+              </a:rPr>
+              <a:t> </a:t>
+            </a:r>
+            <a:endParaRPr kumimoji="0" lang="en-US" altLang="en-US" sz="1800" b="0" i="0" u="none" strike="noStrike" cap="none" normalizeH="0" baseline="0" dirty="0">
+              <a:ln>
+                <a:noFill/>
+              </a:ln>
+              <a:solidFill>
+                <a:schemeClr val="tx1"/>
+              </a:solidFill>
+              <a:effectLst/>
+              <a:latin typeface="Arial" panose="020B0604020202020204" pitchFamily="34" charset="0"/>
             </a:endParaRPr>
           </a:p>
         </p:txBody>
@@ -10788,7 +11153,23 @@
                   <a:schemeClr val="bg1"/>
                 </a:solidFill>
               </a:rPr>
-              <a:t>Custom Queries </a:t>
+              <a:t>Custom Queries (can be </a:t>
+            </a:r>
+            <a:r>
+              <a:rPr lang="en-US" sz="1600" dirty="0" err="1">
+                <a:solidFill>
+                  <a:schemeClr val="bg1"/>
+                </a:solidFill>
+              </a:rPr>
+              <a:t>StoredProcedures</a:t>
+            </a:r>
+            <a:r>
+              <a:rPr lang="en-US" sz="1600" dirty="0">
+                <a:solidFill>
+                  <a:schemeClr val="bg1"/>
+                </a:solidFill>
+              </a:rPr>
+              <a:t>)</a:t>
             </a:r>
           </a:p>
           <a:p>
@@ -10819,7 +11200,39 @@
                   <a:schemeClr val="bg1"/>
                 </a:solidFill>
               </a:rPr>
-              <a:t>Custom Result Sets – Map to Class</a:t>
+              <a:t>Custom Result Sets – Map to Class (return </a:t>
+            </a:r>
+            <a:r>
+              <a:rPr lang="en-US" sz="1600" dirty="0" err="1">
+                <a:solidFill>
+                  <a:schemeClr val="bg1"/>
+                </a:solidFill>
+              </a:rPr>
+              <a:t>IEnumerable</a:t>
+            </a:r>
+            <a:r>
+              <a:rPr lang="en-US" sz="1600" dirty="0">
+                <a:solidFill>
+                  <a:schemeClr val="bg1"/>
+                </a:solidFill>
+              </a:rPr>
+              <a:t>&lt;</a:t>
+            </a:r>
+            <a:r>
+              <a:rPr lang="en-US" sz="1600" b="1" i="1" dirty="0" err="1">
+                <a:solidFill>
+                  <a:srgbClr val="FF0000"/>
+                </a:solidFill>
+              </a:rPr>
+              <a:t>ClassName</a:t>
+            </a:r>
+            <a:r>
+              <a:rPr lang="en-US" sz="1600" dirty="0">
+                <a:solidFill>
+                  <a:schemeClr val="bg1"/>
+                </a:solidFill>
+              </a:rPr>
+              <a:t>&gt; results)</a:t>
             </a:r>
           </a:p>
           <a:p>
@@ -10850,8 +11263,21 @@
                   <a:schemeClr val="bg1"/>
                 </a:solidFill>
               </a:rPr>
-              <a:t>Custom Business Processes (void results)</a:t>
+              <a:t>Custom Business Processes (void results – Return </a:t>
             </a:r>
+            <a:r>
+              <a:rPr lang="en-US" sz="1600">
+                <a:solidFill>
+                  <a:schemeClr val="bg1"/>
+                </a:solidFill>
+              </a:rPr>
+              <a:t>Status only)</a:t>
+            </a:r>
+            <a:endParaRPr lang="en-US" sz="1600" dirty="0">
+              <a:solidFill>
+                <a:schemeClr val="bg1"/>
+              </a:solidFill>
+            </a:endParaRPr>
           </a:p>
           <a:p>
             <a:pPr>
